--- a/assets/slides/fa22/11-Recursion_II.pptx
+++ b/assets/slides/fa22/11-Recursion_II.pptx
@@ -5,83 +5,82 @@
     <p:sldMasterId id="2147483659" r:id="rId1"/>
   </p:sldMasterIdLst>
   <p:notesMasterIdLst>
-    <p:notesMasterId r:id="rId31"/>
+    <p:notesMasterId r:id="rId30"/>
   </p:notesMasterIdLst>
   <p:sldIdLst>
     <p:sldId id="290" r:id="rId2"/>
-    <p:sldId id="259" r:id="rId3"/>
-    <p:sldId id="402" r:id="rId4"/>
-    <p:sldId id="400" r:id="rId5"/>
-    <p:sldId id="380" r:id="rId6"/>
-    <p:sldId id="381" r:id="rId7"/>
-    <p:sldId id="382" r:id="rId8"/>
-    <p:sldId id="404" r:id="rId9"/>
-    <p:sldId id="266" r:id="rId10"/>
-    <p:sldId id="263" r:id="rId11"/>
-    <p:sldId id="265" r:id="rId12"/>
-    <p:sldId id="405" r:id="rId13"/>
-    <p:sldId id="267" r:id="rId14"/>
-    <p:sldId id="269" r:id="rId15"/>
-    <p:sldId id="270" r:id="rId16"/>
-    <p:sldId id="406" r:id="rId17"/>
-    <p:sldId id="271" r:id="rId18"/>
-    <p:sldId id="272" r:id="rId19"/>
-    <p:sldId id="273" r:id="rId20"/>
-    <p:sldId id="274" r:id="rId21"/>
-    <p:sldId id="275" r:id="rId22"/>
-    <p:sldId id="276" r:id="rId23"/>
-    <p:sldId id="277" r:id="rId24"/>
-    <p:sldId id="278" r:id="rId25"/>
-    <p:sldId id="407" r:id="rId26"/>
-    <p:sldId id="279" r:id="rId27"/>
-    <p:sldId id="409" r:id="rId28"/>
-    <p:sldId id="408" r:id="rId29"/>
-    <p:sldId id="387" r:id="rId30"/>
+    <p:sldId id="402" r:id="rId3"/>
+    <p:sldId id="400" r:id="rId4"/>
+    <p:sldId id="380" r:id="rId5"/>
+    <p:sldId id="381" r:id="rId6"/>
+    <p:sldId id="382" r:id="rId7"/>
+    <p:sldId id="404" r:id="rId8"/>
+    <p:sldId id="266" r:id="rId9"/>
+    <p:sldId id="263" r:id="rId10"/>
+    <p:sldId id="265" r:id="rId11"/>
+    <p:sldId id="405" r:id="rId12"/>
+    <p:sldId id="267" r:id="rId13"/>
+    <p:sldId id="269" r:id="rId14"/>
+    <p:sldId id="270" r:id="rId15"/>
+    <p:sldId id="406" r:id="rId16"/>
+    <p:sldId id="271" r:id="rId17"/>
+    <p:sldId id="272" r:id="rId18"/>
+    <p:sldId id="273" r:id="rId19"/>
+    <p:sldId id="274" r:id="rId20"/>
+    <p:sldId id="275" r:id="rId21"/>
+    <p:sldId id="276" r:id="rId22"/>
+    <p:sldId id="277" r:id="rId23"/>
+    <p:sldId id="278" r:id="rId24"/>
+    <p:sldId id="407" r:id="rId25"/>
+    <p:sldId id="279" r:id="rId26"/>
+    <p:sldId id="409" r:id="rId27"/>
+    <p:sldId id="408" r:id="rId28"/>
+    <p:sldId id="387" r:id="rId29"/>
   </p:sldIdLst>
   <p:sldSz cx="12192000" cy="6858000"/>
   <p:notesSz cx="6997700" cy="9194800"/>
   <p:embeddedFontLst>
     <p:embeddedFont>
       <p:font typeface="FreightSans Pro Book" panose="02000606030000020004" pitchFamily="2" charset="0"/>
-      <p:regular r:id="rId32"/>
-      <p:italic r:id="rId33"/>
+      <p:regular r:id="rId31"/>
+      <p:italic r:id="rId32"/>
     </p:embeddedFont>
     <p:embeddedFont>
       <p:font typeface="FreightSans Pro Light" panose="02000606030000020004" pitchFamily="2" charset="0"/>
-      <p:regular r:id="rId34"/>
-      <p:italic r:id="rId35"/>
+      <p:regular r:id="rId33"/>
+      <p:italic r:id="rId34"/>
     </p:embeddedFont>
     <p:embeddedFont>
       <p:font typeface="FreightSans Pro Medium" panose="02000606030000020004" pitchFamily="2" charset="0"/>
-      <p:regular r:id="rId36"/>
-      <p:italic r:id="rId37"/>
+      <p:regular r:id="rId35"/>
+      <p:italic r:id="rId36"/>
     </p:embeddedFont>
     <p:embeddedFont>
       <p:font typeface="FreightSans Pro Semibold" panose="02000606030000020004" pitchFamily="2" charset="0"/>
-      <p:regular r:id="rId38"/>
-      <p:bold r:id="rId39"/>
-      <p:italic r:id="rId40"/>
-      <p:boldItalic r:id="rId41"/>
+      <p:regular r:id="rId37"/>
+      <p:bold r:id="rId38"/>
+      <p:italic r:id="rId39"/>
+      <p:boldItalic r:id="rId40"/>
     </p:embeddedFont>
     <p:embeddedFont>
       <p:font typeface="FreightText Pro Book" panose="02000603060000020004" pitchFamily="2" charset="0"/>
-      <p:regular r:id="rId42"/>
-      <p:italic r:id="rId43"/>
+      <p:regular r:id="rId41"/>
+      <p:italic r:id="rId42"/>
     </p:embeddedFont>
     <p:embeddedFont>
       <p:font typeface="Source Code Pro" panose="020B0509030403020204" pitchFamily="49" charset="77"/>
-      <p:regular r:id="rId44"/>
-      <p:bold r:id="rId45"/>
-      <p:italic r:id="rId46"/>
-      <p:boldItalic r:id="rId47"/>
+      <p:regular r:id="rId43"/>
+      <p:bold r:id="rId44"/>
+      <p:italic r:id="rId45"/>
+      <p:boldItalic r:id="rId46"/>
     </p:embeddedFont>
     <p:embeddedFont>
       <p:font typeface="SourceCodePro-Light" panose="020B0509030403020204" pitchFamily="49" charset="77"/>
-      <p:regular r:id="rId48"/>
+      <p:regular r:id="rId47"/>
     </p:embeddedFont>
     <p:embeddedFont>
       <p:font typeface="Wingdings 2" pitchFamily="2" charset="2"/>
-      <p:regular r:id="rId49"/>
+      <p:regular r:id="rId48"/>
     </p:embeddedFont>
   </p:embeddedFontLst>
   <p:defaultTextStyle>
@@ -1651,14 +1650,14 @@
           <a:ln/>
           <a:extLst>
             <a:ext uri="{909E8E84-426E-40dd-AFC4-6F175D3DCCD1}">
-              <a14:hiddenFill xmlns:a14="http://schemas.microsoft.com/office/drawing/2010/main" xmlns="">
+              <a14:hiddenFill xmlns="" xmlns:a14="http://schemas.microsoft.com/office/drawing/2010/main">
                 <a:solidFill>
                   <a:srgbClr val="FFFFFF"/>
                 </a:solidFill>
               </a14:hiddenFill>
             </a:ext>
             <a:ext uri="{91240B29-F687-4f45-9708-019B960494DF}">
-              <a14:hiddenLine xmlns:a14="http://schemas.microsoft.com/office/drawing/2010/main" xmlns="" w="9525">
+              <a14:hiddenLine xmlns="" xmlns:a14="http://schemas.microsoft.com/office/drawing/2010/main" w="9525">
                 <a:solidFill>
                   <a:srgbClr val="000000"/>
                 </a:solidFill>
@@ -1826,14 +1825,14 @@
           <a:ln/>
           <a:extLst>
             <a:ext uri="{909E8E84-426E-40dd-AFC4-6F175D3DCCD1}">
-              <a14:hiddenFill xmlns:a14="http://schemas.microsoft.com/office/drawing/2010/main" xmlns="">
+              <a14:hiddenFill xmlns="" xmlns:a14="http://schemas.microsoft.com/office/drawing/2010/main">
                 <a:solidFill>
                   <a:srgbClr val="FFFFFF"/>
                 </a:solidFill>
               </a14:hiddenFill>
             </a:ext>
             <a:ext uri="{91240B29-F687-4f45-9708-019B960494DF}">
-              <a14:hiddenLine xmlns:a14="http://schemas.microsoft.com/office/drawing/2010/main" xmlns="" w="9525">
+              <a14:hiddenLine xmlns="" xmlns:a14="http://schemas.microsoft.com/office/drawing/2010/main" w="9525">
                 <a:solidFill>
                   <a:srgbClr val="000000"/>
                 </a:solidFill>
@@ -1843,7 +1842,7 @@
               </a14:hiddenLine>
             </a:ext>
             <a:ext uri="{FAA26D3D-D897-4be2-8F04-BA451C77F1D7}">
-              <ma14:placeholderFlag xmlns:ma14="http://schemas.microsoft.com/office/mac/drawingml/2011/main" xmlns="" val="1"/>
+              <ma14:placeholderFlag xmlns="" xmlns:ma14="http://schemas.microsoft.com/office/mac/drawingml/2011/main" val="1"/>
             </a:ext>
           </a:extLst>
         </p:spPr>
@@ -1873,6 +1872,1745 @@
 </file>
 
 <file path=ppt/notesSlides/notesSlide10.xml><?xml version="1.0" encoding="utf-8"?>
+<p:notes xmlns:a="http://schemas.openxmlformats.org/drawingml/2006/main" xmlns:r="http://schemas.openxmlformats.org/officeDocument/2006/relationships" xmlns:p="http://schemas.openxmlformats.org/presentationml/2006/main" showMasterSp="0" showMasterPhAnim="0">
+  <p:cSld>
+    <p:spTree>
+      <p:nvGrpSpPr>
+        <p:cNvPr id="1" name="Shape 267"/>
+        <p:cNvGrpSpPr/>
+        <p:nvPr/>
+      </p:nvGrpSpPr>
+      <p:grpSpPr>
+        <a:xfrm>
+          <a:off x="0" y="0"/>
+          <a:ext cx="0" cy="0"/>
+          <a:chOff x="0" y="0"/>
+          <a:chExt cx="0" cy="0"/>
+        </a:xfrm>
+      </p:grpSpPr>
+      <p:sp>
+        <p:nvSpPr>
+          <p:cNvPr id="268" name="Google Shape;268;p16:notes"/>
+          <p:cNvSpPr txBox="1">
+            <a:spLocks noGrp="1"/>
+          </p:cNvSpPr>
+          <p:nvPr>
+            <p:ph type="body" idx="1"/>
+          </p:nvPr>
+        </p:nvSpPr>
+        <p:spPr>
+          <a:xfrm>
+            <a:off x="933450" y="4367213"/>
+            <a:ext cx="5130800" cy="4137025"/>
+          </a:xfrm>
+          <a:prstGeom prst="rect">
+            <a:avLst/>
+          </a:prstGeom>
+        </p:spPr>
+        <p:txBody>
+          <a:bodyPr spcFirstLastPara="1" wrap="square" lIns="92900" tIns="45725" rIns="92900" bIns="45725" anchor="t" anchorCtr="0">
+            <a:noAutofit/>
+          </a:bodyPr>
+          <a:lstStyle/>
+          <a:p>
+            <a:pPr marL="0" lvl="0" indent="0" algn="l" rtl="0">
+              <a:spcBef>
+                <a:spcPts val="480"/>
+              </a:spcBef>
+              <a:spcAft>
+                <a:spcPts val="0"/>
+              </a:spcAft>
+              <a:buNone/>
+            </a:pPr>
+            <a:endParaRPr dirty="0"/>
+          </a:p>
+        </p:txBody>
+      </p:sp>
+      <p:sp>
+        <p:nvSpPr>
+          <p:cNvPr id="269" name="Google Shape;269;p16:notes"/>
+          <p:cNvSpPr>
+            <a:spLocks noGrp="1" noRot="1" noChangeAspect="1"/>
+          </p:cNvSpPr>
+          <p:nvPr>
+            <p:ph type="sldImg" idx="2"/>
+          </p:nvPr>
+        </p:nvSpPr>
+        <p:spPr>
+          <a:xfrm>
+            <a:off x="777875" y="882650"/>
+            <a:ext cx="5441950" cy="3062288"/>
+          </a:xfrm>
+          <a:custGeom>
+            <a:avLst/>
+            <a:gdLst/>
+            <a:ahLst/>
+            <a:cxnLst/>
+            <a:rect l="l" t="t" r="r" b="b"/>
+            <a:pathLst>
+              <a:path w="120000" h="120000" extrusionOk="0">
+                <a:moveTo>
+                  <a:pt x="0" y="0"/>
+                </a:moveTo>
+                <a:lnTo>
+                  <a:pt x="120000" y="0"/>
+                </a:lnTo>
+                <a:lnTo>
+                  <a:pt x="120000" y="120000"/>
+                </a:lnTo>
+                <a:lnTo>
+                  <a:pt x="0" y="120000"/>
+                </a:lnTo>
+                <a:close/>
+              </a:path>
+            </a:pathLst>
+          </a:custGeom>
+        </p:spPr>
+      </p:sp>
+    </p:spTree>
+    <p:extLst>
+      <p:ext uri="{BB962C8B-B14F-4D97-AF65-F5344CB8AC3E}">
+        <p14:creationId xmlns:p14="http://schemas.microsoft.com/office/powerpoint/2010/main" val="884360904"/>
+      </p:ext>
+    </p:extLst>
+  </p:cSld>
+  <p:clrMapOvr>
+    <a:masterClrMapping/>
+  </p:clrMapOvr>
+</p:notes>
+</file>
+
+<file path=ppt/notesSlides/notesSlide11.xml><?xml version="1.0" encoding="utf-8"?>
+<p:notes xmlns:a="http://schemas.openxmlformats.org/drawingml/2006/main" xmlns:r="http://schemas.openxmlformats.org/officeDocument/2006/relationships" xmlns:p="http://schemas.openxmlformats.org/presentationml/2006/main" showMasterSp="0" showMasterPhAnim="0">
+  <p:cSld>
+    <p:spTree>
+      <p:nvGrpSpPr>
+        <p:cNvPr id="1" name="Shape 278"/>
+        <p:cNvGrpSpPr/>
+        <p:nvPr/>
+      </p:nvGrpSpPr>
+      <p:grpSpPr>
+        <a:xfrm>
+          <a:off x="0" y="0"/>
+          <a:ext cx="0" cy="0"/>
+          <a:chOff x="0" y="0"/>
+          <a:chExt cx="0" cy="0"/>
+        </a:xfrm>
+      </p:grpSpPr>
+      <p:sp>
+        <p:nvSpPr>
+          <p:cNvPr id="279" name="Google Shape;279;p17:notes"/>
+          <p:cNvSpPr txBox="1">
+            <a:spLocks noGrp="1"/>
+          </p:cNvSpPr>
+          <p:nvPr>
+            <p:ph type="body" idx="1"/>
+          </p:nvPr>
+        </p:nvSpPr>
+        <p:spPr>
+          <a:xfrm>
+            <a:off x="933450" y="4367213"/>
+            <a:ext cx="5130800" cy="4137025"/>
+          </a:xfrm>
+          <a:prstGeom prst="rect">
+            <a:avLst/>
+          </a:prstGeom>
+        </p:spPr>
+        <p:txBody>
+          <a:bodyPr spcFirstLastPara="1" wrap="square" lIns="92900" tIns="45725" rIns="92900" bIns="45725" anchor="t" anchorCtr="0">
+            <a:noAutofit/>
+          </a:bodyPr>
+          <a:lstStyle/>
+          <a:p>
+            <a:pPr marL="0" lvl="0" indent="0" algn="l" rtl="0">
+              <a:spcBef>
+                <a:spcPts val="480"/>
+              </a:spcBef>
+              <a:spcAft>
+                <a:spcPts val="0"/>
+              </a:spcAft>
+              <a:buNone/>
+            </a:pPr>
+            <a:endParaRPr/>
+          </a:p>
+        </p:txBody>
+      </p:sp>
+      <p:sp>
+        <p:nvSpPr>
+          <p:cNvPr id="280" name="Google Shape;280;p17:notes"/>
+          <p:cNvSpPr>
+            <a:spLocks noGrp="1" noRot="1" noChangeAspect="1"/>
+          </p:cNvSpPr>
+          <p:nvPr>
+            <p:ph type="sldImg" idx="2"/>
+          </p:nvPr>
+        </p:nvSpPr>
+        <p:spPr>
+          <a:xfrm>
+            <a:off x="777875" y="882650"/>
+            <a:ext cx="5441950" cy="3062288"/>
+          </a:xfrm>
+          <a:custGeom>
+            <a:avLst/>
+            <a:gdLst/>
+            <a:ahLst/>
+            <a:cxnLst/>
+            <a:rect l="l" t="t" r="r" b="b"/>
+            <a:pathLst>
+              <a:path w="120000" h="120000" extrusionOk="0">
+                <a:moveTo>
+                  <a:pt x="0" y="0"/>
+                </a:moveTo>
+                <a:lnTo>
+                  <a:pt x="120000" y="0"/>
+                </a:lnTo>
+                <a:lnTo>
+                  <a:pt x="120000" y="120000"/>
+                </a:lnTo>
+                <a:lnTo>
+                  <a:pt x="0" y="120000"/>
+                </a:lnTo>
+                <a:close/>
+              </a:path>
+            </a:pathLst>
+          </a:custGeom>
+        </p:spPr>
+      </p:sp>
+    </p:spTree>
+    <p:extLst>
+      <p:ext uri="{BB962C8B-B14F-4D97-AF65-F5344CB8AC3E}">
+        <p14:creationId xmlns:p14="http://schemas.microsoft.com/office/powerpoint/2010/main" val="3002306355"/>
+      </p:ext>
+    </p:extLst>
+  </p:cSld>
+  <p:clrMapOvr>
+    <a:masterClrMapping/>
+  </p:clrMapOvr>
+</p:notes>
+</file>
+
+<file path=ppt/notesSlides/notesSlide12.xml><?xml version="1.0" encoding="utf-8"?>
+<p:notes xmlns:a="http://schemas.openxmlformats.org/drawingml/2006/main" xmlns:r="http://schemas.openxmlformats.org/officeDocument/2006/relationships" xmlns:p="http://schemas.openxmlformats.org/presentationml/2006/main" showMasterSp="0" showMasterPhAnim="0">
+  <p:cSld>
+    <p:spTree>
+      <p:nvGrpSpPr>
+        <p:cNvPr id="1" name="Shape 288"/>
+        <p:cNvGrpSpPr/>
+        <p:nvPr/>
+      </p:nvGrpSpPr>
+      <p:grpSpPr>
+        <a:xfrm>
+          <a:off x="0" y="0"/>
+          <a:ext cx="0" cy="0"/>
+          <a:chOff x="0" y="0"/>
+          <a:chExt cx="0" cy="0"/>
+        </a:xfrm>
+      </p:grpSpPr>
+      <p:sp>
+        <p:nvSpPr>
+          <p:cNvPr id="289" name="Google Shape;289;p18:notes"/>
+          <p:cNvSpPr txBox="1">
+            <a:spLocks noGrp="1"/>
+          </p:cNvSpPr>
+          <p:nvPr>
+            <p:ph type="body" idx="1"/>
+          </p:nvPr>
+        </p:nvSpPr>
+        <p:spPr>
+          <a:xfrm>
+            <a:off x="933450" y="4367213"/>
+            <a:ext cx="5130800" cy="4137025"/>
+          </a:xfrm>
+          <a:prstGeom prst="rect">
+            <a:avLst/>
+          </a:prstGeom>
+        </p:spPr>
+        <p:txBody>
+          <a:bodyPr spcFirstLastPara="1" wrap="square" lIns="92900" tIns="45725" rIns="92900" bIns="45725" anchor="t" anchorCtr="0">
+            <a:noAutofit/>
+          </a:bodyPr>
+          <a:lstStyle/>
+          <a:p>
+            <a:pPr marL="0" lvl="0" indent="0" algn="l" rtl="0">
+              <a:spcBef>
+                <a:spcPts val="480"/>
+              </a:spcBef>
+              <a:spcAft>
+                <a:spcPts val="0"/>
+              </a:spcAft>
+              <a:buNone/>
+            </a:pPr>
+            <a:endParaRPr/>
+          </a:p>
+        </p:txBody>
+      </p:sp>
+      <p:sp>
+        <p:nvSpPr>
+          <p:cNvPr id="290" name="Google Shape;290;p18:notes"/>
+          <p:cNvSpPr>
+            <a:spLocks noGrp="1" noRot="1" noChangeAspect="1"/>
+          </p:cNvSpPr>
+          <p:nvPr>
+            <p:ph type="sldImg" idx="2"/>
+          </p:nvPr>
+        </p:nvSpPr>
+        <p:spPr>
+          <a:xfrm>
+            <a:off x="777875" y="882650"/>
+            <a:ext cx="5441950" cy="3062288"/>
+          </a:xfrm>
+          <a:custGeom>
+            <a:avLst/>
+            <a:gdLst/>
+            <a:ahLst/>
+            <a:cxnLst/>
+            <a:rect l="l" t="t" r="r" b="b"/>
+            <a:pathLst>
+              <a:path w="120000" h="120000" extrusionOk="0">
+                <a:moveTo>
+                  <a:pt x="0" y="0"/>
+                </a:moveTo>
+                <a:lnTo>
+                  <a:pt x="120000" y="0"/>
+                </a:lnTo>
+                <a:lnTo>
+                  <a:pt x="120000" y="120000"/>
+                </a:lnTo>
+                <a:lnTo>
+                  <a:pt x="0" y="120000"/>
+                </a:lnTo>
+                <a:close/>
+              </a:path>
+            </a:pathLst>
+          </a:custGeom>
+        </p:spPr>
+      </p:sp>
+    </p:spTree>
+    <p:extLst>
+      <p:ext uri="{BB962C8B-B14F-4D97-AF65-F5344CB8AC3E}">
+        <p14:creationId xmlns:p14="http://schemas.microsoft.com/office/powerpoint/2010/main" val="1440399979"/>
+      </p:ext>
+    </p:extLst>
+  </p:cSld>
+  <p:clrMapOvr>
+    <a:masterClrMapping/>
+  </p:clrMapOvr>
+</p:notes>
+</file>
+
+<file path=ppt/notesSlides/notesSlide13.xml><?xml version="1.0" encoding="utf-8"?>
+<p:notes xmlns:a="http://schemas.openxmlformats.org/drawingml/2006/main" xmlns:r="http://schemas.openxmlformats.org/officeDocument/2006/relationships" xmlns:p="http://schemas.openxmlformats.org/presentationml/2006/main" showMasterSp="0" showMasterPhAnim="0">
+  <p:cSld>
+    <p:spTree>
+      <p:nvGrpSpPr>
+        <p:cNvPr id="1" name="Shape 298"/>
+        <p:cNvGrpSpPr/>
+        <p:nvPr/>
+      </p:nvGrpSpPr>
+      <p:grpSpPr>
+        <a:xfrm>
+          <a:off x="0" y="0"/>
+          <a:ext cx="0" cy="0"/>
+          <a:chOff x="0" y="0"/>
+          <a:chExt cx="0" cy="0"/>
+        </a:xfrm>
+      </p:grpSpPr>
+      <p:sp>
+        <p:nvSpPr>
+          <p:cNvPr id="299" name="Google Shape;299;p19:notes"/>
+          <p:cNvSpPr txBox="1">
+            <a:spLocks noGrp="1"/>
+          </p:cNvSpPr>
+          <p:nvPr>
+            <p:ph type="body" idx="1"/>
+          </p:nvPr>
+        </p:nvSpPr>
+        <p:spPr>
+          <a:xfrm>
+            <a:off x="933450" y="4367213"/>
+            <a:ext cx="5130800" cy="4137025"/>
+          </a:xfrm>
+          <a:prstGeom prst="rect">
+            <a:avLst/>
+          </a:prstGeom>
+        </p:spPr>
+        <p:txBody>
+          <a:bodyPr spcFirstLastPara="1" wrap="square" lIns="92900" tIns="45725" rIns="92900" bIns="45725" anchor="t" anchorCtr="0">
+            <a:noAutofit/>
+          </a:bodyPr>
+          <a:lstStyle/>
+          <a:p>
+            <a:pPr marL="0" lvl="0" indent="0" algn="l" rtl="0">
+              <a:spcBef>
+                <a:spcPts val="480"/>
+              </a:spcBef>
+              <a:spcAft>
+                <a:spcPts val="0"/>
+              </a:spcAft>
+              <a:buNone/>
+            </a:pPr>
+            <a:endParaRPr/>
+          </a:p>
+        </p:txBody>
+      </p:sp>
+      <p:sp>
+        <p:nvSpPr>
+          <p:cNvPr id="300" name="Google Shape;300;p19:notes"/>
+          <p:cNvSpPr>
+            <a:spLocks noGrp="1" noRot="1" noChangeAspect="1"/>
+          </p:cNvSpPr>
+          <p:nvPr>
+            <p:ph type="sldImg" idx="2"/>
+          </p:nvPr>
+        </p:nvSpPr>
+        <p:spPr>
+          <a:xfrm>
+            <a:off x="777875" y="882650"/>
+            <a:ext cx="5441950" cy="3062288"/>
+          </a:xfrm>
+          <a:custGeom>
+            <a:avLst/>
+            <a:gdLst/>
+            <a:ahLst/>
+            <a:cxnLst/>
+            <a:rect l="l" t="t" r="r" b="b"/>
+            <a:pathLst>
+              <a:path w="120000" h="120000" extrusionOk="0">
+                <a:moveTo>
+                  <a:pt x="0" y="0"/>
+                </a:moveTo>
+                <a:lnTo>
+                  <a:pt x="120000" y="0"/>
+                </a:lnTo>
+                <a:lnTo>
+                  <a:pt x="120000" y="120000"/>
+                </a:lnTo>
+                <a:lnTo>
+                  <a:pt x="0" y="120000"/>
+                </a:lnTo>
+                <a:close/>
+              </a:path>
+            </a:pathLst>
+          </a:custGeom>
+        </p:spPr>
+      </p:sp>
+    </p:spTree>
+    <p:extLst>
+      <p:ext uri="{BB962C8B-B14F-4D97-AF65-F5344CB8AC3E}">
+        <p14:creationId xmlns:p14="http://schemas.microsoft.com/office/powerpoint/2010/main" val="595688007"/>
+      </p:ext>
+    </p:extLst>
+  </p:cSld>
+  <p:clrMapOvr>
+    <a:masterClrMapping/>
+  </p:clrMapOvr>
+</p:notes>
+</file>
+
+<file path=ppt/notesSlides/notesSlide14.xml><?xml version="1.0" encoding="utf-8"?>
+<p:notes xmlns:a="http://schemas.openxmlformats.org/drawingml/2006/main" xmlns:r="http://schemas.openxmlformats.org/officeDocument/2006/relationships" xmlns:p="http://schemas.openxmlformats.org/presentationml/2006/main" showMasterSp="0" showMasterPhAnim="0">
+  <p:cSld>
+    <p:spTree>
+      <p:nvGrpSpPr>
+        <p:cNvPr id="1" name="Shape 308"/>
+        <p:cNvGrpSpPr/>
+        <p:nvPr/>
+      </p:nvGrpSpPr>
+      <p:grpSpPr>
+        <a:xfrm>
+          <a:off x="0" y="0"/>
+          <a:ext cx="0" cy="0"/>
+          <a:chOff x="0" y="0"/>
+          <a:chExt cx="0" cy="0"/>
+        </a:xfrm>
+      </p:grpSpPr>
+      <p:sp>
+        <p:nvSpPr>
+          <p:cNvPr id="309" name="Google Shape;309;p20:notes"/>
+          <p:cNvSpPr txBox="1">
+            <a:spLocks noGrp="1"/>
+          </p:cNvSpPr>
+          <p:nvPr>
+            <p:ph type="body" idx="1"/>
+          </p:nvPr>
+        </p:nvSpPr>
+        <p:spPr>
+          <a:xfrm>
+            <a:off x="933450" y="4367213"/>
+            <a:ext cx="5130800" cy="4137025"/>
+          </a:xfrm>
+          <a:prstGeom prst="rect">
+            <a:avLst/>
+          </a:prstGeom>
+        </p:spPr>
+        <p:txBody>
+          <a:bodyPr spcFirstLastPara="1" wrap="square" lIns="92900" tIns="45725" rIns="92900" bIns="45725" anchor="t" anchorCtr="0">
+            <a:noAutofit/>
+          </a:bodyPr>
+          <a:lstStyle/>
+          <a:p>
+            <a:pPr marL="0" lvl="0" indent="0" algn="l" rtl="0">
+              <a:spcBef>
+                <a:spcPts val="480"/>
+              </a:spcBef>
+              <a:spcAft>
+                <a:spcPts val="0"/>
+              </a:spcAft>
+              <a:buNone/>
+            </a:pPr>
+            <a:endParaRPr/>
+          </a:p>
+        </p:txBody>
+      </p:sp>
+      <p:sp>
+        <p:nvSpPr>
+          <p:cNvPr id="310" name="Google Shape;310;p20:notes"/>
+          <p:cNvSpPr>
+            <a:spLocks noGrp="1" noRot="1" noChangeAspect="1"/>
+          </p:cNvSpPr>
+          <p:nvPr>
+            <p:ph type="sldImg" idx="2"/>
+          </p:nvPr>
+        </p:nvSpPr>
+        <p:spPr>
+          <a:xfrm>
+            <a:off x="777875" y="882650"/>
+            <a:ext cx="5441950" cy="3062288"/>
+          </a:xfrm>
+          <a:custGeom>
+            <a:avLst/>
+            <a:gdLst/>
+            <a:ahLst/>
+            <a:cxnLst/>
+            <a:rect l="l" t="t" r="r" b="b"/>
+            <a:pathLst>
+              <a:path w="120000" h="120000" extrusionOk="0">
+                <a:moveTo>
+                  <a:pt x="0" y="0"/>
+                </a:moveTo>
+                <a:lnTo>
+                  <a:pt x="120000" y="0"/>
+                </a:lnTo>
+                <a:lnTo>
+                  <a:pt x="120000" y="120000"/>
+                </a:lnTo>
+                <a:lnTo>
+                  <a:pt x="0" y="120000"/>
+                </a:lnTo>
+                <a:close/>
+              </a:path>
+            </a:pathLst>
+          </a:custGeom>
+        </p:spPr>
+      </p:sp>
+    </p:spTree>
+    <p:extLst>
+      <p:ext uri="{BB962C8B-B14F-4D97-AF65-F5344CB8AC3E}">
+        <p14:creationId xmlns:p14="http://schemas.microsoft.com/office/powerpoint/2010/main" val="594930962"/>
+      </p:ext>
+    </p:extLst>
+  </p:cSld>
+  <p:clrMapOvr>
+    <a:masterClrMapping/>
+  </p:clrMapOvr>
+</p:notes>
+</file>
+
+<file path=ppt/notesSlides/notesSlide15.xml><?xml version="1.0" encoding="utf-8"?>
+<p:notes xmlns:a="http://schemas.openxmlformats.org/drawingml/2006/main" xmlns:r="http://schemas.openxmlformats.org/officeDocument/2006/relationships" xmlns:p="http://schemas.openxmlformats.org/presentationml/2006/main" showMasterSp="0" showMasterPhAnim="0">
+  <p:cSld>
+    <p:spTree>
+      <p:nvGrpSpPr>
+        <p:cNvPr id="1" name="Shape 319"/>
+        <p:cNvGrpSpPr/>
+        <p:nvPr/>
+      </p:nvGrpSpPr>
+      <p:grpSpPr>
+        <a:xfrm>
+          <a:off x="0" y="0"/>
+          <a:ext cx="0" cy="0"/>
+          <a:chOff x="0" y="0"/>
+          <a:chExt cx="0" cy="0"/>
+        </a:xfrm>
+      </p:grpSpPr>
+      <p:sp>
+        <p:nvSpPr>
+          <p:cNvPr id="320" name="Google Shape;320;p21:notes"/>
+          <p:cNvSpPr txBox="1">
+            <a:spLocks noGrp="1"/>
+          </p:cNvSpPr>
+          <p:nvPr>
+            <p:ph type="body" idx="1"/>
+          </p:nvPr>
+        </p:nvSpPr>
+        <p:spPr>
+          <a:xfrm>
+            <a:off x="933450" y="4367213"/>
+            <a:ext cx="5130800" cy="4137025"/>
+          </a:xfrm>
+          <a:prstGeom prst="rect">
+            <a:avLst/>
+          </a:prstGeom>
+        </p:spPr>
+        <p:txBody>
+          <a:bodyPr spcFirstLastPara="1" wrap="square" lIns="92900" tIns="45725" rIns="92900" bIns="45725" anchor="t" anchorCtr="0">
+            <a:noAutofit/>
+          </a:bodyPr>
+          <a:lstStyle/>
+          <a:p>
+            <a:pPr marL="0" lvl="0" indent="0" algn="l" rtl="0">
+              <a:spcBef>
+                <a:spcPts val="480"/>
+              </a:spcBef>
+              <a:spcAft>
+                <a:spcPts val="0"/>
+              </a:spcAft>
+              <a:buNone/>
+            </a:pPr>
+            <a:endParaRPr/>
+          </a:p>
+        </p:txBody>
+      </p:sp>
+      <p:sp>
+        <p:nvSpPr>
+          <p:cNvPr id="321" name="Google Shape;321;p21:notes"/>
+          <p:cNvSpPr>
+            <a:spLocks noGrp="1" noRot="1" noChangeAspect="1"/>
+          </p:cNvSpPr>
+          <p:nvPr>
+            <p:ph type="sldImg" idx="2"/>
+          </p:nvPr>
+        </p:nvSpPr>
+        <p:spPr>
+          <a:xfrm>
+            <a:off x="777875" y="882650"/>
+            <a:ext cx="5441950" cy="3062288"/>
+          </a:xfrm>
+          <a:custGeom>
+            <a:avLst/>
+            <a:gdLst/>
+            <a:ahLst/>
+            <a:cxnLst/>
+            <a:rect l="l" t="t" r="r" b="b"/>
+            <a:pathLst>
+              <a:path w="120000" h="120000" extrusionOk="0">
+                <a:moveTo>
+                  <a:pt x="0" y="0"/>
+                </a:moveTo>
+                <a:lnTo>
+                  <a:pt x="120000" y="0"/>
+                </a:lnTo>
+                <a:lnTo>
+                  <a:pt x="120000" y="120000"/>
+                </a:lnTo>
+                <a:lnTo>
+                  <a:pt x="0" y="120000"/>
+                </a:lnTo>
+                <a:close/>
+              </a:path>
+            </a:pathLst>
+          </a:custGeom>
+        </p:spPr>
+      </p:sp>
+    </p:spTree>
+    <p:extLst>
+      <p:ext uri="{BB962C8B-B14F-4D97-AF65-F5344CB8AC3E}">
+        <p14:creationId xmlns:p14="http://schemas.microsoft.com/office/powerpoint/2010/main" val="3959609720"/>
+      </p:ext>
+    </p:extLst>
+  </p:cSld>
+  <p:clrMapOvr>
+    <a:masterClrMapping/>
+  </p:clrMapOvr>
+</p:notes>
+</file>
+
+<file path=ppt/notesSlides/notesSlide16.xml><?xml version="1.0" encoding="utf-8"?>
+<p:notes xmlns:a="http://schemas.openxmlformats.org/drawingml/2006/main" xmlns:r="http://schemas.openxmlformats.org/officeDocument/2006/relationships" xmlns:p="http://schemas.openxmlformats.org/presentationml/2006/main" showMasterSp="0" showMasterPhAnim="0">
+  <p:cSld>
+    <p:spTree>
+      <p:nvGrpSpPr>
+        <p:cNvPr id="1" name="Shape 328"/>
+        <p:cNvGrpSpPr/>
+        <p:nvPr/>
+      </p:nvGrpSpPr>
+      <p:grpSpPr>
+        <a:xfrm>
+          <a:off x="0" y="0"/>
+          <a:ext cx="0" cy="0"/>
+          <a:chOff x="0" y="0"/>
+          <a:chExt cx="0" cy="0"/>
+        </a:xfrm>
+      </p:grpSpPr>
+      <p:sp>
+        <p:nvSpPr>
+          <p:cNvPr id="329" name="Google Shape;329;p22:notes"/>
+          <p:cNvSpPr txBox="1">
+            <a:spLocks noGrp="1"/>
+          </p:cNvSpPr>
+          <p:nvPr>
+            <p:ph type="body" idx="1"/>
+          </p:nvPr>
+        </p:nvSpPr>
+        <p:spPr>
+          <a:xfrm>
+            <a:off x="933450" y="4367213"/>
+            <a:ext cx="5130800" cy="4137025"/>
+          </a:xfrm>
+          <a:prstGeom prst="rect">
+            <a:avLst/>
+          </a:prstGeom>
+        </p:spPr>
+        <p:txBody>
+          <a:bodyPr spcFirstLastPara="1" wrap="square" lIns="92900" tIns="45725" rIns="92900" bIns="45725" anchor="t" anchorCtr="0">
+            <a:noAutofit/>
+          </a:bodyPr>
+          <a:lstStyle/>
+          <a:p>
+            <a:pPr marL="0" lvl="0" indent="0" algn="l" rtl="0">
+              <a:spcBef>
+                <a:spcPts val="480"/>
+              </a:spcBef>
+              <a:spcAft>
+                <a:spcPts val="0"/>
+              </a:spcAft>
+              <a:buNone/>
+            </a:pPr>
+            <a:endParaRPr/>
+          </a:p>
+        </p:txBody>
+      </p:sp>
+      <p:sp>
+        <p:nvSpPr>
+          <p:cNvPr id="330" name="Google Shape;330;p22:notes"/>
+          <p:cNvSpPr>
+            <a:spLocks noGrp="1" noRot="1" noChangeAspect="1"/>
+          </p:cNvSpPr>
+          <p:nvPr>
+            <p:ph type="sldImg" idx="2"/>
+          </p:nvPr>
+        </p:nvSpPr>
+        <p:spPr>
+          <a:xfrm>
+            <a:off x="777875" y="882650"/>
+            <a:ext cx="5441950" cy="3062288"/>
+          </a:xfrm>
+          <a:custGeom>
+            <a:avLst/>
+            <a:gdLst/>
+            <a:ahLst/>
+            <a:cxnLst/>
+            <a:rect l="l" t="t" r="r" b="b"/>
+            <a:pathLst>
+              <a:path w="120000" h="120000" extrusionOk="0">
+                <a:moveTo>
+                  <a:pt x="0" y="0"/>
+                </a:moveTo>
+                <a:lnTo>
+                  <a:pt x="120000" y="0"/>
+                </a:lnTo>
+                <a:lnTo>
+                  <a:pt x="120000" y="120000"/>
+                </a:lnTo>
+                <a:lnTo>
+                  <a:pt x="0" y="120000"/>
+                </a:lnTo>
+                <a:close/>
+              </a:path>
+            </a:pathLst>
+          </a:custGeom>
+        </p:spPr>
+      </p:sp>
+    </p:spTree>
+    <p:extLst>
+      <p:ext uri="{BB962C8B-B14F-4D97-AF65-F5344CB8AC3E}">
+        <p14:creationId xmlns:p14="http://schemas.microsoft.com/office/powerpoint/2010/main" val="2782005279"/>
+      </p:ext>
+    </p:extLst>
+  </p:cSld>
+  <p:clrMapOvr>
+    <a:masterClrMapping/>
+  </p:clrMapOvr>
+</p:notes>
+</file>
+
+<file path=ppt/notesSlides/notesSlide17.xml><?xml version="1.0" encoding="utf-8"?>
+<p:notes xmlns:a="http://schemas.openxmlformats.org/drawingml/2006/main" xmlns:r="http://schemas.openxmlformats.org/officeDocument/2006/relationships" xmlns:p="http://schemas.openxmlformats.org/presentationml/2006/main" showMasterSp="0" showMasterPhAnim="0">
+  <p:cSld>
+    <p:spTree>
+      <p:nvGrpSpPr>
+        <p:cNvPr id="1" name="Shape 337"/>
+        <p:cNvGrpSpPr/>
+        <p:nvPr/>
+      </p:nvGrpSpPr>
+      <p:grpSpPr>
+        <a:xfrm>
+          <a:off x="0" y="0"/>
+          <a:ext cx="0" cy="0"/>
+          <a:chOff x="0" y="0"/>
+          <a:chExt cx="0" cy="0"/>
+        </a:xfrm>
+      </p:grpSpPr>
+      <p:sp>
+        <p:nvSpPr>
+          <p:cNvPr id="338" name="Google Shape;338;p23:notes"/>
+          <p:cNvSpPr txBox="1">
+            <a:spLocks noGrp="1"/>
+          </p:cNvSpPr>
+          <p:nvPr>
+            <p:ph type="body" idx="1"/>
+          </p:nvPr>
+        </p:nvSpPr>
+        <p:spPr>
+          <a:xfrm>
+            <a:off x="933450" y="4367213"/>
+            <a:ext cx="5130800" cy="4137025"/>
+          </a:xfrm>
+          <a:prstGeom prst="rect">
+            <a:avLst/>
+          </a:prstGeom>
+        </p:spPr>
+        <p:txBody>
+          <a:bodyPr spcFirstLastPara="1" wrap="square" lIns="92900" tIns="45725" rIns="92900" bIns="45725" anchor="t" anchorCtr="0">
+            <a:noAutofit/>
+          </a:bodyPr>
+          <a:lstStyle/>
+          <a:p>
+            <a:pPr marL="0" lvl="0" indent="0" algn="l" rtl="0">
+              <a:spcBef>
+                <a:spcPts val="480"/>
+              </a:spcBef>
+              <a:spcAft>
+                <a:spcPts val="0"/>
+              </a:spcAft>
+              <a:buNone/>
+            </a:pPr>
+            <a:endParaRPr/>
+          </a:p>
+        </p:txBody>
+      </p:sp>
+      <p:sp>
+        <p:nvSpPr>
+          <p:cNvPr id="339" name="Google Shape;339;p23:notes"/>
+          <p:cNvSpPr>
+            <a:spLocks noGrp="1" noRot="1" noChangeAspect="1"/>
+          </p:cNvSpPr>
+          <p:nvPr>
+            <p:ph type="sldImg" idx="2"/>
+          </p:nvPr>
+        </p:nvSpPr>
+        <p:spPr>
+          <a:xfrm>
+            <a:off x="777875" y="882650"/>
+            <a:ext cx="5441950" cy="3062288"/>
+          </a:xfrm>
+          <a:custGeom>
+            <a:avLst/>
+            <a:gdLst/>
+            <a:ahLst/>
+            <a:cxnLst/>
+            <a:rect l="l" t="t" r="r" b="b"/>
+            <a:pathLst>
+              <a:path w="120000" h="120000" extrusionOk="0">
+                <a:moveTo>
+                  <a:pt x="0" y="0"/>
+                </a:moveTo>
+                <a:lnTo>
+                  <a:pt x="120000" y="0"/>
+                </a:lnTo>
+                <a:lnTo>
+                  <a:pt x="120000" y="120000"/>
+                </a:lnTo>
+                <a:lnTo>
+                  <a:pt x="0" y="120000"/>
+                </a:lnTo>
+                <a:close/>
+              </a:path>
+            </a:pathLst>
+          </a:custGeom>
+        </p:spPr>
+      </p:sp>
+    </p:spTree>
+    <p:extLst>
+      <p:ext uri="{BB962C8B-B14F-4D97-AF65-F5344CB8AC3E}">
+        <p14:creationId xmlns:p14="http://schemas.microsoft.com/office/powerpoint/2010/main" val="2150584435"/>
+      </p:ext>
+    </p:extLst>
+  </p:cSld>
+  <p:clrMapOvr>
+    <a:masterClrMapping/>
+  </p:clrMapOvr>
+</p:notes>
+</file>
+
+<file path=ppt/notesSlides/notesSlide18.xml><?xml version="1.0" encoding="utf-8"?>
+<p:notes xmlns:a="http://schemas.openxmlformats.org/drawingml/2006/main" xmlns:r="http://schemas.openxmlformats.org/officeDocument/2006/relationships" xmlns:p="http://schemas.openxmlformats.org/presentationml/2006/main" showMasterSp="0" showMasterPhAnim="0">
+  <p:cSld>
+    <p:spTree>
+      <p:nvGrpSpPr>
+        <p:cNvPr id="1" name="Shape 346"/>
+        <p:cNvGrpSpPr/>
+        <p:nvPr/>
+      </p:nvGrpSpPr>
+      <p:grpSpPr>
+        <a:xfrm>
+          <a:off x="0" y="0"/>
+          <a:ext cx="0" cy="0"/>
+          <a:chOff x="0" y="0"/>
+          <a:chExt cx="0" cy="0"/>
+        </a:xfrm>
+      </p:grpSpPr>
+      <p:sp>
+        <p:nvSpPr>
+          <p:cNvPr id="347" name="Google Shape;347;p24:notes"/>
+          <p:cNvSpPr txBox="1">
+            <a:spLocks noGrp="1"/>
+          </p:cNvSpPr>
+          <p:nvPr>
+            <p:ph type="body" idx="1"/>
+          </p:nvPr>
+        </p:nvSpPr>
+        <p:spPr>
+          <a:xfrm>
+            <a:off x="933450" y="4367213"/>
+            <a:ext cx="5130800" cy="4137025"/>
+          </a:xfrm>
+          <a:prstGeom prst="rect">
+            <a:avLst/>
+          </a:prstGeom>
+        </p:spPr>
+        <p:txBody>
+          <a:bodyPr spcFirstLastPara="1" wrap="square" lIns="92900" tIns="45725" rIns="92900" bIns="45725" anchor="t" anchorCtr="0">
+            <a:noAutofit/>
+          </a:bodyPr>
+          <a:lstStyle/>
+          <a:p>
+            <a:pPr marL="0" lvl="0" indent="0" algn="l" rtl="0">
+              <a:spcBef>
+                <a:spcPts val="480"/>
+              </a:spcBef>
+              <a:spcAft>
+                <a:spcPts val="0"/>
+              </a:spcAft>
+              <a:buNone/>
+            </a:pPr>
+            <a:endParaRPr/>
+          </a:p>
+        </p:txBody>
+      </p:sp>
+      <p:sp>
+        <p:nvSpPr>
+          <p:cNvPr id="348" name="Google Shape;348;p24:notes"/>
+          <p:cNvSpPr>
+            <a:spLocks noGrp="1" noRot="1" noChangeAspect="1"/>
+          </p:cNvSpPr>
+          <p:nvPr>
+            <p:ph type="sldImg" idx="2"/>
+          </p:nvPr>
+        </p:nvSpPr>
+        <p:spPr>
+          <a:xfrm>
+            <a:off x="777875" y="882650"/>
+            <a:ext cx="5441950" cy="3062288"/>
+          </a:xfrm>
+          <a:custGeom>
+            <a:avLst/>
+            <a:gdLst/>
+            <a:ahLst/>
+            <a:cxnLst/>
+            <a:rect l="l" t="t" r="r" b="b"/>
+            <a:pathLst>
+              <a:path w="120000" h="120000" extrusionOk="0">
+                <a:moveTo>
+                  <a:pt x="0" y="0"/>
+                </a:moveTo>
+                <a:lnTo>
+                  <a:pt x="120000" y="0"/>
+                </a:lnTo>
+                <a:lnTo>
+                  <a:pt x="120000" y="120000"/>
+                </a:lnTo>
+                <a:lnTo>
+                  <a:pt x="0" y="120000"/>
+                </a:lnTo>
+                <a:close/>
+              </a:path>
+            </a:pathLst>
+          </a:custGeom>
+        </p:spPr>
+      </p:sp>
+    </p:spTree>
+  </p:cSld>
+  <p:clrMapOvr>
+    <a:masterClrMapping/>
+  </p:clrMapOvr>
+</p:notes>
+</file>
+
+<file path=ppt/notesSlides/notesSlide2.xml><?xml version="1.0" encoding="utf-8"?>
+<p:notes xmlns:a="http://schemas.openxmlformats.org/drawingml/2006/main" xmlns:r="http://schemas.openxmlformats.org/officeDocument/2006/relationships" xmlns:p="http://schemas.openxmlformats.org/presentationml/2006/main" showMasterSp="0" showMasterPhAnim="0">
+  <p:cSld>
+    <p:spTree>
+      <p:nvGrpSpPr>
+        <p:cNvPr id="1" name="Shape 213"/>
+        <p:cNvGrpSpPr/>
+        <p:nvPr/>
+      </p:nvGrpSpPr>
+      <p:grpSpPr>
+        <a:xfrm>
+          <a:off x="0" y="0"/>
+          <a:ext cx="0" cy="0"/>
+          <a:chOff x="0" y="0"/>
+          <a:chExt cx="0" cy="0"/>
+        </a:xfrm>
+      </p:grpSpPr>
+      <p:sp>
+        <p:nvSpPr>
+          <p:cNvPr id="214" name="Google Shape;214;p11:notes"/>
+          <p:cNvSpPr txBox="1">
+            <a:spLocks noGrp="1"/>
+          </p:cNvSpPr>
+          <p:nvPr>
+            <p:ph type="body" idx="1"/>
+          </p:nvPr>
+        </p:nvSpPr>
+        <p:spPr>
+          <a:xfrm>
+            <a:off x="933450" y="4367213"/>
+            <a:ext cx="5130800" cy="4137025"/>
+          </a:xfrm>
+          <a:prstGeom prst="rect">
+            <a:avLst/>
+          </a:prstGeom>
+        </p:spPr>
+        <p:txBody>
+          <a:bodyPr spcFirstLastPara="1" wrap="square" lIns="92900" tIns="45725" rIns="92900" bIns="45725" anchor="t" anchorCtr="0">
+            <a:noAutofit/>
+          </a:bodyPr>
+          <a:lstStyle/>
+          <a:p>
+            <a:pPr marL="0" lvl="0" indent="0" algn="l" rtl="0">
+              <a:spcBef>
+                <a:spcPts val="480"/>
+              </a:spcBef>
+              <a:spcAft>
+                <a:spcPts val="0"/>
+              </a:spcAft>
+              <a:buNone/>
+            </a:pPr>
+            <a:endParaRPr/>
+          </a:p>
+        </p:txBody>
+      </p:sp>
+      <p:sp>
+        <p:nvSpPr>
+          <p:cNvPr id="215" name="Google Shape;215;p11:notes"/>
+          <p:cNvSpPr>
+            <a:spLocks noGrp="1" noRot="1" noChangeAspect="1"/>
+          </p:cNvSpPr>
+          <p:nvPr>
+            <p:ph type="sldImg" idx="2"/>
+          </p:nvPr>
+        </p:nvSpPr>
+        <p:spPr>
+          <a:xfrm>
+            <a:off x="777875" y="882650"/>
+            <a:ext cx="5441950" cy="3062288"/>
+          </a:xfrm>
+          <a:custGeom>
+            <a:avLst/>
+            <a:gdLst/>
+            <a:ahLst/>
+            <a:cxnLst/>
+            <a:rect l="l" t="t" r="r" b="b"/>
+            <a:pathLst>
+              <a:path w="120000" h="120000" extrusionOk="0">
+                <a:moveTo>
+                  <a:pt x="0" y="0"/>
+                </a:moveTo>
+                <a:lnTo>
+                  <a:pt x="120000" y="0"/>
+                </a:lnTo>
+                <a:lnTo>
+                  <a:pt x="120000" y="120000"/>
+                </a:lnTo>
+                <a:lnTo>
+                  <a:pt x="0" y="120000"/>
+                </a:lnTo>
+                <a:close/>
+              </a:path>
+            </a:pathLst>
+          </a:custGeom>
+        </p:spPr>
+      </p:sp>
+    </p:spTree>
+    <p:extLst>
+      <p:ext uri="{BB962C8B-B14F-4D97-AF65-F5344CB8AC3E}">
+        <p14:creationId xmlns:p14="http://schemas.microsoft.com/office/powerpoint/2010/main" val="1450784409"/>
+      </p:ext>
+    </p:extLst>
+  </p:cSld>
+  <p:clrMapOvr>
+    <a:masterClrMapping/>
+  </p:clrMapOvr>
+</p:notes>
+</file>
+
+<file path=ppt/notesSlides/notesSlide3.xml><?xml version="1.0" encoding="utf-8"?>
+<p:notes xmlns:a="http://schemas.openxmlformats.org/drawingml/2006/main" xmlns:r="http://schemas.openxmlformats.org/officeDocument/2006/relationships" xmlns:p="http://schemas.openxmlformats.org/presentationml/2006/main" showMasterSp="0" showMasterPhAnim="0">
+  <p:cSld>
+    <p:spTree>
+      <p:nvGrpSpPr>
+        <p:cNvPr id="1" name="Shape 160"/>
+        <p:cNvGrpSpPr/>
+        <p:nvPr/>
+      </p:nvGrpSpPr>
+      <p:grpSpPr>
+        <a:xfrm>
+          <a:off x="0" y="0"/>
+          <a:ext cx="0" cy="0"/>
+          <a:chOff x="0" y="0"/>
+          <a:chExt cx="0" cy="0"/>
+        </a:xfrm>
+      </p:grpSpPr>
+      <p:sp>
+        <p:nvSpPr>
+          <p:cNvPr id="161" name="Google Shape;161;p8:notes"/>
+          <p:cNvSpPr txBox="1">
+            <a:spLocks noGrp="1"/>
+          </p:cNvSpPr>
+          <p:nvPr>
+            <p:ph type="body" idx="1"/>
+          </p:nvPr>
+        </p:nvSpPr>
+        <p:spPr>
+          <a:xfrm>
+            <a:off x="933450" y="4367213"/>
+            <a:ext cx="5130800" cy="4137025"/>
+          </a:xfrm>
+          <a:prstGeom prst="rect">
+            <a:avLst/>
+          </a:prstGeom>
+        </p:spPr>
+        <p:txBody>
+          <a:bodyPr spcFirstLastPara="1" wrap="square" lIns="92900" tIns="45725" rIns="92900" bIns="45725" anchor="t" anchorCtr="0">
+            <a:noAutofit/>
+          </a:bodyPr>
+          <a:lstStyle/>
+          <a:p>
+            <a:pPr marL="0" lvl="0" indent="0" algn="l" rtl="0">
+              <a:spcBef>
+                <a:spcPts val="480"/>
+              </a:spcBef>
+              <a:spcAft>
+                <a:spcPts val="0"/>
+              </a:spcAft>
+              <a:buNone/>
+            </a:pPr>
+            <a:endParaRPr dirty="0">
+              <a:latin typeface="FreightSans Pro Light" panose="02000606030000020004" pitchFamily="2" charset="0"/>
+            </a:endParaRPr>
+          </a:p>
+        </p:txBody>
+      </p:sp>
+      <p:sp>
+        <p:nvSpPr>
+          <p:cNvPr id="162" name="Google Shape;162;p8:notes"/>
+          <p:cNvSpPr>
+            <a:spLocks noGrp="1" noRot="1" noChangeAspect="1"/>
+          </p:cNvSpPr>
+          <p:nvPr>
+            <p:ph type="sldImg" idx="2"/>
+          </p:nvPr>
+        </p:nvSpPr>
+        <p:spPr>
+          <a:xfrm>
+            <a:off x="777875" y="882650"/>
+            <a:ext cx="5441950" cy="3062288"/>
+          </a:xfrm>
+          <a:custGeom>
+            <a:avLst/>
+            <a:gdLst/>
+            <a:ahLst/>
+            <a:cxnLst/>
+            <a:rect l="l" t="t" r="r" b="b"/>
+            <a:pathLst>
+              <a:path w="120000" h="120000" extrusionOk="0">
+                <a:moveTo>
+                  <a:pt x="0" y="0"/>
+                </a:moveTo>
+                <a:lnTo>
+                  <a:pt x="120000" y="0"/>
+                </a:lnTo>
+                <a:lnTo>
+                  <a:pt x="120000" y="120000"/>
+                </a:lnTo>
+                <a:lnTo>
+                  <a:pt x="0" y="120000"/>
+                </a:lnTo>
+                <a:close/>
+              </a:path>
+            </a:pathLst>
+          </a:custGeom>
+        </p:spPr>
+      </p:sp>
+    </p:spTree>
+  </p:cSld>
+  <p:clrMapOvr>
+    <a:masterClrMapping/>
+  </p:clrMapOvr>
+</p:notes>
+</file>
+
+<file path=ppt/notesSlides/notesSlide4.xml><?xml version="1.0" encoding="utf-8"?>
+<p:notes xmlns:a="http://schemas.openxmlformats.org/drawingml/2006/main" xmlns:r="http://schemas.openxmlformats.org/officeDocument/2006/relationships" xmlns:p="http://schemas.openxmlformats.org/presentationml/2006/main" showMasterSp="0" showMasterPhAnim="0">
+  <p:cSld>
+    <p:spTree>
+      <p:nvGrpSpPr>
+        <p:cNvPr id="1" name="Shape 192"/>
+        <p:cNvGrpSpPr/>
+        <p:nvPr/>
+      </p:nvGrpSpPr>
+      <p:grpSpPr>
+        <a:xfrm>
+          <a:off x="0" y="0"/>
+          <a:ext cx="0" cy="0"/>
+          <a:chOff x="0" y="0"/>
+          <a:chExt cx="0" cy="0"/>
+        </a:xfrm>
+      </p:grpSpPr>
+      <p:sp>
+        <p:nvSpPr>
+          <p:cNvPr id="193" name="Google Shape;193;p10:notes"/>
+          <p:cNvSpPr txBox="1">
+            <a:spLocks noGrp="1"/>
+          </p:cNvSpPr>
+          <p:nvPr>
+            <p:ph type="body" idx="1"/>
+          </p:nvPr>
+        </p:nvSpPr>
+        <p:spPr>
+          <a:xfrm>
+            <a:off x="933450" y="4367213"/>
+            <a:ext cx="5130800" cy="4137025"/>
+          </a:xfrm>
+          <a:prstGeom prst="rect">
+            <a:avLst/>
+          </a:prstGeom>
+        </p:spPr>
+        <p:txBody>
+          <a:bodyPr spcFirstLastPara="1" wrap="square" lIns="92900" tIns="45725" rIns="92900" bIns="45725" anchor="t" anchorCtr="0">
+            <a:noAutofit/>
+          </a:bodyPr>
+          <a:lstStyle/>
+          <a:p>
+            <a:pPr marL="0" lvl="0" indent="0" algn="l" rtl="0">
+              <a:spcBef>
+                <a:spcPts val="480"/>
+              </a:spcBef>
+              <a:spcAft>
+                <a:spcPts val="0"/>
+              </a:spcAft>
+              <a:buNone/>
+            </a:pPr>
+            <a:endParaRPr dirty="0">
+              <a:latin typeface="FreightSans Pro Light" panose="02000606030000020004" pitchFamily="2" charset="0"/>
+            </a:endParaRPr>
+          </a:p>
+        </p:txBody>
+      </p:sp>
+      <p:sp>
+        <p:nvSpPr>
+          <p:cNvPr id="194" name="Google Shape;194;p10:notes"/>
+          <p:cNvSpPr>
+            <a:spLocks noGrp="1" noRot="1" noChangeAspect="1"/>
+          </p:cNvSpPr>
+          <p:nvPr>
+            <p:ph type="sldImg" idx="2"/>
+          </p:nvPr>
+        </p:nvSpPr>
+        <p:spPr>
+          <a:xfrm>
+            <a:off x="777875" y="882650"/>
+            <a:ext cx="5441950" cy="3062288"/>
+          </a:xfrm>
+          <a:custGeom>
+            <a:avLst/>
+            <a:gdLst/>
+            <a:ahLst/>
+            <a:cxnLst/>
+            <a:rect l="l" t="t" r="r" b="b"/>
+            <a:pathLst>
+              <a:path w="120000" h="120000" extrusionOk="0">
+                <a:moveTo>
+                  <a:pt x="0" y="0"/>
+                </a:moveTo>
+                <a:lnTo>
+                  <a:pt x="120000" y="0"/>
+                </a:lnTo>
+                <a:lnTo>
+                  <a:pt x="120000" y="120000"/>
+                </a:lnTo>
+                <a:lnTo>
+                  <a:pt x="0" y="120000"/>
+                </a:lnTo>
+                <a:close/>
+              </a:path>
+            </a:pathLst>
+          </a:custGeom>
+        </p:spPr>
+      </p:sp>
+    </p:spTree>
+  </p:cSld>
+  <p:clrMapOvr>
+    <a:masterClrMapping/>
+  </p:clrMapOvr>
+</p:notes>
+</file>
+
+<file path=ppt/notesSlides/notesSlide5.xml><?xml version="1.0" encoding="utf-8"?>
+<p:notes xmlns:a="http://schemas.openxmlformats.org/drawingml/2006/main" xmlns:r="http://schemas.openxmlformats.org/officeDocument/2006/relationships" xmlns:p="http://schemas.openxmlformats.org/presentationml/2006/main" showMasterSp="0" showMasterPhAnim="0">
+  <p:cSld>
+    <p:spTree>
+      <p:nvGrpSpPr>
+        <p:cNvPr id="1" name="Shape 213"/>
+        <p:cNvGrpSpPr/>
+        <p:nvPr/>
+      </p:nvGrpSpPr>
+      <p:grpSpPr>
+        <a:xfrm>
+          <a:off x="0" y="0"/>
+          <a:ext cx="0" cy="0"/>
+          <a:chOff x="0" y="0"/>
+          <a:chExt cx="0" cy="0"/>
+        </a:xfrm>
+      </p:grpSpPr>
+      <p:sp>
+        <p:nvSpPr>
+          <p:cNvPr id="214" name="Google Shape;214;p11:notes"/>
+          <p:cNvSpPr txBox="1">
+            <a:spLocks noGrp="1"/>
+          </p:cNvSpPr>
+          <p:nvPr>
+            <p:ph type="body" idx="1"/>
+          </p:nvPr>
+        </p:nvSpPr>
+        <p:spPr>
+          <a:xfrm>
+            <a:off x="933450" y="4367213"/>
+            <a:ext cx="5130800" cy="4137025"/>
+          </a:xfrm>
+          <a:prstGeom prst="rect">
+            <a:avLst/>
+          </a:prstGeom>
+        </p:spPr>
+        <p:txBody>
+          <a:bodyPr spcFirstLastPara="1" wrap="square" lIns="92900" tIns="45725" rIns="92900" bIns="45725" anchor="t" anchorCtr="0">
+            <a:noAutofit/>
+          </a:bodyPr>
+          <a:lstStyle/>
+          <a:p>
+            <a:pPr marL="0" lvl="0" indent="0" algn="l" rtl="0">
+              <a:spcBef>
+                <a:spcPts val="480"/>
+              </a:spcBef>
+              <a:spcAft>
+                <a:spcPts val="0"/>
+              </a:spcAft>
+              <a:buNone/>
+            </a:pPr>
+            <a:endParaRPr dirty="0">
+              <a:latin typeface="FreightSans Pro Light" panose="02000606030000020004" pitchFamily="2" charset="0"/>
+            </a:endParaRPr>
+          </a:p>
+        </p:txBody>
+      </p:sp>
+      <p:sp>
+        <p:nvSpPr>
+          <p:cNvPr id="215" name="Google Shape;215;p11:notes"/>
+          <p:cNvSpPr>
+            <a:spLocks noGrp="1" noRot="1" noChangeAspect="1"/>
+          </p:cNvSpPr>
+          <p:nvPr>
+            <p:ph type="sldImg" idx="2"/>
+          </p:nvPr>
+        </p:nvSpPr>
+        <p:spPr>
+          <a:xfrm>
+            <a:off x="777875" y="882650"/>
+            <a:ext cx="5441950" cy="3062288"/>
+          </a:xfrm>
+          <a:custGeom>
+            <a:avLst/>
+            <a:gdLst/>
+            <a:ahLst/>
+            <a:cxnLst/>
+            <a:rect l="l" t="t" r="r" b="b"/>
+            <a:pathLst>
+              <a:path w="120000" h="120000" extrusionOk="0">
+                <a:moveTo>
+                  <a:pt x="0" y="0"/>
+                </a:moveTo>
+                <a:lnTo>
+                  <a:pt x="120000" y="0"/>
+                </a:lnTo>
+                <a:lnTo>
+                  <a:pt x="120000" y="120000"/>
+                </a:lnTo>
+                <a:lnTo>
+                  <a:pt x="0" y="120000"/>
+                </a:lnTo>
+                <a:close/>
+              </a:path>
+            </a:pathLst>
+          </a:custGeom>
+        </p:spPr>
+      </p:sp>
+    </p:spTree>
+    <p:extLst>
+      <p:ext uri="{BB962C8B-B14F-4D97-AF65-F5344CB8AC3E}">
+        <p14:creationId xmlns:p14="http://schemas.microsoft.com/office/powerpoint/2010/main" val="1450784409"/>
+      </p:ext>
+    </p:extLst>
+  </p:cSld>
+  <p:clrMapOvr>
+    <a:masterClrMapping/>
+  </p:clrMapOvr>
+</p:notes>
+</file>
+
+<file path=ppt/notesSlides/notesSlide6.xml><?xml version="1.0" encoding="utf-8"?>
+<p:notes xmlns:a="http://schemas.openxmlformats.org/drawingml/2006/main" xmlns:r="http://schemas.openxmlformats.org/officeDocument/2006/relationships" xmlns:p="http://schemas.openxmlformats.org/presentationml/2006/main" showMasterSp="0" showMasterPhAnim="0">
+  <p:cSld>
+    <p:spTree>
+      <p:nvGrpSpPr>
+        <p:cNvPr id="1" name="Shape 223"/>
+        <p:cNvGrpSpPr/>
+        <p:nvPr/>
+      </p:nvGrpSpPr>
+      <p:grpSpPr>
+        <a:xfrm>
+          <a:off x="0" y="0"/>
+          <a:ext cx="0" cy="0"/>
+          <a:chOff x="0" y="0"/>
+          <a:chExt cx="0" cy="0"/>
+        </a:xfrm>
+      </p:grpSpPr>
+      <p:sp>
+        <p:nvSpPr>
+          <p:cNvPr id="224" name="Google Shape;224;p12:notes"/>
+          <p:cNvSpPr txBox="1">
+            <a:spLocks noGrp="1"/>
+          </p:cNvSpPr>
+          <p:nvPr>
+            <p:ph type="body" idx="1"/>
+          </p:nvPr>
+        </p:nvSpPr>
+        <p:spPr>
+          <a:xfrm>
+            <a:off x="933450" y="4367213"/>
+            <a:ext cx="5130800" cy="4137025"/>
+          </a:xfrm>
+          <a:prstGeom prst="rect">
+            <a:avLst/>
+          </a:prstGeom>
+        </p:spPr>
+        <p:txBody>
+          <a:bodyPr spcFirstLastPara="1" wrap="square" lIns="92900" tIns="45725" rIns="92900" bIns="45725" anchor="t" anchorCtr="0">
+            <a:noAutofit/>
+          </a:bodyPr>
+          <a:lstStyle/>
+          <a:p>
+            <a:pPr marL="0" lvl="0" indent="0" algn="l" rtl="0">
+              <a:spcBef>
+                <a:spcPts val="480"/>
+              </a:spcBef>
+              <a:spcAft>
+                <a:spcPts val="0"/>
+              </a:spcAft>
+              <a:buNone/>
+            </a:pPr>
+            <a:endParaRPr dirty="0">
+              <a:latin typeface="FreightSans Pro Light" panose="02000606030000020004" pitchFamily="2" charset="0"/>
+            </a:endParaRPr>
+          </a:p>
+        </p:txBody>
+      </p:sp>
+      <p:sp>
+        <p:nvSpPr>
+          <p:cNvPr id="225" name="Google Shape;225;p12:notes"/>
+          <p:cNvSpPr>
+            <a:spLocks noGrp="1" noRot="1" noChangeAspect="1"/>
+          </p:cNvSpPr>
+          <p:nvPr>
+            <p:ph type="sldImg" idx="2"/>
+          </p:nvPr>
+        </p:nvSpPr>
+        <p:spPr>
+          <a:xfrm>
+            <a:off x="777875" y="882650"/>
+            <a:ext cx="5441950" cy="3062288"/>
+          </a:xfrm>
+          <a:custGeom>
+            <a:avLst/>
+            <a:gdLst/>
+            <a:ahLst/>
+            <a:cxnLst/>
+            <a:rect l="l" t="t" r="r" b="b"/>
+            <a:pathLst>
+              <a:path w="120000" h="120000" extrusionOk="0">
+                <a:moveTo>
+                  <a:pt x="0" y="0"/>
+                </a:moveTo>
+                <a:lnTo>
+                  <a:pt x="120000" y="0"/>
+                </a:lnTo>
+                <a:lnTo>
+                  <a:pt x="120000" y="120000"/>
+                </a:lnTo>
+                <a:lnTo>
+                  <a:pt x="0" y="120000"/>
+                </a:lnTo>
+                <a:close/>
+              </a:path>
+            </a:pathLst>
+          </a:custGeom>
+        </p:spPr>
+      </p:sp>
+    </p:spTree>
+    <p:extLst>
+      <p:ext uri="{BB962C8B-B14F-4D97-AF65-F5344CB8AC3E}">
+        <p14:creationId xmlns:p14="http://schemas.microsoft.com/office/powerpoint/2010/main" val="1209701785"/>
+      </p:ext>
+    </p:extLst>
+  </p:cSld>
+  <p:clrMapOvr>
+    <a:masterClrMapping/>
+  </p:clrMapOvr>
+</p:notes>
+</file>
+
+<file path=ppt/notesSlides/notesSlide7.xml><?xml version="1.0" encoding="utf-8"?>
+<p:notes xmlns:a="http://schemas.openxmlformats.org/drawingml/2006/main" xmlns:r="http://schemas.openxmlformats.org/officeDocument/2006/relationships" xmlns:p="http://schemas.openxmlformats.org/presentationml/2006/main" showMasterSp="0" showMasterPhAnim="0">
+  <p:cSld>
+    <p:spTree>
+      <p:nvGrpSpPr>
+        <p:cNvPr id="1" name="Shape 241"/>
+        <p:cNvGrpSpPr/>
+        <p:nvPr/>
+      </p:nvGrpSpPr>
+      <p:grpSpPr>
+        <a:xfrm>
+          <a:off x="0" y="0"/>
+          <a:ext cx="0" cy="0"/>
+          <a:chOff x="0" y="0"/>
+          <a:chExt cx="0" cy="0"/>
+        </a:xfrm>
+      </p:grpSpPr>
+      <p:sp>
+        <p:nvSpPr>
+          <p:cNvPr id="242" name="Google Shape;242;p14:notes"/>
+          <p:cNvSpPr txBox="1">
+            <a:spLocks noGrp="1"/>
+          </p:cNvSpPr>
+          <p:nvPr>
+            <p:ph type="body" idx="1"/>
+          </p:nvPr>
+        </p:nvSpPr>
+        <p:spPr>
+          <a:xfrm>
+            <a:off x="933450" y="4367213"/>
+            <a:ext cx="5130800" cy="4137025"/>
+          </a:xfrm>
+          <a:prstGeom prst="rect">
+            <a:avLst/>
+          </a:prstGeom>
+        </p:spPr>
+        <p:txBody>
+          <a:bodyPr spcFirstLastPara="1" wrap="square" lIns="92900" tIns="45725" rIns="92900" bIns="45725" anchor="t" anchorCtr="0">
+            <a:noAutofit/>
+          </a:bodyPr>
+          <a:lstStyle/>
+          <a:p>
+            <a:pPr marL="0" lvl="0" indent="0" algn="l" rtl="0">
+              <a:spcBef>
+                <a:spcPts val="480"/>
+              </a:spcBef>
+              <a:spcAft>
+                <a:spcPts val="0"/>
+              </a:spcAft>
+              <a:buNone/>
+            </a:pPr>
+            <a:endParaRPr dirty="0">
+              <a:latin typeface="FreightSans Pro Light" panose="02000606030000020004" pitchFamily="2" charset="0"/>
+            </a:endParaRPr>
+          </a:p>
+        </p:txBody>
+      </p:sp>
+      <p:sp>
+        <p:nvSpPr>
+          <p:cNvPr id="243" name="Google Shape;243;p14:notes"/>
+          <p:cNvSpPr>
+            <a:spLocks noGrp="1" noRot="1" noChangeAspect="1"/>
+          </p:cNvSpPr>
+          <p:nvPr>
+            <p:ph type="sldImg" idx="2"/>
+          </p:nvPr>
+        </p:nvSpPr>
+        <p:spPr>
+          <a:xfrm>
+            <a:off x="777875" y="882650"/>
+            <a:ext cx="5441950" cy="3062288"/>
+          </a:xfrm>
+          <a:custGeom>
+            <a:avLst/>
+            <a:gdLst/>
+            <a:ahLst/>
+            <a:cxnLst/>
+            <a:rect l="l" t="t" r="r" b="b"/>
+            <a:pathLst>
+              <a:path w="120000" h="120000" extrusionOk="0">
+                <a:moveTo>
+                  <a:pt x="0" y="0"/>
+                </a:moveTo>
+                <a:lnTo>
+                  <a:pt x="120000" y="0"/>
+                </a:lnTo>
+                <a:lnTo>
+                  <a:pt x="120000" y="120000"/>
+                </a:lnTo>
+                <a:lnTo>
+                  <a:pt x="0" y="120000"/>
+                </a:lnTo>
+                <a:close/>
+              </a:path>
+            </a:pathLst>
+          </a:custGeom>
+        </p:spPr>
+      </p:sp>
+    </p:spTree>
+    <p:extLst>
+      <p:ext uri="{BB962C8B-B14F-4D97-AF65-F5344CB8AC3E}">
+        <p14:creationId xmlns:p14="http://schemas.microsoft.com/office/powerpoint/2010/main" val="701377720"/>
+      </p:ext>
+    </p:extLst>
+  </p:cSld>
+  <p:clrMapOvr>
+    <a:masterClrMapping/>
+  </p:clrMapOvr>
+</p:notes>
+</file>
+
+<file path=ppt/notesSlides/notesSlide8.xml><?xml version="1.0" encoding="utf-8"?>
+<p:notes xmlns:a="http://schemas.openxmlformats.org/drawingml/2006/main" xmlns:r="http://schemas.openxmlformats.org/officeDocument/2006/relationships" xmlns:p="http://schemas.openxmlformats.org/presentationml/2006/main" showMasterSp="0" showMasterPhAnim="0">
+  <p:cSld>
+    <p:spTree>
+      <p:nvGrpSpPr>
+        <p:cNvPr id="1" name="Shape 253"/>
+        <p:cNvGrpSpPr/>
+        <p:nvPr/>
+      </p:nvGrpSpPr>
+      <p:grpSpPr>
+        <a:xfrm>
+          <a:off x="0" y="0"/>
+          <a:ext cx="0" cy="0"/>
+          <a:chOff x="0" y="0"/>
+          <a:chExt cx="0" cy="0"/>
+        </a:xfrm>
+      </p:grpSpPr>
+      <p:sp>
+        <p:nvSpPr>
+          <p:cNvPr id="254" name="Google Shape;254;p15:notes"/>
+          <p:cNvSpPr txBox="1">
+            <a:spLocks noGrp="1"/>
+          </p:cNvSpPr>
+          <p:nvPr>
+            <p:ph type="body" idx="1"/>
+          </p:nvPr>
+        </p:nvSpPr>
+        <p:spPr>
+          <a:xfrm>
+            <a:off x="933450" y="4367213"/>
+            <a:ext cx="5130800" cy="4137025"/>
+          </a:xfrm>
+          <a:prstGeom prst="rect">
+            <a:avLst/>
+          </a:prstGeom>
+        </p:spPr>
+        <p:txBody>
+          <a:bodyPr spcFirstLastPara="1" wrap="square" lIns="92900" tIns="45725" rIns="92900" bIns="45725" anchor="t" anchorCtr="0">
+            <a:noAutofit/>
+          </a:bodyPr>
+          <a:lstStyle/>
+          <a:p>
+            <a:pPr marL="0" lvl="0" indent="0" algn="l" rtl="0">
+              <a:spcBef>
+                <a:spcPts val="480"/>
+              </a:spcBef>
+              <a:spcAft>
+                <a:spcPts val="0"/>
+              </a:spcAft>
+              <a:buNone/>
+            </a:pPr>
+            <a:endParaRPr/>
+          </a:p>
+        </p:txBody>
+      </p:sp>
+      <p:sp>
+        <p:nvSpPr>
+          <p:cNvPr id="255" name="Google Shape;255;p15:notes"/>
+          <p:cNvSpPr>
+            <a:spLocks noGrp="1" noRot="1" noChangeAspect="1"/>
+          </p:cNvSpPr>
+          <p:nvPr>
+            <p:ph type="sldImg" idx="2"/>
+          </p:nvPr>
+        </p:nvSpPr>
+        <p:spPr>
+          <a:xfrm>
+            <a:off x="777875" y="882650"/>
+            <a:ext cx="5441950" cy="3062288"/>
+          </a:xfrm>
+          <a:custGeom>
+            <a:avLst/>
+            <a:gdLst/>
+            <a:ahLst/>
+            <a:cxnLst/>
+            <a:rect l="l" t="t" r="r" b="b"/>
+            <a:pathLst>
+              <a:path w="120000" h="120000" extrusionOk="0">
+                <a:moveTo>
+                  <a:pt x="0" y="0"/>
+                </a:moveTo>
+                <a:lnTo>
+                  <a:pt x="120000" y="0"/>
+                </a:lnTo>
+                <a:lnTo>
+                  <a:pt x="120000" y="120000"/>
+                </a:lnTo>
+                <a:lnTo>
+                  <a:pt x="0" y="120000"/>
+                </a:lnTo>
+                <a:close/>
+              </a:path>
+            </a:pathLst>
+          </a:custGeom>
+        </p:spPr>
+      </p:sp>
+    </p:spTree>
+    <p:extLst>
+      <p:ext uri="{BB962C8B-B14F-4D97-AF65-F5344CB8AC3E}">
+        <p14:creationId xmlns:p14="http://schemas.microsoft.com/office/powerpoint/2010/main" val="14932719"/>
+      </p:ext>
+    </p:extLst>
+  </p:cSld>
+  <p:clrMapOvr>
+    <a:masterClrMapping/>
+  </p:clrMapOvr>
+</p:notes>
+</file>
+
+<file path=ppt/notesSlides/notesSlide9.xml><?xml version="1.0" encoding="utf-8"?>
 <p:notes xmlns:a="http://schemas.openxmlformats.org/drawingml/2006/main" xmlns:r="http://schemas.openxmlformats.org/officeDocument/2006/relationships" xmlns:p="http://schemas.openxmlformats.org/presentationml/2006/main" showMasterSp="0" showMasterPhAnim="0">
   <p:cSld>
     <p:spTree>
@@ -1983,1849 +3721,6 @@
 </p:notes>
 </file>
 
-<file path=ppt/notesSlides/notesSlide11.xml><?xml version="1.0" encoding="utf-8"?>
-<p:notes xmlns:a="http://schemas.openxmlformats.org/drawingml/2006/main" xmlns:r="http://schemas.openxmlformats.org/officeDocument/2006/relationships" xmlns:p="http://schemas.openxmlformats.org/presentationml/2006/main" showMasterSp="0" showMasterPhAnim="0">
-  <p:cSld>
-    <p:spTree>
-      <p:nvGrpSpPr>
-        <p:cNvPr id="1" name="Shape 267"/>
-        <p:cNvGrpSpPr/>
-        <p:nvPr/>
-      </p:nvGrpSpPr>
-      <p:grpSpPr>
-        <a:xfrm>
-          <a:off x="0" y="0"/>
-          <a:ext cx="0" cy="0"/>
-          <a:chOff x="0" y="0"/>
-          <a:chExt cx="0" cy="0"/>
-        </a:xfrm>
-      </p:grpSpPr>
-      <p:sp>
-        <p:nvSpPr>
-          <p:cNvPr id="268" name="Google Shape;268;p16:notes"/>
-          <p:cNvSpPr txBox="1">
-            <a:spLocks noGrp="1"/>
-          </p:cNvSpPr>
-          <p:nvPr>
-            <p:ph type="body" idx="1"/>
-          </p:nvPr>
-        </p:nvSpPr>
-        <p:spPr>
-          <a:xfrm>
-            <a:off x="933450" y="4367213"/>
-            <a:ext cx="5130800" cy="4137025"/>
-          </a:xfrm>
-          <a:prstGeom prst="rect">
-            <a:avLst/>
-          </a:prstGeom>
-        </p:spPr>
-        <p:txBody>
-          <a:bodyPr spcFirstLastPara="1" wrap="square" lIns="92900" tIns="45725" rIns="92900" bIns="45725" anchor="t" anchorCtr="0">
-            <a:noAutofit/>
-          </a:bodyPr>
-          <a:lstStyle/>
-          <a:p>
-            <a:pPr marL="0" lvl="0" indent="0" algn="l" rtl="0">
-              <a:spcBef>
-                <a:spcPts val="480"/>
-              </a:spcBef>
-              <a:spcAft>
-                <a:spcPts val="0"/>
-              </a:spcAft>
-              <a:buNone/>
-            </a:pPr>
-            <a:endParaRPr dirty="0"/>
-          </a:p>
-        </p:txBody>
-      </p:sp>
-      <p:sp>
-        <p:nvSpPr>
-          <p:cNvPr id="269" name="Google Shape;269;p16:notes"/>
-          <p:cNvSpPr>
-            <a:spLocks noGrp="1" noRot="1" noChangeAspect="1"/>
-          </p:cNvSpPr>
-          <p:nvPr>
-            <p:ph type="sldImg" idx="2"/>
-          </p:nvPr>
-        </p:nvSpPr>
-        <p:spPr>
-          <a:xfrm>
-            <a:off x="777875" y="882650"/>
-            <a:ext cx="5441950" cy="3062288"/>
-          </a:xfrm>
-          <a:custGeom>
-            <a:avLst/>
-            <a:gdLst/>
-            <a:ahLst/>
-            <a:cxnLst/>
-            <a:rect l="l" t="t" r="r" b="b"/>
-            <a:pathLst>
-              <a:path w="120000" h="120000" extrusionOk="0">
-                <a:moveTo>
-                  <a:pt x="0" y="0"/>
-                </a:moveTo>
-                <a:lnTo>
-                  <a:pt x="120000" y="0"/>
-                </a:lnTo>
-                <a:lnTo>
-                  <a:pt x="120000" y="120000"/>
-                </a:lnTo>
-                <a:lnTo>
-                  <a:pt x="0" y="120000"/>
-                </a:lnTo>
-                <a:close/>
-              </a:path>
-            </a:pathLst>
-          </a:custGeom>
-        </p:spPr>
-      </p:sp>
-    </p:spTree>
-    <p:extLst>
-      <p:ext uri="{BB962C8B-B14F-4D97-AF65-F5344CB8AC3E}">
-        <p14:creationId xmlns:p14="http://schemas.microsoft.com/office/powerpoint/2010/main" val="884360904"/>
-      </p:ext>
-    </p:extLst>
-  </p:cSld>
-  <p:clrMapOvr>
-    <a:masterClrMapping/>
-  </p:clrMapOvr>
-</p:notes>
-</file>
-
-<file path=ppt/notesSlides/notesSlide12.xml><?xml version="1.0" encoding="utf-8"?>
-<p:notes xmlns:a="http://schemas.openxmlformats.org/drawingml/2006/main" xmlns:r="http://schemas.openxmlformats.org/officeDocument/2006/relationships" xmlns:p="http://schemas.openxmlformats.org/presentationml/2006/main" showMasterSp="0" showMasterPhAnim="0">
-  <p:cSld>
-    <p:spTree>
-      <p:nvGrpSpPr>
-        <p:cNvPr id="1" name="Shape 278"/>
-        <p:cNvGrpSpPr/>
-        <p:nvPr/>
-      </p:nvGrpSpPr>
-      <p:grpSpPr>
-        <a:xfrm>
-          <a:off x="0" y="0"/>
-          <a:ext cx="0" cy="0"/>
-          <a:chOff x="0" y="0"/>
-          <a:chExt cx="0" cy="0"/>
-        </a:xfrm>
-      </p:grpSpPr>
-      <p:sp>
-        <p:nvSpPr>
-          <p:cNvPr id="279" name="Google Shape;279;p17:notes"/>
-          <p:cNvSpPr txBox="1">
-            <a:spLocks noGrp="1"/>
-          </p:cNvSpPr>
-          <p:nvPr>
-            <p:ph type="body" idx="1"/>
-          </p:nvPr>
-        </p:nvSpPr>
-        <p:spPr>
-          <a:xfrm>
-            <a:off x="933450" y="4367213"/>
-            <a:ext cx="5130800" cy="4137025"/>
-          </a:xfrm>
-          <a:prstGeom prst="rect">
-            <a:avLst/>
-          </a:prstGeom>
-        </p:spPr>
-        <p:txBody>
-          <a:bodyPr spcFirstLastPara="1" wrap="square" lIns="92900" tIns="45725" rIns="92900" bIns="45725" anchor="t" anchorCtr="0">
-            <a:noAutofit/>
-          </a:bodyPr>
-          <a:lstStyle/>
-          <a:p>
-            <a:pPr marL="0" lvl="0" indent="0" algn="l" rtl="0">
-              <a:spcBef>
-                <a:spcPts val="480"/>
-              </a:spcBef>
-              <a:spcAft>
-                <a:spcPts val="0"/>
-              </a:spcAft>
-              <a:buNone/>
-            </a:pPr>
-            <a:endParaRPr/>
-          </a:p>
-        </p:txBody>
-      </p:sp>
-      <p:sp>
-        <p:nvSpPr>
-          <p:cNvPr id="280" name="Google Shape;280;p17:notes"/>
-          <p:cNvSpPr>
-            <a:spLocks noGrp="1" noRot="1" noChangeAspect="1"/>
-          </p:cNvSpPr>
-          <p:nvPr>
-            <p:ph type="sldImg" idx="2"/>
-          </p:nvPr>
-        </p:nvSpPr>
-        <p:spPr>
-          <a:xfrm>
-            <a:off x="777875" y="882650"/>
-            <a:ext cx="5441950" cy="3062288"/>
-          </a:xfrm>
-          <a:custGeom>
-            <a:avLst/>
-            <a:gdLst/>
-            <a:ahLst/>
-            <a:cxnLst/>
-            <a:rect l="l" t="t" r="r" b="b"/>
-            <a:pathLst>
-              <a:path w="120000" h="120000" extrusionOk="0">
-                <a:moveTo>
-                  <a:pt x="0" y="0"/>
-                </a:moveTo>
-                <a:lnTo>
-                  <a:pt x="120000" y="0"/>
-                </a:lnTo>
-                <a:lnTo>
-                  <a:pt x="120000" y="120000"/>
-                </a:lnTo>
-                <a:lnTo>
-                  <a:pt x="0" y="120000"/>
-                </a:lnTo>
-                <a:close/>
-              </a:path>
-            </a:pathLst>
-          </a:custGeom>
-        </p:spPr>
-      </p:sp>
-    </p:spTree>
-    <p:extLst>
-      <p:ext uri="{BB962C8B-B14F-4D97-AF65-F5344CB8AC3E}">
-        <p14:creationId xmlns:p14="http://schemas.microsoft.com/office/powerpoint/2010/main" val="3002306355"/>
-      </p:ext>
-    </p:extLst>
-  </p:cSld>
-  <p:clrMapOvr>
-    <a:masterClrMapping/>
-  </p:clrMapOvr>
-</p:notes>
-</file>
-
-<file path=ppt/notesSlides/notesSlide13.xml><?xml version="1.0" encoding="utf-8"?>
-<p:notes xmlns:a="http://schemas.openxmlformats.org/drawingml/2006/main" xmlns:r="http://schemas.openxmlformats.org/officeDocument/2006/relationships" xmlns:p="http://schemas.openxmlformats.org/presentationml/2006/main" showMasterSp="0" showMasterPhAnim="0">
-  <p:cSld>
-    <p:spTree>
-      <p:nvGrpSpPr>
-        <p:cNvPr id="1" name="Shape 288"/>
-        <p:cNvGrpSpPr/>
-        <p:nvPr/>
-      </p:nvGrpSpPr>
-      <p:grpSpPr>
-        <a:xfrm>
-          <a:off x="0" y="0"/>
-          <a:ext cx="0" cy="0"/>
-          <a:chOff x="0" y="0"/>
-          <a:chExt cx="0" cy="0"/>
-        </a:xfrm>
-      </p:grpSpPr>
-      <p:sp>
-        <p:nvSpPr>
-          <p:cNvPr id="289" name="Google Shape;289;p18:notes"/>
-          <p:cNvSpPr txBox="1">
-            <a:spLocks noGrp="1"/>
-          </p:cNvSpPr>
-          <p:nvPr>
-            <p:ph type="body" idx="1"/>
-          </p:nvPr>
-        </p:nvSpPr>
-        <p:spPr>
-          <a:xfrm>
-            <a:off x="933450" y="4367213"/>
-            <a:ext cx="5130800" cy="4137025"/>
-          </a:xfrm>
-          <a:prstGeom prst="rect">
-            <a:avLst/>
-          </a:prstGeom>
-        </p:spPr>
-        <p:txBody>
-          <a:bodyPr spcFirstLastPara="1" wrap="square" lIns="92900" tIns="45725" rIns="92900" bIns="45725" anchor="t" anchorCtr="0">
-            <a:noAutofit/>
-          </a:bodyPr>
-          <a:lstStyle/>
-          <a:p>
-            <a:pPr marL="0" lvl="0" indent="0" algn="l" rtl="0">
-              <a:spcBef>
-                <a:spcPts val="480"/>
-              </a:spcBef>
-              <a:spcAft>
-                <a:spcPts val="0"/>
-              </a:spcAft>
-              <a:buNone/>
-            </a:pPr>
-            <a:endParaRPr/>
-          </a:p>
-        </p:txBody>
-      </p:sp>
-      <p:sp>
-        <p:nvSpPr>
-          <p:cNvPr id="290" name="Google Shape;290;p18:notes"/>
-          <p:cNvSpPr>
-            <a:spLocks noGrp="1" noRot="1" noChangeAspect="1"/>
-          </p:cNvSpPr>
-          <p:nvPr>
-            <p:ph type="sldImg" idx="2"/>
-          </p:nvPr>
-        </p:nvSpPr>
-        <p:spPr>
-          <a:xfrm>
-            <a:off x="777875" y="882650"/>
-            <a:ext cx="5441950" cy="3062288"/>
-          </a:xfrm>
-          <a:custGeom>
-            <a:avLst/>
-            <a:gdLst/>
-            <a:ahLst/>
-            <a:cxnLst/>
-            <a:rect l="l" t="t" r="r" b="b"/>
-            <a:pathLst>
-              <a:path w="120000" h="120000" extrusionOk="0">
-                <a:moveTo>
-                  <a:pt x="0" y="0"/>
-                </a:moveTo>
-                <a:lnTo>
-                  <a:pt x="120000" y="0"/>
-                </a:lnTo>
-                <a:lnTo>
-                  <a:pt x="120000" y="120000"/>
-                </a:lnTo>
-                <a:lnTo>
-                  <a:pt x="0" y="120000"/>
-                </a:lnTo>
-                <a:close/>
-              </a:path>
-            </a:pathLst>
-          </a:custGeom>
-        </p:spPr>
-      </p:sp>
-    </p:spTree>
-    <p:extLst>
-      <p:ext uri="{BB962C8B-B14F-4D97-AF65-F5344CB8AC3E}">
-        <p14:creationId xmlns:p14="http://schemas.microsoft.com/office/powerpoint/2010/main" val="1440399979"/>
-      </p:ext>
-    </p:extLst>
-  </p:cSld>
-  <p:clrMapOvr>
-    <a:masterClrMapping/>
-  </p:clrMapOvr>
-</p:notes>
-</file>
-
-<file path=ppt/notesSlides/notesSlide14.xml><?xml version="1.0" encoding="utf-8"?>
-<p:notes xmlns:a="http://schemas.openxmlformats.org/drawingml/2006/main" xmlns:r="http://schemas.openxmlformats.org/officeDocument/2006/relationships" xmlns:p="http://schemas.openxmlformats.org/presentationml/2006/main" showMasterSp="0" showMasterPhAnim="0">
-  <p:cSld>
-    <p:spTree>
-      <p:nvGrpSpPr>
-        <p:cNvPr id="1" name="Shape 298"/>
-        <p:cNvGrpSpPr/>
-        <p:nvPr/>
-      </p:nvGrpSpPr>
-      <p:grpSpPr>
-        <a:xfrm>
-          <a:off x="0" y="0"/>
-          <a:ext cx="0" cy="0"/>
-          <a:chOff x="0" y="0"/>
-          <a:chExt cx="0" cy="0"/>
-        </a:xfrm>
-      </p:grpSpPr>
-      <p:sp>
-        <p:nvSpPr>
-          <p:cNvPr id="299" name="Google Shape;299;p19:notes"/>
-          <p:cNvSpPr txBox="1">
-            <a:spLocks noGrp="1"/>
-          </p:cNvSpPr>
-          <p:nvPr>
-            <p:ph type="body" idx="1"/>
-          </p:nvPr>
-        </p:nvSpPr>
-        <p:spPr>
-          <a:xfrm>
-            <a:off x="933450" y="4367213"/>
-            <a:ext cx="5130800" cy="4137025"/>
-          </a:xfrm>
-          <a:prstGeom prst="rect">
-            <a:avLst/>
-          </a:prstGeom>
-        </p:spPr>
-        <p:txBody>
-          <a:bodyPr spcFirstLastPara="1" wrap="square" lIns="92900" tIns="45725" rIns="92900" bIns="45725" anchor="t" anchorCtr="0">
-            <a:noAutofit/>
-          </a:bodyPr>
-          <a:lstStyle/>
-          <a:p>
-            <a:pPr marL="0" lvl="0" indent="0" algn="l" rtl="0">
-              <a:spcBef>
-                <a:spcPts val="480"/>
-              </a:spcBef>
-              <a:spcAft>
-                <a:spcPts val="0"/>
-              </a:spcAft>
-              <a:buNone/>
-            </a:pPr>
-            <a:endParaRPr/>
-          </a:p>
-        </p:txBody>
-      </p:sp>
-      <p:sp>
-        <p:nvSpPr>
-          <p:cNvPr id="300" name="Google Shape;300;p19:notes"/>
-          <p:cNvSpPr>
-            <a:spLocks noGrp="1" noRot="1" noChangeAspect="1"/>
-          </p:cNvSpPr>
-          <p:nvPr>
-            <p:ph type="sldImg" idx="2"/>
-          </p:nvPr>
-        </p:nvSpPr>
-        <p:spPr>
-          <a:xfrm>
-            <a:off x="777875" y="882650"/>
-            <a:ext cx="5441950" cy="3062288"/>
-          </a:xfrm>
-          <a:custGeom>
-            <a:avLst/>
-            <a:gdLst/>
-            <a:ahLst/>
-            <a:cxnLst/>
-            <a:rect l="l" t="t" r="r" b="b"/>
-            <a:pathLst>
-              <a:path w="120000" h="120000" extrusionOk="0">
-                <a:moveTo>
-                  <a:pt x="0" y="0"/>
-                </a:moveTo>
-                <a:lnTo>
-                  <a:pt x="120000" y="0"/>
-                </a:lnTo>
-                <a:lnTo>
-                  <a:pt x="120000" y="120000"/>
-                </a:lnTo>
-                <a:lnTo>
-                  <a:pt x="0" y="120000"/>
-                </a:lnTo>
-                <a:close/>
-              </a:path>
-            </a:pathLst>
-          </a:custGeom>
-        </p:spPr>
-      </p:sp>
-    </p:spTree>
-    <p:extLst>
-      <p:ext uri="{BB962C8B-B14F-4D97-AF65-F5344CB8AC3E}">
-        <p14:creationId xmlns:p14="http://schemas.microsoft.com/office/powerpoint/2010/main" val="595688007"/>
-      </p:ext>
-    </p:extLst>
-  </p:cSld>
-  <p:clrMapOvr>
-    <a:masterClrMapping/>
-  </p:clrMapOvr>
-</p:notes>
-</file>
-
-<file path=ppt/notesSlides/notesSlide15.xml><?xml version="1.0" encoding="utf-8"?>
-<p:notes xmlns:a="http://schemas.openxmlformats.org/drawingml/2006/main" xmlns:r="http://schemas.openxmlformats.org/officeDocument/2006/relationships" xmlns:p="http://schemas.openxmlformats.org/presentationml/2006/main" showMasterSp="0" showMasterPhAnim="0">
-  <p:cSld>
-    <p:spTree>
-      <p:nvGrpSpPr>
-        <p:cNvPr id="1" name="Shape 308"/>
-        <p:cNvGrpSpPr/>
-        <p:nvPr/>
-      </p:nvGrpSpPr>
-      <p:grpSpPr>
-        <a:xfrm>
-          <a:off x="0" y="0"/>
-          <a:ext cx="0" cy="0"/>
-          <a:chOff x="0" y="0"/>
-          <a:chExt cx="0" cy="0"/>
-        </a:xfrm>
-      </p:grpSpPr>
-      <p:sp>
-        <p:nvSpPr>
-          <p:cNvPr id="309" name="Google Shape;309;p20:notes"/>
-          <p:cNvSpPr txBox="1">
-            <a:spLocks noGrp="1"/>
-          </p:cNvSpPr>
-          <p:nvPr>
-            <p:ph type="body" idx="1"/>
-          </p:nvPr>
-        </p:nvSpPr>
-        <p:spPr>
-          <a:xfrm>
-            <a:off x="933450" y="4367213"/>
-            <a:ext cx="5130800" cy="4137025"/>
-          </a:xfrm>
-          <a:prstGeom prst="rect">
-            <a:avLst/>
-          </a:prstGeom>
-        </p:spPr>
-        <p:txBody>
-          <a:bodyPr spcFirstLastPara="1" wrap="square" lIns="92900" tIns="45725" rIns="92900" bIns="45725" anchor="t" anchorCtr="0">
-            <a:noAutofit/>
-          </a:bodyPr>
-          <a:lstStyle/>
-          <a:p>
-            <a:pPr marL="0" lvl="0" indent="0" algn="l" rtl="0">
-              <a:spcBef>
-                <a:spcPts val="480"/>
-              </a:spcBef>
-              <a:spcAft>
-                <a:spcPts val="0"/>
-              </a:spcAft>
-              <a:buNone/>
-            </a:pPr>
-            <a:endParaRPr/>
-          </a:p>
-        </p:txBody>
-      </p:sp>
-      <p:sp>
-        <p:nvSpPr>
-          <p:cNvPr id="310" name="Google Shape;310;p20:notes"/>
-          <p:cNvSpPr>
-            <a:spLocks noGrp="1" noRot="1" noChangeAspect="1"/>
-          </p:cNvSpPr>
-          <p:nvPr>
-            <p:ph type="sldImg" idx="2"/>
-          </p:nvPr>
-        </p:nvSpPr>
-        <p:spPr>
-          <a:xfrm>
-            <a:off x="777875" y="882650"/>
-            <a:ext cx="5441950" cy="3062288"/>
-          </a:xfrm>
-          <a:custGeom>
-            <a:avLst/>
-            <a:gdLst/>
-            <a:ahLst/>
-            <a:cxnLst/>
-            <a:rect l="l" t="t" r="r" b="b"/>
-            <a:pathLst>
-              <a:path w="120000" h="120000" extrusionOk="0">
-                <a:moveTo>
-                  <a:pt x="0" y="0"/>
-                </a:moveTo>
-                <a:lnTo>
-                  <a:pt x="120000" y="0"/>
-                </a:lnTo>
-                <a:lnTo>
-                  <a:pt x="120000" y="120000"/>
-                </a:lnTo>
-                <a:lnTo>
-                  <a:pt x="0" y="120000"/>
-                </a:lnTo>
-                <a:close/>
-              </a:path>
-            </a:pathLst>
-          </a:custGeom>
-        </p:spPr>
-      </p:sp>
-    </p:spTree>
-    <p:extLst>
-      <p:ext uri="{BB962C8B-B14F-4D97-AF65-F5344CB8AC3E}">
-        <p14:creationId xmlns:p14="http://schemas.microsoft.com/office/powerpoint/2010/main" val="594930962"/>
-      </p:ext>
-    </p:extLst>
-  </p:cSld>
-  <p:clrMapOvr>
-    <a:masterClrMapping/>
-  </p:clrMapOvr>
-</p:notes>
-</file>
-
-<file path=ppt/notesSlides/notesSlide16.xml><?xml version="1.0" encoding="utf-8"?>
-<p:notes xmlns:a="http://schemas.openxmlformats.org/drawingml/2006/main" xmlns:r="http://schemas.openxmlformats.org/officeDocument/2006/relationships" xmlns:p="http://schemas.openxmlformats.org/presentationml/2006/main" showMasterSp="0" showMasterPhAnim="0">
-  <p:cSld>
-    <p:spTree>
-      <p:nvGrpSpPr>
-        <p:cNvPr id="1" name="Shape 319"/>
-        <p:cNvGrpSpPr/>
-        <p:nvPr/>
-      </p:nvGrpSpPr>
-      <p:grpSpPr>
-        <a:xfrm>
-          <a:off x="0" y="0"/>
-          <a:ext cx="0" cy="0"/>
-          <a:chOff x="0" y="0"/>
-          <a:chExt cx="0" cy="0"/>
-        </a:xfrm>
-      </p:grpSpPr>
-      <p:sp>
-        <p:nvSpPr>
-          <p:cNvPr id="320" name="Google Shape;320;p21:notes"/>
-          <p:cNvSpPr txBox="1">
-            <a:spLocks noGrp="1"/>
-          </p:cNvSpPr>
-          <p:nvPr>
-            <p:ph type="body" idx="1"/>
-          </p:nvPr>
-        </p:nvSpPr>
-        <p:spPr>
-          <a:xfrm>
-            <a:off x="933450" y="4367213"/>
-            <a:ext cx="5130800" cy="4137025"/>
-          </a:xfrm>
-          <a:prstGeom prst="rect">
-            <a:avLst/>
-          </a:prstGeom>
-        </p:spPr>
-        <p:txBody>
-          <a:bodyPr spcFirstLastPara="1" wrap="square" lIns="92900" tIns="45725" rIns="92900" bIns="45725" anchor="t" anchorCtr="0">
-            <a:noAutofit/>
-          </a:bodyPr>
-          <a:lstStyle/>
-          <a:p>
-            <a:pPr marL="0" lvl="0" indent="0" algn="l" rtl="0">
-              <a:spcBef>
-                <a:spcPts val="480"/>
-              </a:spcBef>
-              <a:spcAft>
-                <a:spcPts val="0"/>
-              </a:spcAft>
-              <a:buNone/>
-            </a:pPr>
-            <a:endParaRPr/>
-          </a:p>
-        </p:txBody>
-      </p:sp>
-      <p:sp>
-        <p:nvSpPr>
-          <p:cNvPr id="321" name="Google Shape;321;p21:notes"/>
-          <p:cNvSpPr>
-            <a:spLocks noGrp="1" noRot="1" noChangeAspect="1"/>
-          </p:cNvSpPr>
-          <p:nvPr>
-            <p:ph type="sldImg" idx="2"/>
-          </p:nvPr>
-        </p:nvSpPr>
-        <p:spPr>
-          <a:xfrm>
-            <a:off x="777875" y="882650"/>
-            <a:ext cx="5441950" cy="3062288"/>
-          </a:xfrm>
-          <a:custGeom>
-            <a:avLst/>
-            <a:gdLst/>
-            <a:ahLst/>
-            <a:cxnLst/>
-            <a:rect l="l" t="t" r="r" b="b"/>
-            <a:pathLst>
-              <a:path w="120000" h="120000" extrusionOk="0">
-                <a:moveTo>
-                  <a:pt x="0" y="0"/>
-                </a:moveTo>
-                <a:lnTo>
-                  <a:pt x="120000" y="0"/>
-                </a:lnTo>
-                <a:lnTo>
-                  <a:pt x="120000" y="120000"/>
-                </a:lnTo>
-                <a:lnTo>
-                  <a:pt x="0" y="120000"/>
-                </a:lnTo>
-                <a:close/>
-              </a:path>
-            </a:pathLst>
-          </a:custGeom>
-        </p:spPr>
-      </p:sp>
-    </p:spTree>
-    <p:extLst>
-      <p:ext uri="{BB962C8B-B14F-4D97-AF65-F5344CB8AC3E}">
-        <p14:creationId xmlns:p14="http://schemas.microsoft.com/office/powerpoint/2010/main" val="3959609720"/>
-      </p:ext>
-    </p:extLst>
-  </p:cSld>
-  <p:clrMapOvr>
-    <a:masterClrMapping/>
-  </p:clrMapOvr>
-</p:notes>
-</file>
-
-<file path=ppt/notesSlides/notesSlide17.xml><?xml version="1.0" encoding="utf-8"?>
-<p:notes xmlns:a="http://schemas.openxmlformats.org/drawingml/2006/main" xmlns:r="http://schemas.openxmlformats.org/officeDocument/2006/relationships" xmlns:p="http://schemas.openxmlformats.org/presentationml/2006/main" showMasterSp="0" showMasterPhAnim="0">
-  <p:cSld>
-    <p:spTree>
-      <p:nvGrpSpPr>
-        <p:cNvPr id="1" name="Shape 328"/>
-        <p:cNvGrpSpPr/>
-        <p:nvPr/>
-      </p:nvGrpSpPr>
-      <p:grpSpPr>
-        <a:xfrm>
-          <a:off x="0" y="0"/>
-          <a:ext cx="0" cy="0"/>
-          <a:chOff x="0" y="0"/>
-          <a:chExt cx="0" cy="0"/>
-        </a:xfrm>
-      </p:grpSpPr>
-      <p:sp>
-        <p:nvSpPr>
-          <p:cNvPr id="329" name="Google Shape;329;p22:notes"/>
-          <p:cNvSpPr txBox="1">
-            <a:spLocks noGrp="1"/>
-          </p:cNvSpPr>
-          <p:nvPr>
-            <p:ph type="body" idx="1"/>
-          </p:nvPr>
-        </p:nvSpPr>
-        <p:spPr>
-          <a:xfrm>
-            <a:off x="933450" y="4367213"/>
-            <a:ext cx="5130800" cy="4137025"/>
-          </a:xfrm>
-          <a:prstGeom prst="rect">
-            <a:avLst/>
-          </a:prstGeom>
-        </p:spPr>
-        <p:txBody>
-          <a:bodyPr spcFirstLastPara="1" wrap="square" lIns="92900" tIns="45725" rIns="92900" bIns="45725" anchor="t" anchorCtr="0">
-            <a:noAutofit/>
-          </a:bodyPr>
-          <a:lstStyle/>
-          <a:p>
-            <a:pPr marL="0" lvl="0" indent="0" algn="l" rtl="0">
-              <a:spcBef>
-                <a:spcPts val="480"/>
-              </a:spcBef>
-              <a:spcAft>
-                <a:spcPts val="0"/>
-              </a:spcAft>
-              <a:buNone/>
-            </a:pPr>
-            <a:endParaRPr/>
-          </a:p>
-        </p:txBody>
-      </p:sp>
-      <p:sp>
-        <p:nvSpPr>
-          <p:cNvPr id="330" name="Google Shape;330;p22:notes"/>
-          <p:cNvSpPr>
-            <a:spLocks noGrp="1" noRot="1" noChangeAspect="1"/>
-          </p:cNvSpPr>
-          <p:nvPr>
-            <p:ph type="sldImg" idx="2"/>
-          </p:nvPr>
-        </p:nvSpPr>
-        <p:spPr>
-          <a:xfrm>
-            <a:off x="777875" y="882650"/>
-            <a:ext cx="5441950" cy="3062288"/>
-          </a:xfrm>
-          <a:custGeom>
-            <a:avLst/>
-            <a:gdLst/>
-            <a:ahLst/>
-            <a:cxnLst/>
-            <a:rect l="l" t="t" r="r" b="b"/>
-            <a:pathLst>
-              <a:path w="120000" h="120000" extrusionOk="0">
-                <a:moveTo>
-                  <a:pt x="0" y="0"/>
-                </a:moveTo>
-                <a:lnTo>
-                  <a:pt x="120000" y="0"/>
-                </a:lnTo>
-                <a:lnTo>
-                  <a:pt x="120000" y="120000"/>
-                </a:lnTo>
-                <a:lnTo>
-                  <a:pt x="0" y="120000"/>
-                </a:lnTo>
-                <a:close/>
-              </a:path>
-            </a:pathLst>
-          </a:custGeom>
-        </p:spPr>
-      </p:sp>
-    </p:spTree>
-    <p:extLst>
-      <p:ext uri="{BB962C8B-B14F-4D97-AF65-F5344CB8AC3E}">
-        <p14:creationId xmlns:p14="http://schemas.microsoft.com/office/powerpoint/2010/main" val="2782005279"/>
-      </p:ext>
-    </p:extLst>
-  </p:cSld>
-  <p:clrMapOvr>
-    <a:masterClrMapping/>
-  </p:clrMapOvr>
-</p:notes>
-</file>
-
-<file path=ppt/notesSlides/notesSlide18.xml><?xml version="1.0" encoding="utf-8"?>
-<p:notes xmlns:a="http://schemas.openxmlformats.org/drawingml/2006/main" xmlns:r="http://schemas.openxmlformats.org/officeDocument/2006/relationships" xmlns:p="http://schemas.openxmlformats.org/presentationml/2006/main" showMasterSp="0" showMasterPhAnim="0">
-  <p:cSld>
-    <p:spTree>
-      <p:nvGrpSpPr>
-        <p:cNvPr id="1" name="Shape 337"/>
-        <p:cNvGrpSpPr/>
-        <p:nvPr/>
-      </p:nvGrpSpPr>
-      <p:grpSpPr>
-        <a:xfrm>
-          <a:off x="0" y="0"/>
-          <a:ext cx="0" cy="0"/>
-          <a:chOff x="0" y="0"/>
-          <a:chExt cx="0" cy="0"/>
-        </a:xfrm>
-      </p:grpSpPr>
-      <p:sp>
-        <p:nvSpPr>
-          <p:cNvPr id="338" name="Google Shape;338;p23:notes"/>
-          <p:cNvSpPr txBox="1">
-            <a:spLocks noGrp="1"/>
-          </p:cNvSpPr>
-          <p:nvPr>
-            <p:ph type="body" idx="1"/>
-          </p:nvPr>
-        </p:nvSpPr>
-        <p:spPr>
-          <a:xfrm>
-            <a:off x="933450" y="4367213"/>
-            <a:ext cx="5130800" cy="4137025"/>
-          </a:xfrm>
-          <a:prstGeom prst="rect">
-            <a:avLst/>
-          </a:prstGeom>
-        </p:spPr>
-        <p:txBody>
-          <a:bodyPr spcFirstLastPara="1" wrap="square" lIns="92900" tIns="45725" rIns="92900" bIns="45725" anchor="t" anchorCtr="0">
-            <a:noAutofit/>
-          </a:bodyPr>
-          <a:lstStyle/>
-          <a:p>
-            <a:pPr marL="0" lvl="0" indent="0" algn="l" rtl="0">
-              <a:spcBef>
-                <a:spcPts val="480"/>
-              </a:spcBef>
-              <a:spcAft>
-                <a:spcPts val="0"/>
-              </a:spcAft>
-              <a:buNone/>
-            </a:pPr>
-            <a:endParaRPr/>
-          </a:p>
-        </p:txBody>
-      </p:sp>
-      <p:sp>
-        <p:nvSpPr>
-          <p:cNvPr id="339" name="Google Shape;339;p23:notes"/>
-          <p:cNvSpPr>
-            <a:spLocks noGrp="1" noRot="1" noChangeAspect="1"/>
-          </p:cNvSpPr>
-          <p:nvPr>
-            <p:ph type="sldImg" idx="2"/>
-          </p:nvPr>
-        </p:nvSpPr>
-        <p:spPr>
-          <a:xfrm>
-            <a:off x="777875" y="882650"/>
-            <a:ext cx="5441950" cy="3062288"/>
-          </a:xfrm>
-          <a:custGeom>
-            <a:avLst/>
-            <a:gdLst/>
-            <a:ahLst/>
-            <a:cxnLst/>
-            <a:rect l="l" t="t" r="r" b="b"/>
-            <a:pathLst>
-              <a:path w="120000" h="120000" extrusionOk="0">
-                <a:moveTo>
-                  <a:pt x="0" y="0"/>
-                </a:moveTo>
-                <a:lnTo>
-                  <a:pt x="120000" y="0"/>
-                </a:lnTo>
-                <a:lnTo>
-                  <a:pt x="120000" y="120000"/>
-                </a:lnTo>
-                <a:lnTo>
-                  <a:pt x="0" y="120000"/>
-                </a:lnTo>
-                <a:close/>
-              </a:path>
-            </a:pathLst>
-          </a:custGeom>
-        </p:spPr>
-      </p:sp>
-    </p:spTree>
-    <p:extLst>
-      <p:ext uri="{BB962C8B-B14F-4D97-AF65-F5344CB8AC3E}">
-        <p14:creationId xmlns:p14="http://schemas.microsoft.com/office/powerpoint/2010/main" val="2150584435"/>
-      </p:ext>
-    </p:extLst>
-  </p:cSld>
-  <p:clrMapOvr>
-    <a:masterClrMapping/>
-  </p:clrMapOvr>
-</p:notes>
-</file>
-
-<file path=ppt/notesSlides/notesSlide19.xml><?xml version="1.0" encoding="utf-8"?>
-<p:notes xmlns:a="http://schemas.openxmlformats.org/drawingml/2006/main" xmlns:r="http://schemas.openxmlformats.org/officeDocument/2006/relationships" xmlns:p="http://schemas.openxmlformats.org/presentationml/2006/main" showMasterSp="0" showMasterPhAnim="0">
-  <p:cSld>
-    <p:spTree>
-      <p:nvGrpSpPr>
-        <p:cNvPr id="1" name="Shape 346"/>
-        <p:cNvGrpSpPr/>
-        <p:nvPr/>
-      </p:nvGrpSpPr>
-      <p:grpSpPr>
-        <a:xfrm>
-          <a:off x="0" y="0"/>
-          <a:ext cx="0" cy="0"/>
-          <a:chOff x="0" y="0"/>
-          <a:chExt cx="0" cy="0"/>
-        </a:xfrm>
-      </p:grpSpPr>
-      <p:sp>
-        <p:nvSpPr>
-          <p:cNvPr id="347" name="Google Shape;347;p24:notes"/>
-          <p:cNvSpPr txBox="1">
-            <a:spLocks noGrp="1"/>
-          </p:cNvSpPr>
-          <p:nvPr>
-            <p:ph type="body" idx="1"/>
-          </p:nvPr>
-        </p:nvSpPr>
-        <p:spPr>
-          <a:xfrm>
-            <a:off x="933450" y="4367213"/>
-            <a:ext cx="5130800" cy="4137025"/>
-          </a:xfrm>
-          <a:prstGeom prst="rect">
-            <a:avLst/>
-          </a:prstGeom>
-        </p:spPr>
-        <p:txBody>
-          <a:bodyPr spcFirstLastPara="1" wrap="square" lIns="92900" tIns="45725" rIns="92900" bIns="45725" anchor="t" anchorCtr="0">
-            <a:noAutofit/>
-          </a:bodyPr>
-          <a:lstStyle/>
-          <a:p>
-            <a:pPr marL="0" lvl="0" indent="0" algn="l" rtl="0">
-              <a:spcBef>
-                <a:spcPts val="480"/>
-              </a:spcBef>
-              <a:spcAft>
-                <a:spcPts val="0"/>
-              </a:spcAft>
-              <a:buNone/>
-            </a:pPr>
-            <a:endParaRPr/>
-          </a:p>
-        </p:txBody>
-      </p:sp>
-      <p:sp>
-        <p:nvSpPr>
-          <p:cNvPr id="348" name="Google Shape;348;p24:notes"/>
-          <p:cNvSpPr>
-            <a:spLocks noGrp="1" noRot="1" noChangeAspect="1"/>
-          </p:cNvSpPr>
-          <p:nvPr>
-            <p:ph type="sldImg" idx="2"/>
-          </p:nvPr>
-        </p:nvSpPr>
-        <p:spPr>
-          <a:xfrm>
-            <a:off x="777875" y="882650"/>
-            <a:ext cx="5441950" cy="3062288"/>
-          </a:xfrm>
-          <a:custGeom>
-            <a:avLst/>
-            <a:gdLst/>
-            <a:ahLst/>
-            <a:cxnLst/>
-            <a:rect l="l" t="t" r="r" b="b"/>
-            <a:pathLst>
-              <a:path w="120000" h="120000" extrusionOk="0">
-                <a:moveTo>
-                  <a:pt x="0" y="0"/>
-                </a:moveTo>
-                <a:lnTo>
-                  <a:pt x="120000" y="0"/>
-                </a:lnTo>
-                <a:lnTo>
-                  <a:pt x="120000" y="120000"/>
-                </a:lnTo>
-                <a:lnTo>
-                  <a:pt x="0" y="120000"/>
-                </a:lnTo>
-                <a:close/>
-              </a:path>
-            </a:pathLst>
-          </a:custGeom>
-        </p:spPr>
-      </p:sp>
-    </p:spTree>
-  </p:cSld>
-  <p:clrMapOvr>
-    <a:masterClrMapping/>
-  </p:clrMapOvr>
-</p:notes>
-</file>
-
-<file path=ppt/notesSlides/notesSlide2.xml><?xml version="1.0" encoding="utf-8"?>
-<p:notes xmlns:a="http://schemas.openxmlformats.org/drawingml/2006/main" xmlns:r="http://schemas.openxmlformats.org/officeDocument/2006/relationships" xmlns:p="http://schemas.openxmlformats.org/presentationml/2006/main" showMasterSp="0" showMasterPhAnim="0">
-  <p:cSld>
-    <p:spTree>
-      <p:nvGrpSpPr>
-        <p:cNvPr id="1" name="Shape 115"/>
-        <p:cNvGrpSpPr/>
-        <p:nvPr/>
-      </p:nvGrpSpPr>
-      <p:grpSpPr>
-        <a:xfrm>
-          <a:off x="0" y="0"/>
-          <a:ext cx="0" cy="0"/>
-          <a:chOff x="0" y="0"/>
-          <a:chExt cx="0" cy="0"/>
-        </a:xfrm>
-      </p:grpSpPr>
-      <p:sp>
-        <p:nvSpPr>
-          <p:cNvPr id="116" name="Google Shape;116;p4:notes"/>
-          <p:cNvSpPr txBox="1">
-            <a:spLocks noGrp="1"/>
-          </p:cNvSpPr>
-          <p:nvPr>
-            <p:ph type="body" idx="1"/>
-          </p:nvPr>
-        </p:nvSpPr>
-        <p:spPr>
-          <a:xfrm>
-            <a:off x="933450" y="4367213"/>
-            <a:ext cx="5130800" cy="4137025"/>
-          </a:xfrm>
-          <a:prstGeom prst="rect">
-            <a:avLst/>
-          </a:prstGeom>
-        </p:spPr>
-        <p:txBody>
-          <a:bodyPr spcFirstLastPara="1" wrap="square" lIns="92900" tIns="45725" rIns="92900" bIns="45725" anchor="t" anchorCtr="0">
-            <a:noAutofit/>
-          </a:bodyPr>
-          <a:lstStyle/>
-          <a:p>
-            <a:pPr marL="0" lvl="0" indent="0" algn="l" rtl="0">
-              <a:spcBef>
-                <a:spcPts val="480"/>
-              </a:spcBef>
-              <a:spcAft>
-                <a:spcPts val="0"/>
-              </a:spcAft>
-              <a:buNone/>
-            </a:pPr>
-            <a:endParaRPr/>
-          </a:p>
-        </p:txBody>
-      </p:sp>
-      <p:sp>
-        <p:nvSpPr>
-          <p:cNvPr id="117" name="Google Shape;117;p4:notes"/>
-          <p:cNvSpPr>
-            <a:spLocks noGrp="1" noRot="1" noChangeAspect="1"/>
-          </p:cNvSpPr>
-          <p:nvPr>
-            <p:ph type="sldImg" idx="2"/>
-          </p:nvPr>
-        </p:nvSpPr>
-        <p:spPr>
-          <a:xfrm>
-            <a:off x="777875" y="882650"/>
-            <a:ext cx="5441950" cy="3062288"/>
-          </a:xfrm>
-          <a:custGeom>
-            <a:avLst/>
-            <a:gdLst/>
-            <a:ahLst/>
-            <a:cxnLst/>
-            <a:rect l="l" t="t" r="r" b="b"/>
-            <a:pathLst>
-              <a:path w="120000" h="120000" extrusionOk="0">
-                <a:moveTo>
-                  <a:pt x="0" y="0"/>
-                </a:moveTo>
-                <a:lnTo>
-                  <a:pt x="120000" y="0"/>
-                </a:lnTo>
-                <a:lnTo>
-                  <a:pt x="120000" y="120000"/>
-                </a:lnTo>
-                <a:lnTo>
-                  <a:pt x="0" y="120000"/>
-                </a:lnTo>
-                <a:close/>
-              </a:path>
-            </a:pathLst>
-          </a:custGeom>
-        </p:spPr>
-      </p:sp>
-    </p:spTree>
-  </p:cSld>
-  <p:clrMapOvr>
-    <a:masterClrMapping/>
-  </p:clrMapOvr>
-</p:notes>
-</file>
-
-<file path=ppt/notesSlides/notesSlide3.xml><?xml version="1.0" encoding="utf-8"?>
-<p:notes xmlns:a="http://schemas.openxmlformats.org/drawingml/2006/main" xmlns:r="http://schemas.openxmlformats.org/officeDocument/2006/relationships" xmlns:p="http://schemas.openxmlformats.org/presentationml/2006/main" showMasterSp="0" showMasterPhAnim="0">
-  <p:cSld>
-    <p:spTree>
-      <p:nvGrpSpPr>
-        <p:cNvPr id="1" name="Shape 213"/>
-        <p:cNvGrpSpPr/>
-        <p:nvPr/>
-      </p:nvGrpSpPr>
-      <p:grpSpPr>
-        <a:xfrm>
-          <a:off x="0" y="0"/>
-          <a:ext cx="0" cy="0"/>
-          <a:chOff x="0" y="0"/>
-          <a:chExt cx="0" cy="0"/>
-        </a:xfrm>
-      </p:grpSpPr>
-      <p:sp>
-        <p:nvSpPr>
-          <p:cNvPr id="214" name="Google Shape;214;p11:notes"/>
-          <p:cNvSpPr txBox="1">
-            <a:spLocks noGrp="1"/>
-          </p:cNvSpPr>
-          <p:nvPr>
-            <p:ph type="body" idx="1"/>
-          </p:nvPr>
-        </p:nvSpPr>
-        <p:spPr>
-          <a:xfrm>
-            <a:off x="933450" y="4367213"/>
-            <a:ext cx="5130800" cy="4137025"/>
-          </a:xfrm>
-          <a:prstGeom prst="rect">
-            <a:avLst/>
-          </a:prstGeom>
-        </p:spPr>
-        <p:txBody>
-          <a:bodyPr spcFirstLastPara="1" wrap="square" lIns="92900" tIns="45725" rIns="92900" bIns="45725" anchor="t" anchorCtr="0">
-            <a:noAutofit/>
-          </a:bodyPr>
-          <a:lstStyle/>
-          <a:p>
-            <a:pPr marL="0" lvl="0" indent="0" algn="l" rtl="0">
-              <a:spcBef>
-                <a:spcPts val="480"/>
-              </a:spcBef>
-              <a:spcAft>
-                <a:spcPts val="0"/>
-              </a:spcAft>
-              <a:buNone/>
-            </a:pPr>
-            <a:endParaRPr/>
-          </a:p>
-        </p:txBody>
-      </p:sp>
-      <p:sp>
-        <p:nvSpPr>
-          <p:cNvPr id="215" name="Google Shape;215;p11:notes"/>
-          <p:cNvSpPr>
-            <a:spLocks noGrp="1" noRot="1" noChangeAspect="1"/>
-          </p:cNvSpPr>
-          <p:nvPr>
-            <p:ph type="sldImg" idx="2"/>
-          </p:nvPr>
-        </p:nvSpPr>
-        <p:spPr>
-          <a:xfrm>
-            <a:off x="777875" y="882650"/>
-            <a:ext cx="5441950" cy="3062288"/>
-          </a:xfrm>
-          <a:custGeom>
-            <a:avLst/>
-            <a:gdLst/>
-            <a:ahLst/>
-            <a:cxnLst/>
-            <a:rect l="l" t="t" r="r" b="b"/>
-            <a:pathLst>
-              <a:path w="120000" h="120000" extrusionOk="0">
-                <a:moveTo>
-                  <a:pt x="0" y="0"/>
-                </a:moveTo>
-                <a:lnTo>
-                  <a:pt x="120000" y="0"/>
-                </a:lnTo>
-                <a:lnTo>
-                  <a:pt x="120000" y="120000"/>
-                </a:lnTo>
-                <a:lnTo>
-                  <a:pt x="0" y="120000"/>
-                </a:lnTo>
-                <a:close/>
-              </a:path>
-            </a:pathLst>
-          </a:custGeom>
-        </p:spPr>
-      </p:sp>
-    </p:spTree>
-    <p:extLst>
-      <p:ext uri="{BB962C8B-B14F-4D97-AF65-F5344CB8AC3E}">
-        <p14:creationId xmlns:p14="http://schemas.microsoft.com/office/powerpoint/2010/main" val="1450784409"/>
-      </p:ext>
-    </p:extLst>
-  </p:cSld>
-  <p:clrMapOvr>
-    <a:masterClrMapping/>
-  </p:clrMapOvr>
-</p:notes>
-</file>
-
-<file path=ppt/notesSlides/notesSlide4.xml><?xml version="1.0" encoding="utf-8"?>
-<p:notes xmlns:a="http://schemas.openxmlformats.org/drawingml/2006/main" xmlns:r="http://schemas.openxmlformats.org/officeDocument/2006/relationships" xmlns:p="http://schemas.openxmlformats.org/presentationml/2006/main" showMasterSp="0" showMasterPhAnim="0">
-  <p:cSld>
-    <p:spTree>
-      <p:nvGrpSpPr>
-        <p:cNvPr id="1" name="Shape 160"/>
-        <p:cNvGrpSpPr/>
-        <p:nvPr/>
-      </p:nvGrpSpPr>
-      <p:grpSpPr>
-        <a:xfrm>
-          <a:off x="0" y="0"/>
-          <a:ext cx="0" cy="0"/>
-          <a:chOff x="0" y="0"/>
-          <a:chExt cx="0" cy="0"/>
-        </a:xfrm>
-      </p:grpSpPr>
-      <p:sp>
-        <p:nvSpPr>
-          <p:cNvPr id="161" name="Google Shape;161;p8:notes"/>
-          <p:cNvSpPr txBox="1">
-            <a:spLocks noGrp="1"/>
-          </p:cNvSpPr>
-          <p:nvPr>
-            <p:ph type="body" idx="1"/>
-          </p:nvPr>
-        </p:nvSpPr>
-        <p:spPr>
-          <a:xfrm>
-            <a:off x="933450" y="4367213"/>
-            <a:ext cx="5130800" cy="4137025"/>
-          </a:xfrm>
-          <a:prstGeom prst="rect">
-            <a:avLst/>
-          </a:prstGeom>
-        </p:spPr>
-        <p:txBody>
-          <a:bodyPr spcFirstLastPara="1" wrap="square" lIns="92900" tIns="45725" rIns="92900" bIns="45725" anchor="t" anchorCtr="0">
-            <a:noAutofit/>
-          </a:bodyPr>
-          <a:lstStyle/>
-          <a:p>
-            <a:pPr marL="0" lvl="0" indent="0" algn="l" rtl="0">
-              <a:spcBef>
-                <a:spcPts val="480"/>
-              </a:spcBef>
-              <a:spcAft>
-                <a:spcPts val="0"/>
-              </a:spcAft>
-              <a:buNone/>
-            </a:pPr>
-            <a:endParaRPr dirty="0">
-              <a:latin typeface="FreightSans Pro Light" panose="02000606030000020004" pitchFamily="2" charset="0"/>
-            </a:endParaRPr>
-          </a:p>
-        </p:txBody>
-      </p:sp>
-      <p:sp>
-        <p:nvSpPr>
-          <p:cNvPr id="162" name="Google Shape;162;p8:notes"/>
-          <p:cNvSpPr>
-            <a:spLocks noGrp="1" noRot="1" noChangeAspect="1"/>
-          </p:cNvSpPr>
-          <p:nvPr>
-            <p:ph type="sldImg" idx="2"/>
-          </p:nvPr>
-        </p:nvSpPr>
-        <p:spPr>
-          <a:xfrm>
-            <a:off x="777875" y="882650"/>
-            <a:ext cx="5441950" cy="3062288"/>
-          </a:xfrm>
-          <a:custGeom>
-            <a:avLst/>
-            <a:gdLst/>
-            <a:ahLst/>
-            <a:cxnLst/>
-            <a:rect l="l" t="t" r="r" b="b"/>
-            <a:pathLst>
-              <a:path w="120000" h="120000" extrusionOk="0">
-                <a:moveTo>
-                  <a:pt x="0" y="0"/>
-                </a:moveTo>
-                <a:lnTo>
-                  <a:pt x="120000" y="0"/>
-                </a:lnTo>
-                <a:lnTo>
-                  <a:pt x="120000" y="120000"/>
-                </a:lnTo>
-                <a:lnTo>
-                  <a:pt x="0" y="120000"/>
-                </a:lnTo>
-                <a:close/>
-              </a:path>
-            </a:pathLst>
-          </a:custGeom>
-        </p:spPr>
-      </p:sp>
-    </p:spTree>
-  </p:cSld>
-  <p:clrMapOvr>
-    <a:masterClrMapping/>
-  </p:clrMapOvr>
-</p:notes>
-</file>
-
-<file path=ppt/notesSlides/notesSlide5.xml><?xml version="1.0" encoding="utf-8"?>
-<p:notes xmlns:a="http://schemas.openxmlformats.org/drawingml/2006/main" xmlns:r="http://schemas.openxmlformats.org/officeDocument/2006/relationships" xmlns:p="http://schemas.openxmlformats.org/presentationml/2006/main" showMasterSp="0" showMasterPhAnim="0">
-  <p:cSld>
-    <p:spTree>
-      <p:nvGrpSpPr>
-        <p:cNvPr id="1" name="Shape 192"/>
-        <p:cNvGrpSpPr/>
-        <p:nvPr/>
-      </p:nvGrpSpPr>
-      <p:grpSpPr>
-        <a:xfrm>
-          <a:off x="0" y="0"/>
-          <a:ext cx="0" cy="0"/>
-          <a:chOff x="0" y="0"/>
-          <a:chExt cx="0" cy="0"/>
-        </a:xfrm>
-      </p:grpSpPr>
-      <p:sp>
-        <p:nvSpPr>
-          <p:cNvPr id="193" name="Google Shape;193;p10:notes"/>
-          <p:cNvSpPr txBox="1">
-            <a:spLocks noGrp="1"/>
-          </p:cNvSpPr>
-          <p:nvPr>
-            <p:ph type="body" idx="1"/>
-          </p:nvPr>
-        </p:nvSpPr>
-        <p:spPr>
-          <a:xfrm>
-            <a:off x="933450" y="4367213"/>
-            <a:ext cx="5130800" cy="4137025"/>
-          </a:xfrm>
-          <a:prstGeom prst="rect">
-            <a:avLst/>
-          </a:prstGeom>
-        </p:spPr>
-        <p:txBody>
-          <a:bodyPr spcFirstLastPara="1" wrap="square" lIns="92900" tIns="45725" rIns="92900" bIns="45725" anchor="t" anchorCtr="0">
-            <a:noAutofit/>
-          </a:bodyPr>
-          <a:lstStyle/>
-          <a:p>
-            <a:pPr marL="0" lvl="0" indent="0" algn="l" rtl="0">
-              <a:spcBef>
-                <a:spcPts val="480"/>
-              </a:spcBef>
-              <a:spcAft>
-                <a:spcPts val="0"/>
-              </a:spcAft>
-              <a:buNone/>
-            </a:pPr>
-            <a:endParaRPr dirty="0">
-              <a:latin typeface="FreightSans Pro Light" panose="02000606030000020004" pitchFamily="2" charset="0"/>
-            </a:endParaRPr>
-          </a:p>
-        </p:txBody>
-      </p:sp>
-      <p:sp>
-        <p:nvSpPr>
-          <p:cNvPr id="194" name="Google Shape;194;p10:notes"/>
-          <p:cNvSpPr>
-            <a:spLocks noGrp="1" noRot="1" noChangeAspect="1"/>
-          </p:cNvSpPr>
-          <p:nvPr>
-            <p:ph type="sldImg" idx="2"/>
-          </p:nvPr>
-        </p:nvSpPr>
-        <p:spPr>
-          <a:xfrm>
-            <a:off x="777875" y="882650"/>
-            <a:ext cx="5441950" cy="3062288"/>
-          </a:xfrm>
-          <a:custGeom>
-            <a:avLst/>
-            <a:gdLst/>
-            <a:ahLst/>
-            <a:cxnLst/>
-            <a:rect l="l" t="t" r="r" b="b"/>
-            <a:pathLst>
-              <a:path w="120000" h="120000" extrusionOk="0">
-                <a:moveTo>
-                  <a:pt x="0" y="0"/>
-                </a:moveTo>
-                <a:lnTo>
-                  <a:pt x="120000" y="0"/>
-                </a:lnTo>
-                <a:lnTo>
-                  <a:pt x="120000" y="120000"/>
-                </a:lnTo>
-                <a:lnTo>
-                  <a:pt x="0" y="120000"/>
-                </a:lnTo>
-                <a:close/>
-              </a:path>
-            </a:pathLst>
-          </a:custGeom>
-        </p:spPr>
-      </p:sp>
-    </p:spTree>
-  </p:cSld>
-  <p:clrMapOvr>
-    <a:masterClrMapping/>
-  </p:clrMapOvr>
-</p:notes>
-</file>
-
-<file path=ppt/notesSlides/notesSlide6.xml><?xml version="1.0" encoding="utf-8"?>
-<p:notes xmlns:a="http://schemas.openxmlformats.org/drawingml/2006/main" xmlns:r="http://schemas.openxmlformats.org/officeDocument/2006/relationships" xmlns:p="http://schemas.openxmlformats.org/presentationml/2006/main" showMasterSp="0" showMasterPhAnim="0">
-  <p:cSld>
-    <p:spTree>
-      <p:nvGrpSpPr>
-        <p:cNvPr id="1" name="Shape 213"/>
-        <p:cNvGrpSpPr/>
-        <p:nvPr/>
-      </p:nvGrpSpPr>
-      <p:grpSpPr>
-        <a:xfrm>
-          <a:off x="0" y="0"/>
-          <a:ext cx="0" cy="0"/>
-          <a:chOff x="0" y="0"/>
-          <a:chExt cx="0" cy="0"/>
-        </a:xfrm>
-      </p:grpSpPr>
-      <p:sp>
-        <p:nvSpPr>
-          <p:cNvPr id="214" name="Google Shape;214;p11:notes"/>
-          <p:cNvSpPr txBox="1">
-            <a:spLocks noGrp="1"/>
-          </p:cNvSpPr>
-          <p:nvPr>
-            <p:ph type="body" idx="1"/>
-          </p:nvPr>
-        </p:nvSpPr>
-        <p:spPr>
-          <a:xfrm>
-            <a:off x="933450" y="4367213"/>
-            <a:ext cx="5130800" cy="4137025"/>
-          </a:xfrm>
-          <a:prstGeom prst="rect">
-            <a:avLst/>
-          </a:prstGeom>
-        </p:spPr>
-        <p:txBody>
-          <a:bodyPr spcFirstLastPara="1" wrap="square" lIns="92900" tIns="45725" rIns="92900" bIns="45725" anchor="t" anchorCtr="0">
-            <a:noAutofit/>
-          </a:bodyPr>
-          <a:lstStyle/>
-          <a:p>
-            <a:pPr marL="0" lvl="0" indent="0" algn="l" rtl="0">
-              <a:spcBef>
-                <a:spcPts val="480"/>
-              </a:spcBef>
-              <a:spcAft>
-                <a:spcPts val="0"/>
-              </a:spcAft>
-              <a:buNone/>
-            </a:pPr>
-            <a:endParaRPr dirty="0">
-              <a:latin typeface="FreightSans Pro Light" panose="02000606030000020004" pitchFamily="2" charset="0"/>
-            </a:endParaRPr>
-          </a:p>
-        </p:txBody>
-      </p:sp>
-      <p:sp>
-        <p:nvSpPr>
-          <p:cNvPr id="215" name="Google Shape;215;p11:notes"/>
-          <p:cNvSpPr>
-            <a:spLocks noGrp="1" noRot="1" noChangeAspect="1"/>
-          </p:cNvSpPr>
-          <p:nvPr>
-            <p:ph type="sldImg" idx="2"/>
-          </p:nvPr>
-        </p:nvSpPr>
-        <p:spPr>
-          <a:xfrm>
-            <a:off x="777875" y="882650"/>
-            <a:ext cx="5441950" cy="3062288"/>
-          </a:xfrm>
-          <a:custGeom>
-            <a:avLst/>
-            <a:gdLst/>
-            <a:ahLst/>
-            <a:cxnLst/>
-            <a:rect l="l" t="t" r="r" b="b"/>
-            <a:pathLst>
-              <a:path w="120000" h="120000" extrusionOk="0">
-                <a:moveTo>
-                  <a:pt x="0" y="0"/>
-                </a:moveTo>
-                <a:lnTo>
-                  <a:pt x="120000" y="0"/>
-                </a:lnTo>
-                <a:lnTo>
-                  <a:pt x="120000" y="120000"/>
-                </a:lnTo>
-                <a:lnTo>
-                  <a:pt x="0" y="120000"/>
-                </a:lnTo>
-                <a:close/>
-              </a:path>
-            </a:pathLst>
-          </a:custGeom>
-        </p:spPr>
-      </p:sp>
-    </p:spTree>
-    <p:extLst>
-      <p:ext uri="{BB962C8B-B14F-4D97-AF65-F5344CB8AC3E}">
-        <p14:creationId xmlns:p14="http://schemas.microsoft.com/office/powerpoint/2010/main" val="1450784409"/>
-      </p:ext>
-    </p:extLst>
-  </p:cSld>
-  <p:clrMapOvr>
-    <a:masterClrMapping/>
-  </p:clrMapOvr>
-</p:notes>
-</file>
-
-<file path=ppt/notesSlides/notesSlide7.xml><?xml version="1.0" encoding="utf-8"?>
-<p:notes xmlns:a="http://schemas.openxmlformats.org/drawingml/2006/main" xmlns:r="http://schemas.openxmlformats.org/officeDocument/2006/relationships" xmlns:p="http://schemas.openxmlformats.org/presentationml/2006/main" showMasterSp="0" showMasterPhAnim="0">
-  <p:cSld>
-    <p:spTree>
-      <p:nvGrpSpPr>
-        <p:cNvPr id="1" name="Shape 223"/>
-        <p:cNvGrpSpPr/>
-        <p:nvPr/>
-      </p:nvGrpSpPr>
-      <p:grpSpPr>
-        <a:xfrm>
-          <a:off x="0" y="0"/>
-          <a:ext cx="0" cy="0"/>
-          <a:chOff x="0" y="0"/>
-          <a:chExt cx="0" cy="0"/>
-        </a:xfrm>
-      </p:grpSpPr>
-      <p:sp>
-        <p:nvSpPr>
-          <p:cNvPr id="224" name="Google Shape;224;p12:notes"/>
-          <p:cNvSpPr txBox="1">
-            <a:spLocks noGrp="1"/>
-          </p:cNvSpPr>
-          <p:nvPr>
-            <p:ph type="body" idx="1"/>
-          </p:nvPr>
-        </p:nvSpPr>
-        <p:spPr>
-          <a:xfrm>
-            <a:off x="933450" y="4367213"/>
-            <a:ext cx="5130800" cy="4137025"/>
-          </a:xfrm>
-          <a:prstGeom prst="rect">
-            <a:avLst/>
-          </a:prstGeom>
-        </p:spPr>
-        <p:txBody>
-          <a:bodyPr spcFirstLastPara="1" wrap="square" lIns="92900" tIns="45725" rIns="92900" bIns="45725" anchor="t" anchorCtr="0">
-            <a:noAutofit/>
-          </a:bodyPr>
-          <a:lstStyle/>
-          <a:p>
-            <a:pPr marL="0" lvl="0" indent="0" algn="l" rtl="0">
-              <a:spcBef>
-                <a:spcPts val="480"/>
-              </a:spcBef>
-              <a:spcAft>
-                <a:spcPts val="0"/>
-              </a:spcAft>
-              <a:buNone/>
-            </a:pPr>
-            <a:endParaRPr dirty="0">
-              <a:latin typeface="FreightSans Pro Light" panose="02000606030000020004" pitchFamily="2" charset="0"/>
-            </a:endParaRPr>
-          </a:p>
-        </p:txBody>
-      </p:sp>
-      <p:sp>
-        <p:nvSpPr>
-          <p:cNvPr id="225" name="Google Shape;225;p12:notes"/>
-          <p:cNvSpPr>
-            <a:spLocks noGrp="1" noRot="1" noChangeAspect="1"/>
-          </p:cNvSpPr>
-          <p:nvPr>
-            <p:ph type="sldImg" idx="2"/>
-          </p:nvPr>
-        </p:nvSpPr>
-        <p:spPr>
-          <a:xfrm>
-            <a:off x="777875" y="882650"/>
-            <a:ext cx="5441950" cy="3062288"/>
-          </a:xfrm>
-          <a:custGeom>
-            <a:avLst/>
-            <a:gdLst/>
-            <a:ahLst/>
-            <a:cxnLst/>
-            <a:rect l="l" t="t" r="r" b="b"/>
-            <a:pathLst>
-              <a:path w="120000" h="120000" extrusionOk="0">
-                <a:moveTo>
-                  <a:pt x="0" y="0"/>
-                </a:moveTo>
-                <a:lnTo>
-                  <a:pt x="120000" y="0"/>
-                </a:lnTo>
-                <a:lnTo>
-                  <a:pt x="120000" y="120000"/>
-                </a:lnTo>
-                <a:lnTo>
-                  <a:pt x="0" y="120000"/>
-                </a:lnTo>
-                <a:close/>
-              </a:path>
-            </a:pathLst>
-          </a:custGeom>
-        </p:spPr>
-      </p:sp>
-    </p:spTree>
-    <p:extLst>
-      <p:ext uri="{BB962C8B-B14F-4D97-AF65-F5344CB8AC3E}">
-        <p14:creationId xmlns:p14="http://schemas.microsoft.com/office/powerpoint/2010/main" val="1209701785"/>
-      </p:ext>
-    </p:extLst>
-  </p:cSld>
-  <p:clrMapOvr>
-    <a:masterClrMapping/>
-  </p:clrMapOvr>
-</p:notes>
-</file>
-
-<file path=ppt/notesSlides/notesSlide8.xml><?xml version="1.0" encoding="utf-8"?>
-<p:notes xmlns:a="http://schemas.openxmlformats.org/drawingml/2006/main" xmlns:r="http://schemas.openxmlformats.org/officeDocument/2006/relationships" xmlns:p="http://schemas.openxmlformats.org/presentationml/2006/main" showMasterSp="0" showMasterPhAnim="0">
-  <p:cSld>
-    <p:spTree>
-      <p:nvGrpSpPr>
-        <p:cNvPr id="1" name="Shape 241"/>
-        <p:cNvGrpSpPr/>
-        <p:nvPr/>
-      </p:nvGrpSpPr>
-      <p:grpSpPr>
-        <a:xfrm>
-          <a:off x="0" y="0"/>
-          <a:ext cx="0" cy="0"/>
-          <a:chOff x="0" y="0"/>
-          <a:chExt cx="0" cy="0"/>
-        </a:xfrm>
-      </p:grpSpPr>
-      <p:sp>
-        <p:nvSpPr>
-          <p:cNvPr id="242" name="Google Shape;242;p14:notes"/>
-          <p:cNvSpPr txBox="1">
-            <a:spLocks noGrp="1"/>
-          </p:cNvSpPr>
-          <p:nvPr>
-            <p:ph type="body" idx="1"/>
-          </p:nvPr>
-        </p:nvSpPr>
-        <p:spPr>
-          <a:xfrm>
-            <a:off x="933450" y="4367213"/>
-            <a:ext cx="5130800" cy="4137025"/>
-          </a:xfrm>
-          <a:prstGeom prst="rect">
-            <a:avLst/>
-          </a:prstGeom>
-        </p:spPr>
-        <p:txBody>
-          <a:bodyPr spcFirstLastPara="1" wrap="square" lIns="92900" tIns="45725" rIns="92900" bIns="45725" anchor="t" anchorCtr="0">
-            <a:noAutofit/>
-          </a:bodyPr>
-          <a:lstStyle/>
-          <a:p>
-            <a:pPr marL="0" lvl="0" indent="0" algn="l" rtl="0">
-              <a:spcBef>
-                <a:spcPts val="480"/>
-              </a:spcBef>
-              <a:spcAft>
-                <a:spcPts val="0"/>
-              </a:spcAft>
-              <a:buNone/>
-            </a:pPr>
-            <a:endParaRPr dirty="0">
-              <a:latin typeface="FreightSans Pro Light" panose="02000606030000020004" pitchFamily="2" charset="0"/>
-            </a:endParaRPr>
-          </a:p>
-        </p:txBody>
-      </p:sp>
-      <p:sp>
-        <p:nvSpPr>
-          <p:cNvPr id="243" name="Google Shape;243;p14:notes"/>
-          <p:cNvSpPr>
-            <a:spLocks noGrp="1" noRot="1" noChangeAspect="1"/>
-          </p:cNvSpPr>
-          <p:nvPr>
-            <p:ph type="sldImg" idx="2"/>
-          </p:nvPr>
-        </p:nvSpPr>
-        <p:spPr>
-          <a:xfrm>
-            <a:off x="777875" y="882650"/>
-            <a:ext cx="5441950" cy="3062288"/>
-          </a:xfrm>
-          <a:custGeom>
-            <a:avLst/>
-            <a:gdLst/>
-            <a:ahLst/>
-            <a:cxnLst/>
-            <a:rect l="l" t="t" r="r" b="b"/>
-            <a:pathLst>
-              <a:path w="120000" h="120000" extrusionOk="0">
-                <a:moveTo>
-                  <a:pt x="0" y="0"/>
-                </a:moveTo>
-                <a:lnTo>
-                  <a:pt x="120000" y="0"/>
-                </a:lnTo>
-                <a:lnTo>
-                  <a:pt x="120000" y="120000"/>
-                </a:lnTo>
-                <a:lnTo>
-                  <a:pt x="0" y="120000"/>
-                </a:lnTo>
-                <a:close/>
-              </a:path>
-            </a:pathLst>
-          </a:custGeom>
-        </p:spPr>
-      </p:sp>
-    </p:spTree>
-    <p:extLst>
-      <p:ext uri="{BB962C8B-B14F-4D97-AF65-F5344CB8AC3E}">
-        <p14:creationId xmlns:p14="http://schemas.microsoft.com/office/powerpoint/2010/main" val="701377720"/>
-      </p:ext>
-    </p:extLst>
-  </p:cSld>
-  <p:clrMapOvr>
-    <a:masterClrMapping/>
-  </p:clrMapOvr>
-</p:notes>
-</file>
-
-<file path=ppt/notesSlides/notesSlide9.xml><?xml version="1.0" encoding="utf-8"?>
-<p:notes xmlns:a="http://schemas.openxmlformats.org/drawingml/2006/main" xmlns:r="http://schemas.openxmlformats.org/officeDocument/2006/relationships" xmlns:p="http://schemas.openxmlformats.org/presentationml/2006/main" showMasterSp="0" showMasterPhAnim="0">
-  <p:cSld>
-    <p:spTree>
-      <p:nvGrpSpPr>
-        <p:cNvPr id="1" name="Shape 253"/>
-        <p:cNvGrpSpPr/>
-        <p:nvPr/>
-      </p:nvGrpSpPr>
-      <p:grpSpPr>
-        <a:xfrm>
-          <a:off x="0" y="0"/>
-          <a:ext cx="0" cy="0"/>
-          <a:chOff x="0" y="0"/>
-          <a:chExt cx="0" cy="0"/>
-        </a:xfrm>
-      </p:grpSpPr>
-      <p:sp>
-        <p:nvSpPr>
-          <p:cNvPr id="254" name="Google Shape;254;p15:notes"/>
-          <p:cNvSpPr txBox="1">
-            <a:spLocks noGrp="1"/>
-          </p:cNvSpPr>
-          <p:nvPr>
-            <p:ph type="body" idx="1"/>
-          </p:nvPr>
-        </p:nvSpPr>
-        <p:spPr>
-          <a:xfrm>
-            <a:off x="933450" y="4367213"/>
-            <a:ext cx="5130800" cy="4137025"/>
-          </a:xfrm>
-          <a:prstGeom prst="rect">
-            <a:avLst/>
-          </a:prstGeom>
-        </p:spPr>
-        <p:txBody>
-          <a:bodyPr spcFirstLastPara="1" wrap="square" lIns="92900" tIns="45725" rIns="92900" bIns="45725" anchor="t" anchorCtr="0">
-            <a:noAutofit/>
-          </a:bodyPr>
-          <a:lstStyle/>
-          <a:p>
-            <a:pPr marL="0" lvl="0" indent="0" algn="l" rtl="0">
-              <a:spcBef>
-                <a:spcPts val="480"/>
-              </a:spcBef>
-              <a:spcAft>
-                <a:spcPts val="0"/>
-              </a:spcAft>
-              <a:buNone/>
-            </a:pPr>
-            <a:endParaRPr/>
-          </a:p>
-        </p:txBody>
-      </p:sp>
-      <p:sp>
-        <p:nvSpPr>
-          <p:cNvPr id="255" name="Google Shape;255;p15:notes"/>
-          <p:cNvSpPr>
-            <a:spLocks noGrp="1" noRot="1" noChangeAspect="1"/>
-          </p:cNvSpPr>
-          <p:nvPr>
-            <p:ph type="sldImg" idx="2"/>
-          </p:nvPr>
-        </p:nvSpPr>
-        <p:spPr>
-          <a:xfrm>
-            <a:off x="777875" y="882650"/>
-            <a:ext cx="5441950" cy="3062288"/>
-          </a:xfrm>
-          <a:custGeom>
-            <a:avLst/>
-            <a:gdLst/>
-            <a:ahLst/>
-            <a:cxnLst/>
-            <a:rect l="l" t="t" r="r" b="b"/>
-            <a:pathLst>
-              <a:path w="120000" h="120000" extrusionOk="0">
-                <a:moveTo>
-                  <a:pt x="0" y="0"/>
-                </a:moveTo>
-                <a:lnTo>
-                  <a:pt x="120000" y="0"/>
-                </a:lnTo>
-                <a:lnTo>
-                  <a:pt x="120000" y="120000"/>
-                </a:lnTo>
-                <a:lnTo>
-                  <a:pt x="0" y="120000"/>
-                </a:lnTo>
-                <a:close/>
-              </a:path>
-            </a:pathLst>
-          </a:custGeom>
-        </p:spPr>
-      </p:sp>
-    </p:spTree>
-    <p:extLst>
-      <p:ext uri="{BB962C8B-B14F-4D97-AF65-F5344CB8AC3E}">
-        <p14:creationId xmlns:p14="http://schemas.microsoft.com/office/powerpoint/2010/main" val="14932719"/>
-      </p:ext>
-    </p:extLst>
-  </p:cSld>
-  <p:clrMapOvr>
-    <a:masterClrMapping/>
-  </p:clrMapOvr>
-</p:notes>
-</file>
-
 <file path=ppt/slideLayouts/slideLayout1.xml><?xml version="1.0" encoding="utf-8"?>
 <p:sldLayout xmlns:a="http://schemas.openxmlformats.org/drawingml/2006/main" xmlns:r="http://schemas.openxmlformats.org/officeDocument/2006/relationships" xmlns:p="http://schemas.openxmlformats.org/presentationml/2006/main" showMasterSp="0" type="title" preserve="1">
   <p:cSld name="Title Slide">
@@ -3870,7 +3765,7 @@
           </a:ln>
           <a:extLst>
             <a:ext uri="{909E8E84-426E-40dd-AFC4-6F175D3DCCD1}">
-              <a14:hiddenFill xmlns:a14="http://schemas.microsoft.com/office/drawing/2010/main" xmlns="">
+              <a14:hiddenFill xmlns="" xmlns:a14="http://schemas.microsoft.com/office/drawing/2010/main">
                 <a:noFill/>
               </a14:hiddenFill>
             </a:ext>
@@ -3911,14 +3806,14 @@
           </a:ln>
           <a:extLst>
             <a:ext uri="{909E8E84-426E-40dd-AFC4-6F175D3DCCD1}">
-              <a14:hiddenFill xmlns:a14="http://schemas.microsoft.com/office/drawing/2010/main" xmlns="">
+              <a14:hiddenFill xmlns="" xmlns:a14="http://schemas.microsoft.com/office/drawing/2010/main">
                 <a:solidFill>
                   <a:srgbClr val="FFFFFF"/>
                 </a:solidFill>
               </a14:hiddenFill>
             </a:ext>
             <a:ext uri="{91240B29-F687-4f45-9708-019B960494DF}">
-              <a14:hiddenLine xmlns:a14="http://schemas.microsoft.com/office/drawing/2010/main" xmlns="" w="9525">
+              <a14:hiddenLine xmlns="" xmlns:a14="http://schemas.microsoft.com/office/drawing/2010/main" w="9525">
                 <a:solidFill>
                   <a:srgbClr val="000000"/>
                 </a:solidFill>
@@ -4022,14 +3917,14 @@
           </a:ln>
           <a:extLst>
             <a:ext uri="{909E8E84-426E-40dd-AFC4-6F175D3DCCD1}">
-              <a14:hiddenFill xmlns:a14="http://schemas.microsoft.com/office/drawing/2010/main" xmlns="">
+              <a14:hiddenFill xmlns="" xmlns:a14="http://schemas.microsoft.com/office/drawing/2010/main">
                 <a:solidFill>
                   <a:srgbClr val="FFFFFF"/>
                 </a:solidFill>
               </a14:hiddenFill>
             </a:ext>
             <a:ext uri="{91240B29-F687-4f45-9708-019B960494DF}">
-              <a14:hiddenLine xmlns:a14="http://schemas.microsoft.com/office/drawing/2010/main" xmlns="" w="9525">
+              <a14:hiddenLine xmlns="" xmlns:a14="http://schemas.microsoft.com/office/drawing/2010/main" w="9525">
                 <a:solidFill>
                   <a:srgbClr val="000000"/>
                 </a:solidFill>
@@ -4039,7 +3934,7 @@
               </a14:hiddenLine>
             </a:ext>
             <a:ext uri="{FAA26D3D-D897-4be2-8F04-BA451C77F1D7}">
-              <ma14:placeholderFlag xmlns:ma14="http://schemas.microsoft.com/office/mac/drawingml/2011/main" xmlns="" val="1"/>
+              <ma14:placeholderFlag xmlns="" xmlns:ma14="http://schemas.microsoft.com/office/mac/drawingml/2011/main" val="1"/>
             </a:ext>
           </a:extLst>
         </p:spPr>
@@ -4377,14 +4272,14 @@
           </a:ln>
           <a:extLst>
             <a:ext uri="{909E8E84-426E-40dd-AFC4-6F175D3DCCD1}">
-              <a14:hiddenFill xmlns:a14="http://schemas.microsoft.com/office/drawing/2010/main" xmlns="">
+              <a14:hiddenFill xmlns="" xmlns:a14="http://schemas.microsoft.com/office/drawing/2010/main">
                 <a:solidFill>
                   <a:srgbClr val="FFFFFF"/>
                 </a:solidFill>
               </a14:hiddenFill>
             </a:ext>
             <a:ext uri="{91240B29-F687-4f45-9708-019B960494DF}">
-              <a14:hiddenLine xmlns:a14="http://schemas.microsoft.com/office/drawing/2010/main" xmlns="" w="9525">
+              <a14:hiddenLine xmlns="" xmlns:a14="http://schemas.microsoft.com/office/drawing/2010/main" w="9525">
                 <a:solidFill>
                   <a:srgbClr val="000000"/>
                 </a:solidFill>
@@ -4394,7 +4289,7 @@
               </a14:hiddenLine>
             </a:ext>
             <a:ext uri="{FAA26D3D-D897-4be2-8F04-BA451C77F1D7}">
-              <ma14:placeholderFlag xmlns:ma14="http://schemas.microsoft.com/office/mac/drawingml/2011/main" xmlns="" val="1"/>
+              <ma14:placeholderFlag xmlns="" xmlns:ma14="http://schemas.microsoft.com/office/mac/drawingml/2011/main" val="1"/>
             </a:ext>
           </a:extLst>
         </p:spPr>
@@ -6621,14 +6516,14 @@
           </a:ln>
           <a:extLst>
             <a:ext uri="{909E8E84-426E-40dd-AFC4-6F175D3DCCD1}">
-              <a14:hiddenFill xmlns:a14="http://schemas.microsoft.com/office/drawing/2010/main" xmlns="">
+              <a14:hiddenFill xmlns="" xmlns:a14="http://schemas.microsoft.com/office/drawing/2010/main">
                 <a:solidFill>
                   <a:srgbClr val="FFFFFF"/>
                 </a:solidFill>
               </a14:hiddenFill>
             </a:ext>
             <a:ext uri="{91240B29-F687-4f45-9708-019B960494DF}">
-              <a14:hiddenLine xmlns:a14="http://schemas.microsoft.com/office/drawing/2010/main" xmlns="" w="9525">
+              <a14:hiddenLine xmlns="" xmlns:a14="http://schemas.microsoft.com/office/drawing/2010/main" w="9525">
                 <a:solidFill>
                   <a:srgbClr val="000000"/>
                 </a:solidFill>
@@ -6638,7 +6533,7 @@
               </a14:hiddenLine>
             </a:ext>
             <a:ext uri="{FAA26D3D-D897-4be2-8F04-BA451C77F1D7}">
-              <ma14:placeholderFlag xmlns:ma14="http://schemas.microsoft.com/office/mac/drawingml/2011/main" xmlns="" val="1"/>
+              <ma14:placeholderFlag xmlns="" xmlns:ma14="http://schemas.microsoft.com/office/mac/drawingml/2011/main" val="1"/>
             </a:ext>
           </a:extLst>
         </p:spPr>
@@ -6682,14 +6577,14 @@
           </a:ln>
           <a:extLst>
             <a:ext uri="{909E8E84-426E-40dd-AFC4-6F175D3DCCD1}">
-              <a14:hiddenFill xmlns:a14="http://schemas.microsoft.com/office/drawing/2010/main" xmlns="">
+              <a14:hiddenFill xmlns="" xmlns:a14="http://schemas.microsoft.com/office/drawing/2010/main">
                 <a:solidFill>
                   <a:srgbClr val="FFFFFF"/>
                 </a:solidFill>
               </a14:hiddenFill>
             </a:ext>
             <a:ext uri="{91240B29-F687-4f45-9708-019B960494DF}">
-              <a14:hiddenLine xmlns:a14="http://schemas.microsoft.com/office/drawing/2010/main" xmlns="" w="9525">
+              <a14:hiddenLine xmlns="" xmlns:a14="http://schemas.microsoft.com/office/drawing/2010/main" w="9525">
                 <a:solidFill>
                   <a:srgbClr val="000000"/>
                 </a:solidFill>
@@ -6699,7 +6594,7 @@
               </a14:hiddenLine>
             </a:ext>
             <a:ext uri="{FAA26D3D-D897-4be2-8F04-BA451C77F1D7}">
-              <ma14:placeholderFlag xmlns:ma14="http://schemas.microsoft.com/office/mac/drawingml/2011/main" xmlns="" val="1"/>
+              <ma14:placeholderFlag xmlns="" xmlns:ma14="http://schemas.microsoft.com/office/mac/drawingml/2011/main" val="1"/>
             </a:ext>
           </a:extLst>
         </p:spPr>
@@ -6804,7 +6699,7 @@
           </a:ln>
           <a:extLst>
             <a:ext uri="{909E8E84-426E-40dd-AFC4-6F175D3DCCD1}">
-              <a14:hiddenFill xmlns:a14="http://schemas.microsoft.com/office/drawing/2010/main" xmlns="">
+              <a14:hiddenFill xmlns="" xmlns:a14="http://schemas.microsoft.com/office/drawing/2010/main">
                 <a:noFill/>
               </a14:hiddenFill>
             </a:ext>
@@ -6845,14 +6740,14 @@
           </a:ln>
           <a:extLst>
             <a:ext uri="{909E8E84-426E-40dd-AFC4-6F175D3DCCD1}">
-              <a14:hiddenFill xmlns:a14="http://schemas.microsoft.com/office/drawing/2010/main" xmlns="">
+              <a14:hiddenFill xmlns="" xmlns:a14="http://schemas.microsoft.com/office/drawing/2010/main">
                 <a:solidFill>
                   <a:srgbClr val="FFFFFF"/>
                 </a:solidFill>
               </a14:hiddenFill>
             </a:ext>
             <a:ext uri="{91240B29-F687-4f45-9708-019B960494DF}">
-              <a14:hiddenLine xmlns:a14="http://schemas.microsoft.com/office/drawing/2010/main" xmlns="" w="9525">
+              <a14:hiddenLine xmlns="" xmlns:a14="http://schemas.microsoft.com/office/drawing/2010/main" w="9525">
                 <a:solidFill>
                   <a:srgbClr val="000000"/>
                 </a:solidFill>
@@ -6892,14 +6787,14 @@
           </a:ln>
           <a:extLst>
             <a:ext uri="{909E8E84-426E-40dd-AFC4-6F175D3DCCD1}">
-              <a14:hiddenFill xmlns:a14="http://schemas.microsoft.com/office/drawing/2010/main" xmlns="">
+              <a14:hiddenFill xmlns="" xmlns:a14="http://schemas.microsoft.com/office/drawing/2010/main">
                 <a:solidFill>
                   <a:srgbClr val="FFFFFF"/>
                 </a:solidFill>
               </a14:hiddenFill>
             </a:ext>
             <a:ext uri="{91240B29-F687-4f45-9708-019B960494DF}">
-              <a14:hiddenLine xmlns:a14="http://schemas.microsoft.com/office/drawing/2010/main" xmlns="" w="9525">
+              <a14:hiddenLine xmlns="" xmlns:a14="http://schemas.microsoft.com/office/drawing/2010/main" w="9525">
                 <a:solidFill>
                   <a:srgbClr val="000000"/>
                 </a:solidFill>
@@ -6909,7 +6804,7 @@
               </a14:hiddenLine>
             </a:ext>
             <a:ext uri="{FAA26D3D-D897-4be2-8F04-BA451C77F1D7}">
-              <ma14:placeholderFlag xmlns:ma14="http://schemas.microsoft.com/office/mac/drawingml/2011/main" xmlns="" val="1"/>
+              <ma14:placeholderFlag xmlns="" xmlns:ma14="http://schemas.microsoft.com/office/mac/drawingml/2011/main" val="1"/>
             </a:ext>
           </a:extLst>
         </p:spPr>
@@ -7676,1036 +7571,6 @@
   <p:cSld>
     <p:spTree>
       <p:nvGrpSpPr>
-        <p:cNvPr id="1" name="Shape 163"/>
-        <p:cNvGrpSpPr/>
-        <p:nvPr/>
-      </p:nvGrpSpPr>
-      <p:grpSpPr>
-        <a:xfrm>
-          <a:off x="0" y="0"/>
-          <a:ext cx="0" cy="0"/>
-          <a:chOff x="0" y="0"/>
-          <a:chExt cx="0" cy="0"/>
-        </a:xfrm>
-      </p:grpSpPr>
-      <p:sp>
-        <p:nvSpPr>
-          <p:cNvPr id="164" name="Google Shape;164;p19"/>
-          <p:cNvSpPr txBox="1">
-            <a:spLocks noGrp="1"/>
-          </p:cNvSpPr>
-          <p:nvPr>
-            <p:ph type="title"/>
-          </p:nvPr>
-        </p:nvSpPr>
-        <p:spPr>
-          <a:xfrm>
-            <a:off x="532508" y="178881"/>
-            <a:ext cx="7696200" cy="736600"/>
-          </a:xfrm>
-          <a:prstGeom prst="rect">
-            <a:avLst/>
-          </a:prstGeom>
-          <a:noFill/>
-          <a:ln>
-            <a:noFill/>
-          </a:ln>
-        </p:spPr>
-        <p:txBody>
-          <a:bodyPr spcFirstLastPara="1" wrap="square" lIns="92075" tIns="46025" rIns="92075" bIns="46025" anchor="ctr" anchorCtr="0">
-            <a:noAutofit/>
-          </a:bodyPr>
-          <a:lstStyle/>
-          <a:p>
-            <a:r>
-              <a:rPr lang="en-US" dirty="0"/>
-              <a:t>Recall: Iteration</a:t>
-            </a:r>
-            <a:endParaRPr dirty="0"/>
-          </a:p>
-        </p:txBody>
-      </p:sp>
-      <p:sp>
-        <p:nvSpPr>
-          <p:cNvPr id="169" name="Google Shape;169;p19"/>
-          <p:cNvSpPr/>
-          <p:nvPr/>
-        </p:nvSpPr>
-        <p:spPr>
-          <a:xfrm>
-            <a:off x="2514600" y="2064316"/>
-            <a:ext cx="6705600" cy="2246769"/>
-          </a:xfrm>
-          <a:prstGeom prst="rect">
-            <a:avLst/>
-          </a:prstGeom>
-          <a:noFill/>
-          <a:ln w="9525" cap="flat" cmpd="sng">
-            <a:solidFill>
-              <a:schemeClr val="accent1"/>
-            </a:solidFill>
-            <a:prstDash val="solid"/>
-            <a:round/>
-            <a:headEnd type="none" w="sm" len="sm"/>
-            <a:tailEnd type="none" w="sm" len="sm"/>
-          </a:ln>
-        </p:spPr>
-        <p:txBody>
-          <a:bodyPr spcFirstLastPara="1" wrap="square" lIns="91425" tIns="45700" rIns="91425" bIns="45700" anchor="t" anchorCtr="0">
-            <a:noAutofit/>
-          </a:bodyPr>
-          <a:lstStyle/>
-          <a:p>
-            <a:r>
-              <a:rPr lang="en-US" sz="2800" dirty="0">
-                <a:solidFill>
-                  <a:schemeClr val="dk1"/>
-                </a:solidFill>
-                <a:latin typeface="Source Code Pro" panose="020B0509030403020204" pitchFamily="49" charset="0"/>
-                <a:ea typeface="Source Code Pro" panose="020B0509030403020204" pitchFamily="49" charset="0"/>
-                <a:cs typeface="Courier"/>
-                <a:sym typeface="Courier"/>
-              </a:rPr>
-              <a:t>def </a:t>
-            </a:r>
-            <a:r>
-              <a:rPr lang="en-US" sz="2800" dirty="0" err="1">
-                <a:solidFill>
-                  <a:schemeClr val="dk1"/>
-                </a:solidFill>
-                <a:latin typeface="Source Code Pro" panose="020B0509030403020204" pitchFamily="49" charset="0"/>
-                <a:ea typeface="Source Code Pro" panose="020B0509030403020204" pitchFamily="49" charset="0"/>
-                <a:cs typeface="Courier"/>
-                <a:sym typeface="Courier"/>
-              </a:rPr>
-              <a:t>sum_of_squares</a:t>
-            </a:r>
-            <a:r>
-              <a:rPr lang="en-US" sz="2800" dirty="0">
-                <a:solidFill>
-                  <a:schemeClr val="dk1"/>
-                </a:solidFill>
-                <a:latin typeface="Source Code Pro" panose="020B0509030403020204" pitchFamily="49" charset="0"/>
-                <a:ea typeface="Source Code Pro" panose="020B0509030403020204" pitchFamily="49" charset="0"/>
-                <a:cs typeface="Courier"/>
-                <a:sym typeface="Courier"/>
-              </a:rPr>
-              <a:t>(n):</a:t>
-            </a:r>
-            <a:endParaRPr dirty="0">
-              <a:latin typeface="FreightSans Pro Light" panose="02000606030000020004" pitchFamily="2" charset="0"/>
-            </a:endParaRPr>
-          </a:p>
-          <a:p>
-            <a:r>
-              <a:rPr lang="en-US" sz="2800" dirty="0">
-                <a:solidFill>
-                  <a:schemeClr val="dk1"/>
-                </a:solidFill>
-                <a:latin typeface="Source Code Pro" panose="020B0509030403020204" pitchFamily="49" charset="0"/>
-                <a:ea typeface="Source Code Pro" panose="020B0509030403020204" pitchFamily="49" charset="0"/>
-                <a:cs typeface="Courier"/>
-                <a:sym typeface="Courier"/>
-              </a:rPr>
-              <a:t>    </a:t>
-            </a:r>
-            <a:r>
-              <a:rPr lang="en-US" sz="2800" dirty="0" err="1">
-                <a:solidFill>
-                  <a:schemeClr val="dk1"/>
-                </a:solidFill>
-                <a:latin typeface="Source Code Pro" panose="020B0509030403020204" pitchFamily="49" charset="0"/>
-                <a:ea typeface="Source Code Pro" panose="020B0509030403020204" pitchFamily="49" charset="0"/>
-                <a:cs typeface="Courier"/>
-                <a:sym typeface="Courier"/>
-              </a:rPr>
-              <a:t>accum</a:t>
-            </a:r>
-            <a:r>
-              <a:rPr lang="en-US" sz="2800" dirty="0">
-                <a:solidFill>
-                  <a:schemeClr val="dk1"/>
-                </a:solidFill>
-                <a:latin typeface="Source Code Pro" panose="020B0509030403020204" pitchFamily="49" charset="0"/>
-                <a:ea typeface="Source Code Pro" panose="020B0509030403020204" pitchFamily="49" charset="0"/>
-                <a:cs typeface="Courier"/>
-                <a:sym typeface="Courier"/>
-              </a:rPr>
-              <a:t> = 0</a:t>
-            </a:r>
-            <a:endParaRPr dirty="0">
-              <a:latin typeface="FreightSans Pro Light" panose="02000606030000020004" pitchFamily="2" charset="0"/>
-            </a:endParaRPr>
-          </a:p>
-          <a:p>
-            <a:r>
-              <a:rPr lang="en-US" sz="2800" dirty="0">
-                <a:solidFill>
-                  <a:schemeClr val="dk1"/>
-                </a:solidFill>
-                <a:latin typeface="Source Code Pro" panose="020B0509030403020204" pitchFamily="49" charset="0"/>
-                <a:ea typeface="Source Code Pro" panose="020B0509030403020204" pitchFamily="49" charset="0"/>
-                <a:cs typeface="Courier"/>
-                <a:sym typeface="Courier"/>
-              </a:rPr>
-              <a:t>    for </a:t>
-            </a:r>
-            <a:r>
-              <a:rPr lang="en-US" sz="2800" dirty="0" err="1">
-                <a:solidFill>
-                  <a:schemeClr val="dk1"/>
-                </a:solidFill>
-                <a:latin typeface="Source Code Pro" panose="020B0509030403020204" pitchFamily="49" charset="0"/>
-                <a:ea typeface="Source Code Pro" panose="020B0509030403020204" pitchFamily="49" charset="0"/>
-                <a:cs typeface="Courier"/>
-                <a:sym typeface="Courier"/>
-              </a:rPr>
-              <a:t>i</a:t>
-            </a:r>
-            <a:r>
-              <a:rPr lang="en-US" sz="2800" dirty="0">
-                <a:solidFill>
-                  <a:schemeClr val="dk1"/>
-                </a:solidFill>
-                <a:latin typeface="Source Code Pro" panose="020B0509030403020204" pitchFamily="49" charset="0"/>
-                <a:ea typeface="Source Code Pro" panose="020B0509030403020204" pitchFamily="49" charset="0"/>
-                <a:cs typeface="Courier"/>
-                <a:sym typeface="Courier"/>
-              </a:rPr>
-              <a:t> in range(1,n+1):</a:t>
-            </a:r>
-            <a:endParaRPr dirty="0">
-              <a:latin typeface="FreightSans Pro Light" panose="02000606030000020004" pitchFamily="2" charset="0"/>
-            </a:endParaRPr>
-          </a:p>
-          <a:p>
-            <a:r>
-              <a:rPr lang="en-US" sz="2800" dirty="0">
-                <a:solidFill>
-                  <a:schemeClr val="dk1"/>
-                </a:solidFill>
-                <a:latin typeface="Source Code Pro" panose="020B0509030403020204" pitchFamily="49" charset="0"/>
-                <a:ea typeface="Source Code Pro" panose="020B0509030403020204" pitchFamily="49" charset="0"/>
-                <a:cs typeface="Courier"/>
-                <a:sym typeface="Courier"/>
-              </a:rPr>
-              <a:t>        </a:t>
-            </a:r>
-            <a:r>
-              <a:rPr lang="en-US" sz="2800" dirty="0" err="1">
-                <a:solidFill>
-                  <a:schemeClr val="dk1"/>
-                </a:solidFill>
-                <a:latin typeface="Source Code Pro" panose="020B0509030403020204" pitchFamily="49" charset="0"/>
-                <a:ea typeface="Source Code Pro" panose="020B0509030403020204" pitchFamily="49" charset="0"/>
-                <a:cs typeface="Courier"/>
-                <a:sym typeface="Courier"/>
-              </a:rPr>
-              <a:t>accum</a:t>
-            </a:r>
-            <a:r>
-              <a:rPr lang="en-US" sz="2800" dirty="0">
-                <a:solidFill>
-                  <a:schemeClr val="dk1"/>
-                </a:solidFill>
-                <a:latin typeface="Source Code Pro" panose="020B0509030403020204" pitchFamily="49" charset="0"/>
-                <a:ea typeface="Source Code Pro" panose="020B0509030403020204" pitchFamily="49" charset="0"/>
-                <a:cs typeface="Courier"/>
-                <a:sym typeface="Courier"/>
-              </a:rPr>
-              <a:t> = </a:t>
-            </a:r>
-            <a:r>
-              <a:rPr lang="en-US" sz="2800" dirty="0" err="1">
-                <a:solidFill>
-                  <a:schemeClr val="dk1"/>
-                </a:solidFill>
-                <a:latin typeface="Source Code Pro" panose="020B0509030403020204" pitchFamily="49" charset="0"/>
-                <a:ea typeface="Source Code Pro" panose="020B0509030403020204" pitchFamily="49" charset="0"/>
-                <a:cs typeface="Courier"/>
-                <a:sym typeface="Courier"/>
-              </a:rPr>
-              <a:t>accum</a:t>
-            </a:r>
-            <a:r>
-              <a:rPr lang="en-US" sz="2800" dirty="0">
-                <a:solidFill>
-                  <a:schemeClr val="dk1"/>
-                </a:solidFill>
-                <a:latin typeface="Source Code Pro" panose="020B0509030403020204" pitchFamily="49" charset="0"/>
-                <a:ea typeface="Source Code Pro" panose="020B0509030403020204" pitchFamily="49" charset="0"/>
-                <a:cs typeface="Courier"/>
-                <a:sym typeface="Courier"/>
-              </a:rPr>
-              <a:t> + </a:t>
-            </a:r>
-            <a:r>
-              <a:rPr lang="en-US" sz="2800" dirty="0" err="1">
-                <a:solidFill>
-                  <a:schemeClr val="dk1"/>
-                </a:solidFill>
-                <a:latin typeface="Source Code Pro" panose="020B0509030403020204" pitchFamily="49" charset="0"/>
-                <a:ea typeface="Source Code Pro" panose="020B0509030403020204" pitchFamily="49" charset="0"/>
-                <a:cs typeface="Courier"/>
-                <a:sym typeface="Courier"/>
-              </a:rPr>
-              <a:t>i</a:t>
-            </a:r>
-            <a:r>
-              <a:rPr lang="en-US" sz="2800" dirty="0">
-                <a:solidFill>
-                  <a:schemeClr val="dk1"/>
-                </a:solidFill>
-                <a:latin typeface="Source Code Pro" panose="020B0509030403020204" pitchFamily="49" charset="0"/>
-                <a:ea typeface="Source Code Pro" panose="020B0509030403020204" pitchFamily="49" charset="0"/>
-                <a:cs typeface="Courier"/>
-                <a:sym typeface="Courier"/>
-              </a:rPr>
-              <a:t>*</a:t>
-            </a:r>
-            <a:r>
-              <a:rPr lang="en-US" sz="2800" dirty="0" err="1">
-                <a:solidFill>
-                  <a:schemeClr val="dk1"/>
-                </a:solidFill>
-                <a:latin typeface="Source Code Pro" panose="020B0509030403020204" pitchFamily="49" charset="0"/>
-                <a:ea typeface="Source Code Pro" panose="020B0509030403020204" pitchFamily="49" charset="0"/>
-                <a:cs typeface="Courier"/>
-                <a:sym typeface="Courier"/>
-              </a:rPr>
-              <a:t>i</a:t>
-            </a:r>
-            <a:endParaRPr sz="2800" dirty="0">
-              <a:solidFill>
-                <a:schemeClr val="dk1"/>
-              </a:solidFill>
-              <a:latin typeface="Source Code Pro" panose="020B0509030403020204" pitchFamily="49" charset="0"/>
-              <a:ea typeface="Source Code Pro" panose="020B0509030403020204" pitchFamily="49" charset="0"/>
-              <a:cs typeface="Courier"/>
-              <a:sym typeface="Courier"/>
-            </a:endParaRPr>
-          </a:p>
-          <a:p>
-            <a:r>
-              <a:rPr lang="en-US" sz="2800" dirty="0">
-                <a:solidFill>
-                  <a:schemeClr val="dk1"/>
-                </a:solidFill>
-                <a:latin typeface="Source Code Pro" panose="020B0509030403020204" pitchFamily="49" charset="0"/>
-                <a:ea typeface="Source Code Pro" panose="020B0509030403020204" pitchFamily="49" charset="0"/>
-                <a:cs typeface="Courier"/>
-                <a:sym typeface="Courier"/>
-              </a:rPr>
-              <a:t>    return </a:t>
-            </a:r>
-            <a:r>
-              <a:rPr lang="en-US" sz="2800" dirty="0" err="1">
-                <a:solidFill>
-                  <a:schemeClr val="dk1"/>
-                </a:solidFill>
-                <a:latin typeface="Source Code Pro" panose="020B0509030403020204" pitchFamily="49" charset="0"/>
-                <a:ea typeface="Source Code Pro" panose="020B0509030403020204" pitchFamily="49" charset="0"/>
-                <a:cs typeface="Courier"/>
-                <a:sym typeface="Courier"/>
-              </a:rPr>
-              <a:t>accum</a:t>
-            </a:r>
-            <a:endParaRPr sz="2800" dirty="0">
-              <a:solidFill>
-                <a:schemeClr val="dk1"/>
-              </a:solidFill>
-              <a:latin typeface="Source Code Pro" panose="020B0509030403020204" pitchFamily="49" charset="0"/>
-              <a:ea typeface="Source Code Pro" panose="020B0509030403020204" pitchFamily="49" charset="0"/>
-              <a:cs typeface="Courier"/>
-              <a:sym typeface="Courier"/>
-            </a:endParaRPr>
-          </a:p>
-        </p:txBody>
-      </p:sp>
-      <p:grpSp>
-        <p:nvGrpSpPr>
-          <p:cNvPr id="170" name="Google Shape;170;p19"/>
-          <p:cNvGrpSpPr/>
-          <p:nvPr/>
-        </p:nvGrpSpPr>
-        <p:grpSpPr>
-          <a:xfrm>
-            <a:off x="4953000" y="1149915"/>
-            <a:ext cx="4506362" cy="533400"/>
-            <a:chOff x="762000" y="1143000"/>
-            <a:chExt cx="4506362" cy="533400"/>
-          </a:xfrm>
-        </p:grpSpPr>
-        <p:sp>
-          <p:nvSpPr>
-            <p:cNvPr id="171" name="Google Shape;171;p19"/>
-            <p:cNvSpPr/>
-            <p:nvPr/>
-          </p:nvSpPr>
-          <p:spPr>
-            <a:xfrm>
-              <a:off x="762000" y="1143000"/>
-              <a:ext cx="4506362" cy="533400"/>
-            </a:xfrm>
-            <a:prstGeom prst="wedgeRectCallout">
-              <a:avLst>
-                <a:gd name="adj1" fmla="val -39275"/>
-                <a:gd name="adj2" fmla="val 237911"/>
-              </a:avLst>
-            </a:prstGeom>
-            <a:noFill/>
-            <a:ln w="12700" cap="flat" cmpd="sng">
-              <a:solidFill>
-                <a:schemeClr val="dk1"/>
-              </a:solidFill>
-              <a:prstDash val="solid"/>
-              <a:round/>
-              <a:headEnd type="none" w="sm" len="sm"/>
-              <a:tailEnd type="none" w="sm" len="sm"/>
-            </a:ln>
-          </p:spPr>
-          <p:txBody>
-            <a:bodyPr spcFirstLastPara="1" wrap="square" lIns="91425" tIns="45700" rIns="91425" bIns="45700" anchor="t" anchorCtr="0">
-              <a:noAutofit/>
-            </a:bodyPr>
-            <a:lstStyle/>
-            <a:p>
-              <a:pPr>
-                <a:buClr>
-                  <a:schemeClr val="dk1"/>
-                </a:buClr>
-                <a:buSzPts val="1800"/>
-              </a:pPr>
-              <a:endParaRPr sz="1800" dirty="0">
-                <a:solidFill>
-                  <a:schemeClr val="dk1"/>
-                </a:solidFill>
-                <a:latin typeface="FreightSans Pro Light" panose="02000606030000020004" pitchFamily="2" charset="0"/>
-              </a:endParaRPr>
-            </a:p>
-          </p:txBody>
-        </p:sp>
-        <p:sp>
-          <p:nvSpPr>
-            <p:cNvPr id="172" name="Google Shape;172;p19"/>
-            <p:cNvSpPr txBox="1"/>
-            <p:nvPr/>
-          </p:nvSpPr>
-          <p:spPr>
-            <a:xfrm>
-              <a:off x="762000" y="1219200"/>
-              <a:ext cx="4506362" cy="369332"/>
-            </a:xfrm>
-            <a:prstGeom prst="rect">
-              <a:avLst/>
-            </a:prstGeom>
-            <a:noFill/>
-            <a:ln>
-              <a:noFill/>
-            </a:ln>
-          </p:spPr>
-          <p:txBody>
-            <a:bodyPr spcFirstLastPara="1" wrap="square" lIns="91425" tIns="45700" rIns="91425" bIns="45700" anchor="t" anchorCtr="0">
-              <a:noAutofit/>
-            </a:bodyPr>
-            <a:lstStyle/>
-            <a:p>
-              <a:r>
-                <a:rPr lang="en-US" sz="1800" dirty="0">
-                  <a:solidFill>
-                    <a:schemeClr val="dk1"/>
-                  </a:solidFill>
-                  <a:latin typeface="FreightSans Pro Light" panose="02000606030000020004" pitchFamily="2" charset="0"/>
-                </a:rPr>
-                <a:t>1. Initialize the “base” case of no iterations</a:t>
-              </a:r>
-              <a:endParaRPr dirty="0">
-                <a:latin typeface="FreightSans Pro Light" panose="02000606030000020004" pitchFamily="2" charset="0"/>
-              </a:endParaRPr>
-            </a:p>
-          </p:txBody>
-        </p:sp>
-      </p:grpSp>
-      <p:grpSp>
-        <p:nvGrpSpPr>
-          <p:cNvPr id="173" name="Google Shape;173;p19"/>
-          <p:cNvGrpSpPr/>
-          <p:nvPr/>
-        </p:nvGrpSpPr>
-        <p:grpSpPr>
-          <a:xfrm>
-            <a:off x="7607573" y="1965213"/>
-            <a:ext cx="1851789" cy="533400"/>
-            <a:chOff x="762000" y="1143000"/>
-            <a:chExt cx="1851789" cy="533400"/>
-          </a:xfrm>
-        </p:grpSpPr>
-        <p:sp>
-          <p:nvSpPr>
-            <p:cNvPr id="174" name="Google Shape;174;p19"/>
-            <p:cNvSpPr/>
-            <p:nvPr/>
-          </p:nvSpPr>
-          <p:spPr>
-            <a:xfrm>
-              <a:off x="762000" y="1143000"/>
-              <a:ext cx="1851789" cy="533400"/>
-            </a:xfrm>
-            <a:prstGeom prst="wedgeRectCallout">
-              <a:avLst>
-                <a:gd name="adj1" fmla="val -87103"/>
-                <a:gd name="adj2" fmla="val 154962"/>
-              </a:avLst>
-            </a:prstGeom>
-            <a:noFill/>
-            <a:ln w="12700" cap="flat" cmpd="sng">
-              <a:solidFill>
-                <a:schemeClr val="dk1"/>
-              </a:solidFill>
-              <a:prstDash val="solid"/>
-              <a:round/>
-              <a:headEnd type="none" w="sm" len="sm"/>
-              <a:tailEnd type="none" w="sm" len="sm"/>
-            </a:ln>
-          </p:spPr>
-          <p:txBody>
-            <a:bodyPr spcFirstLastPara="1" wrap="square" lIns="91425" tIns="45700" rIns="91425" bIns="45700" anchor="t" anchorCtr="0">
-              <a:noAutofit/>
-            </a:bodyPr>
-            <a:lstStyle/>
-            <a:p>
-              <a:pPr>
-                <a:buClr>
-                  <a:schemeClr val="dk1"/>
-                </a:buClr>
-                <a:buSzPts val="1800"/>
-              </a:pPr>
-              <a:endParaRPr sz="1800" dirty="0">
-                <a:solidFill>
-                  <a:schemeClr val="dk1"/>
-                </a:solidFill>
-                <a:latin typeface="FreightSans Pro Light" panose="02000606030000020004" pitchFamily="2" charset="0"/>
-              </a:endParaRPr>
-            </a:p>
-          </p:txBody>
-        </p:sp>
-        <p:sp>
-          <p:nvSpPr>
-            <p:cNvPr id="175" name="Google Shape;175;p19"/>
-            <p:cNvSpPr txBox="1"/>
-            <p:nvPr/>
-          </p:nvSpPr>
-          <p:spPr>
-            <a:xfrm>
-              <a:off x="762000" y="1219200"/>
-              <a:ext cx="1851789" cy="369332"/>
-            </a:xfrm>
-            <a:prstGeom prst="rect">
-              <a:avLst/>
-            </a:prstGeom>
-            <a:noFill/>
-            <a:ln>
-              <a:noFill/>
-            </a:ln>
-          </p:spPr>
-          <p:txBody>
-            <a:bodyPr spcFirstLastPara="1" wrap="square" lIns="91425" tIns="45700" rIns="91425" bIns="45700" anchor="t" anchorCtr="0">
-              <a:noAutofit/>
-            </a:bodyPr>
-            <a:lstStyle/>
-            <a:p>
-              <a:r>
-                <a:rPr lang="en-US" sz="1800" dirty="0">
-                  <a:solidFill>
-                    <a:schemeClr val="dk1"/>
-                  </a:solidFill>
-                  <a:latin typeface="FreightSans Pro Light" panose="02000606030000020004" pitchFamily="2" charset="0"/>
-                </a:rPr>
-                <a:t>2. Starting value</a:t>
-              </a:r>
-              <a:endParaRPr dirty="0">
-                <a:latin typeface="FreightSans Pro Light" panose="02000606030000020004" pitchFamily="2" charset="0"/>
-              </a:endParaRPr>
-            </a:p>
-          </p:txBody>
-        </p:sp>
-      </p:grpSp>
-      <p:grpSp>
-        <p:nvGrpSpPr>
-          <p:cNvPr id="176" name="Google Shape;176;p19"/>
-          <p:cNvGrpSpPr/>
-          <p:nvPr/>
-        </p:nvGrpSpPr>
-        <p:grpSpPr>
-          <a:xfrm>
-            <a:off x="9208705" y="2624758"/>
-            <a:ext cx="1851789" cy="533400"/>
-            <a:chOff x="762000" y="1143000"/>
-            <a:chExt cx="1851789" cy="533400"/>
-          </a:xfrm>
-        </p:grpSpPr>
-        <p:sp>
-          <p:nvSpPr>
-            <p:cNvPr id="177" name="Google Shape;177;p19"/>
-            <p:cNvSpPr/>
-            <p:nvPr/>
-          </p:nvSpPr>
-          <p:spPr>
-            <a:xfrm>
-              <a:off x="762000" y="1143000"/>
-              <a:ext cx="1851789" cy="533400"/>
-            </a:xfrm>
-            <a:prstGeom prst="wedgeRectCallout">
-              <a:avLst>
-                <a:gd name="adj1" fmla="val -88696"/>
-                <a:gd name="adj2" fmla="val 55423"/>
-              </a:avLst>
-            </a:prstGeom>
-            <a:noFill/>
-            <a:ln w="12700" cap="flat" cmpd="sng">
-              <a:solidFill>
-                <a:schemeClr val="dk1"/>
-              </a:solidFill>
-              <a:prstDash val="solid"/>
-              <a:round/>
-              <a:headEnd type="none" w="sm" len="sm"/>
-              <a:tailEnd type="none" w="sm" len="sm"/>
-            </a:ln>
-          </p:spPr>
-          <p:txBody>
-            <a:bodyPr spcFirstLastPara="1" wrap="square" lIns="91425" tIns="45700" rIns="91425" bIns="45700" anchor="t" anchorCtr="0">
-              <a:noAutofit/>
-            </a:bodyPr>
-            <a:lstStyle/>
-            <a:p>
-              <a:pPr>
-                <a:buClr>
-                  <a:schemeClr val="dk1"/>
-                </a:buClr>
-                <a:buSzPts val="1800"/>
-              </a:pPr>
-              <a:endParaRPr sz="1800" dirty="0">
-                <a:solidFill>
-                  <a:schemeClr val="dk1"/>
-                </a:solidFill>
-                <a:latin typeface="FreightSans Pro Light" panose="02000606030000020004" pitchFamily="2" charset="0"/>
-              </a:endParaRPr>
-            </a:p>
-          </p:txBody>
-        </p:sp>
-        <p:sp>
-          <p:nvSpPr>
-            <p:cNvPr id="178" name="Google Shape;178;p19"/>
-            <p:cNvSpPr txBox="1"/>
-            <p:nvPr/>
-          </p:nvSpPr>
-          <p:spPr>
-            <a:xfrm>
-              <a:off x="762000" y="1219200"/>
-              <a:ext cx="1774845" cy="369332"/>
-            </a:xfrm>
-            <a:prstGeom prst="rect">
-              <a:avLst/>
-            </a:prstGeom>
-            <a:noFill/>
-            <a:ln>
-              <a:noFill/>
-            </a:ln>
-          </p:spPr>
-          <p:txBody>
-            <a:bodyPr spcFirstLastPara="1" wrap="square" lIns="91425" tIns="45700" rIns="91425" bIns="45700" anchor="t" anchorCtr="0">
-              <a:noAutofit/>
-            </a:bodyPr>
-            <a:lstStyle/>
-            <a:p>
-              <a:r>
-                <a:rPr lang="en-US" sz="1800" dirty="0">
-                  <a:solidFill>
-                    <a:schemeClr val="dk1"/>
-                  </a:solidFill>
-                  <a:latin typeface="FreightSans Pro Light" panose="02000606030000020004" pitchFamily="2" charset="0"/>
-                </a:rPr>
-                <a:t>3. Ending value</a:t>
-              </a:r>
-              <a:endParaRPr dirty="0">
-                <a:latin typeface="FreightSans Pro Light" panose="02000606030000020004" pitchFamily="2" charset="0"/>
-              </a:endParaRPr>
-            </a:p>
-          </p:txBody>
-        </p:sp>
-      </p:grpSp>
-      <p:grpSp>
-        <p:nvGrpSpPr>
-          <p:cNvPr id="179" name="Google Shape;179;p19"/>
-          <p:cNvGrpSpPr/>
-          <p:nvPr/>
-        </p:nvGrpSpPr>
-        <p:grpSpPr>
-          <a:xfrm>
-            <a:off x="6654655" y="4539684"/>
-            <a:ext cx="3148107" cy="533400"/>
-            <a:chOff x="-611262" y="1040368"/>
-            <a:chExt cx="3148107" cy="533400"/>
-          </a:xfrm>
-        </p:grpSpPr>
-        <p:sp>
-          <p:nvSpPr>
-            <p:cNvPr id="180" name="Google Shape;180;p19"/>
-            <p:cNvSpPr/>
-            <p:nvPr/>
-          </p:nvSpPr>
-          <p:spPr>
-            <a:xfrm>
-              <a:off x="-611262" y="1040368"/>
-              <a:ext cx="3148107" cy="533400"/>
-            </a:xfrm>
-            <a:prstGeom prst="wedgeRectCallout">
-              <a:avLst>
-                <a:gd name="adj1" fmla="val -75813"/>
-                <a:gd name="adj2" fmla="val -201720"/>
-              </a:avLst>
-            </a:prstGeom>
-            <a:noFill/>
-            <a:ln w="12700" cap="flat" cmpd="sng">
-              <a:solidFill>
-                <a:schemeClr val="dk1"/>
-              </a:solidFill>
-              <a:prstDash val="solid"/>
-              <a:round/>
-              <a:headEnd type="none" w="sm" len="sm"/>
-              <a:tailEnd type="none" w="sm" len="sm"/>
-            </a:ln>
-          </p:spPr>
-          <p:txBody>
-            <a:bodyPr spcFirstLastPara="1" wrap="square" lIns="91425" tIns="45700" rIns="91425" bIns="45700" anchor="t" anchorCtr="0">
-              <a:noAutofit/>
-            </a:bodyPr>
-            <a:lstStyle/>
-            <a:p>
-              <a:pPr>
-                <a:buClr>
-                  <a:schemeClr val="dk1"/>
-                </a:buClr>
-                <a:buSzPts val="1800"/>
-              </a:pPr>
-              <a:endParaRPr sz="1800" dirty="0">
-                <a:solidFill>
-                  <a:schemeClr val="dk1"/>
-                </a:solidFill>
-                <a:latin typeface="FreightSans Pro Light" panose="02000606030000020004" pitchFamily="2" charset="0"/>
-              </a:endParaRPr>
-            </a:p>
-          </p:txBody>
-        </p:sp>
-        <p:sp>
-          <p:nvSpPr>
-            <p:cNvPr id="181" name="Google Shape;181;p19"/>
-            <p:cNvSpPr txBox="1"/>
-            <p:nvPr/>
-          </p:nvSpPr>
-          <p:spPr>
-            <a:xfrm>
-              <a:off x="-510594" y="1128236"/>
-              <a:ext cx="2890535" cy="369332"/>
-            </a:xfrm>
-            <a:prstGeom prst="rect">
-              <a:avLst/>
-            </a:prstGeom>
-            <a:noFill/>
-            <a:ln>
-              <a:noFill/>
-            </a:ln>
-          </p:spPr>
-          <p:txBody>
-            <a:bodyPr spcFirstLastPara="1" wrap="square" lIns="91425" tIns="45700" rIns="91425" bIns="45700" anchor="t" anchorCtr="0">
-              <a:noAutofit/>
-            </a:bodyPr>
-            <a:lstStyle/>
-            <a:p>
-              <a:r>
-                <a:rPr lang="en-US" sz="1800" dirty="0">
-                  <a:solidFill>
-                    <a:schemeClr val="dk1"/>
-                  </a:solidFill>
-                  <a:latin typeface="FreightSans Pro Light" panose="02000606030000020004" pitchFamily="2" charset="0"/>
-                </a:rPr>
-                <a:t>4. New loop variable value</a:t>
-              </a:r>
-              <a:endParaRPr dirty="0">
-                <a:latin typeface="FreightSans Pro Light" panose="02000606030000020004" pitchFamily="2" charset="0"/>
-              </a:endParaRPr>
-            </a:p>
-          </p:txBody>
-        </p:sp>
-      </p:grpSp>
-    </p:spTree>
-  </p:cSld>
-  <p:clrMapOvr>
-    <a:masterClrMapping/>
-  </p:clrMapOvr>
-  <p:timing>
-    <p:tnLst>
-      <p:par>
-        <p:cTn id="1" dur="indefinite" restart="never" nodeType="tmRoot">
-          <p:childTnLst>
-            <p:seq concurrent="1" nextAc="seek">
-              <p:cTn id="2" dur="indefinite" nodeType="mainSeq">
-                <p:childTnLst>
-                  <p:par>
-                    <p:cTn id="3" fill="hold">
-                      <p:stCondLst>
-                        <p:cond delay="indefinite"/>
-                      </p:stCondLst>
-                      <p:childTnLst>
-                        <p:par>
-                          <p:cTn id="4" fill="hold">
-                            <p:stCondLst>
-                              <p:cond delay="0"/>
-                            </p:stCondLst>
-                            <p:childTnLst>
-                              <p:par>
-                                <p:cTn id="5" presetID="1" presetClass="entr" presetSubtype="0" fill="hold" nodeType="clickEffect">
-                                  <p:stCondLst>
-                                    <p:cond delay="0"/>
-                                  </p:stCondLst>
-                                  <p:childTnLst>
-                                    <p:set>
-                                      <p:cBhvr>
-                                        <p:cTn id="6" dur="1" fill="hold">
-                                          <p:stCondLst>
-                                            <p:cond delay="0"/>
-                                          </p:stCondLst>
-                                        </p:cTn>
-                                        <p:tgtEl>
-                                          <p:spTgt spid="169"/>
-                                        </p:tgtEl>
-                                        <p:attrNameLst>
-                                          <p:attrName>style.visibility</p:attrName>
-                                        </p:attrNameLst>
-                                      </p:cBhvr>
-                                      <p:to>
-                                        <p:strVal val="visible"/>
-                                      </p:to>
-                                    </p:set>
-                                  </p:childTnLst>
-                                </p:cTn>
-                              </p:par>
-                            </p:childTnLst>
-                          </p:cTn>
-                        </p:par>
-                      </p:childTnLst>
-                    </p:cTn>
-                  </p:par>
-                  <p:par>
-                    <p:cTn id="7" fill="hold">
-                      <p:stCondLst>
-                        <p:cond delay="indefinite"/>
-                      </p:stCondLst>
-                      <p:childTnLst>
-                        <p:par>
-                          <p:cTn id="8" fill="hold">
-                            <p:stCondLst>
-                              <p:cond delay="0"/>
-                            </p:stCondLst>
-                            <p:childTnLst>
-                              <p:par>
-                                <p:cTn id="9" presetID="1" presetClass="entr" presetSubtype="0" fill="hold" nodeType="clickEffect">
-                                  <p:stCondLst>
-                                    <p:cond delay="0"/>
-                                  </p:stCondLst>
-                                  <p:childTnLst>
-                                    <p:set>
-                                      <p:cBhvr>
-                                        <p:cTn id="10" dur="1" fill="hold">
-                                          <p:stCondLst>
-                                            <p:cond delay="0"/>
-                                          </p:stCondLst>
-                                        </p:cTn>
-                                        <p:tgtEl>
-                                          <p:spTgt spid="170"/>
-                                        </p:tgtEl>
-                                        <p:attrNameLst>
-                                          <p:attrName>style.visibility</p:attrName>
-                                        </p:attrNameLst>
-                                      </p:cBhvr>
-                                      <p:to>
-                                        <p:strVal val="visible"/>
-                                      </p:to>
-                                    </p:set>
-                                  </p:childTnLst>
-                                </p:cTn>
-                              </p:par>
-                            </p:childTnLst>
-                          </p:cTn>
-                        </p:par>
-                      </p:childTnLst>
-                    </p:cTn>
-                  </p:par>
-                  <p:par>
-                    <p:cTn id="11" fill="hold">
-                      <p:stCondLst>
-                        <p:cond delay="indefinite"/>
-                      </p:stCondLst>
-                      <p:childTnLst>
-                        <p:par>
-                          <p:cTn id="12" fill="hold">
-                            <p:stCondLst>
-                              <p:cond delay="0"/>
-                            </p:stCondLst>
-                            <p:childTnLst>
-                              <p:par>
-                                <p:cTn id="13" presetID="1" presetClass="entr" presetSubtype="0" fill="hold" nodeType="clickEffect">
-                                  <p:stCondLst>
-                                    <p:cond delay="0"/>
-                                  </p:stCondLst>
-                                  <p:childTnLst>
-                                    <p:set>
-                                      <p:cBhvr>
-                                        <p:cTn id="14" dur="1" fill="hold">
-                                          <p:stCondLst>
-                                            <p:cond delay="0"/>
-                                          </p:stCondLst>
-                                        </p:cTn>
-                                        <p:tgtEl>
-                                          <p:spTgt spid="173"/>
-                                        </p:tgtEl>
-                                        <p:attrNameLst>
-                                          <p:attrName>style.visibility</p:attrName>
-                                        </p:attrNameLst>
-                                      </p:cBhvr>
-                                      <p:to>
-                                        <p:strVal val="visible"/>
-                                      </p:to>
-                                    </p:set>
-                                  </p:childTnLst>
-                                </p:cTn>
-                              </p:par>
-                            </p:childTnLst>
-                          </p:cTn>
-                        </p:par>
-                      </p:childTnLst>
-                    </p:cTn>
-                  </p:par>
-                  <p:par>
-                    <p:cTn id="15" fill="hold">
-                      <p:stCondLst>
-                        <p:cond delay="indefinite"/>
-                      </p:stCondLst>
-                      <p:childTnLst>
-                        <p:par>
-                          <p:cTn id="16" fill="hold">
-                            <p:stCondLst>
-                              <p:cond delay="0"/>
-                            </p:stCondLst>
-                            <p:childTnLst>
-                              <p:par>
-                                <p:cTn id="17" presetID="1" presetClass="entr" presetSubtype="0" fill="hold" nodeType="clickEffect">
-                                  <p:stCondLst>
-                                    <p:cond delay="0"/>
-                                  </p:stCondLst>
-                                  <p:childTnLst>
-                                    <p:set>
-                                      <p:cBhvr>
-                                        <p:cTn id="18" dur="1" fill="hold">
-                                          <p:stCondLst>
-                                            <p:cond delay="0"/>
-                                          </p:stCondLst>
-                                        </p:cTn>
-                                        <p:tgtEl>
-                                          <p:spTgt spid="176"/>
-                                        </p:tgtEl>
-                                        <p:attrNameLst>
-                                          <p:attrName>style.visibility</p:attrName>
-                                        </p:attrNameLst>
-                                      </p:cBhvr>
-                                      <p:to>
-                                        <p:strVal val="visible"/>
-                                      </p:to>
-                                    </p:set>
-                                  </p:childTnLst>
-                                </p:cTn>
-                              </p:par>
-                            </p:childTnLst>
-                          </p:cTn>
-                        </p:par>
-                      </p:childTnLst>
-                    </p:cTn>
-                  </p:par>
-                  <p:par>
-                    <p:cTn id="19" fill="hold">
-                      <p:stCondLst>
-                        <p:cond delay="indefinite"/>
-                      </p:stCondLst>
-                      <p:childTnLst>
-                        <p:par>
-                          <p:cTn id="20" fill="hold">
-                            <p:stCondLst>
-                              <p:cond delay="0"/>
-                            </p:stCondLst>
-                            <p:childTnLst>
-                              <p:par>
-                                <p:cTn id="21" presetID="1" presetClass="entr" presetSubtype="0" fill="hold" nodeType="clickEffect">
-                                  <p:stCondLst>
-                                    <p:cond delay="0"/>
-                                  </p:stCondLst>
-                                  <p:childTnLst>
-                                    <p:set>
-                                      <p:cBhvr>
-                                        <p:cTn id="22" dur="1" fill="hold">
-                                          <p:stCondLst>
-                                            <p:cond delay="0"/>
-                                          </p:stCondLst>
-                                        </p:cTn>
-                                        <p:tgtEl>
-                                          <p:spTgt spid="179"/>
-                                        </p:tgtEl>
-                                        <p:attrNameLst>
-                                          <p:attrName>style.visibility</p:attrName>
-                                        </p:attrNameLst>
-                                      </p:cBhvr>
-                                      <p:to>
-                                        <p:strVal val="visible"/>
-                                      </p:to>
-                                    </p:set>
-                                  </p:childTnLst>
-                                </p:cTn>
-                              </p:par>
-                            </p:childTnLst>
-                          </p:cTn>
-                        </p:par>
-                      </p:childTnLst>
-                    </p:cTn>
-                  </p:par>
-                </p:childTnLst>
-              </p:cTn>
-              <p:prevCondLst>
-                <p:cond evt="onPrev" delay="0">
-                  <p:tgtEl>
-                    <p:sldTgt/>
-                  </p:tgtEl>
-                </p:cond>
-              </p:prevCondLst>
-              <p:nextCondLst>
-                <p:cond evt="onNext" delay="0">
-                  <p:tgtEl>
-                    <p:sldTgt/>
-                  </p:tgtEl>
-                </p:cond>
-              </p:nextCondLst>
-            </p:seq>
-          </p:childTnLst>
-        </p:cTn>
-      </p:par>
-    </p:tnLst>
-  </p:timing>
-</p:sld>
-</file>
-
-<file path=ppt/slides/slide11.xml><?xml version="1.0" encoding="utf-8"?>
-<p:sld xmlns:a="http://schemas.openxmlformats.org/drawingml/2006/main" xmlns:r="http://schemas.openxmlformats.org/officeDocument/2006/relationships" xmlns:p="http://schemas.openxmlformats.org/presentationml/2006/main">
-  <p:cSld>
-    <p:spTree>
-      <p:nvGrpSpPr>
         <p:cNvPr id="1" name="Shape 195"/>
         <p:cNvGrpSpPr/>
         <p:nvPr/>
@@ -9575,7 +8440,7 @@
 </p:sld>
 </file>
 
-<file path=ppt/slides/slide12.xml><?xml version="1.0" encoding="utf-8"?>
+<file path=ppt/slides/slide11.xml><?xml version="1.0" encoding="utf-8"?>
 <p:sld xmlns:a="http://schemas.openxmlformats.org/drawingml/2006/main" xmlns:r="http://schemas.openxmlformats.org/officeDocument/2006/relationships" xmlns:p="http://schemas.openxmlformats.org/presentationml/2006/main">
   <p:cSld>
     <p:spTree>
@@ -9905,7 +8770,7 @@
 </p:sld>
 </file>
 
-<file path=ppt/slides/slide13.xml><?xml version="1.0" encoding="utf-8"?>
+<file path=ppt/slides/slide12.xml><?xml version="1.0" encoding="utf-8"?>
 <p:sld xmlns:a="http://schemas.openxmlformats.org/drawingml/2006/main" xmlns:r="http://schemas.openxmlformats.org/officeDocument/2006/relationships" xmlns:p="http://schemas.openxmlformats.org/presentationml/2006/main">
   <p:cSld>
     <p:spTree>
@@ -10240,7 +9105,7 @@
 </p:sld>
 </file>
 
-<file path=ppt/slides/slide14.xml><?xml version="1.0" encoding="utf-8"?>
+<file path=ppt/slides/slide13.xml><?xml version="1.0" encoding="utf-8"?>
 <p:sld xmlns:a="http://schemas.openxmlformats.org/drawingml/2006/main" xmlns:r="http://schemas.openxmlformats.org/officeDocument/2006/relationships" xmlns:p="http://schemas.openxmlformats.org/presentationml/2006/main">
   <p:cSld>
     <p:spTree>
@@ -10984,7 +9849,7 @@
 </p:sld>
 </file>
 
-<file path=ppt/slides/slide15.xml><?xml version="1.0" encoding="utf-8"?>
+<file path=ppt/slides/slide14.xml><?xml version="1.0" encoding="utf-8"?>
 <p:sld xmlns:a="http://schemas.openxmlformats.org/drawingml/2006/main" xmlns:r="http://schemas.openxmlformats.org/officeDocument/2006/relationships" xmlns:p="http://schemas.openxmlformats.org/presentationml/2006/main">
   <p:cSld>
     <p:spTree>
@@ -11536,7 +10401,7 @@
 </p:sld>
 </file>
 
-<file path=ppt/slides/slide16.xml><?xml version="1.0" encoding="utf-8"?>
+<file path=ppt/slides/slide15.xml><?xml version="1.0" encoding="utf-8"?>
 <p:sld xmlns:a="http://schemas.openxmlformats.org/drawingml/2006/main" xmlns:r="http://schemas.openxmlformats.org/officeDocument/2006/relationships" xmlns:p="http://schemas.openxmlformats.org/presentationml/2006/main">
   <p:cSld>
     <p:spTree>
@@ -12180,7 +11045,7 @@
 </p:sld>
 </file>
 
-<file path=ppt/slides/slide17.xml><?xml version="1.0" encoding="utf-8"?>
+<file path=ppt/slides/slide16.xml><?xml version="1.0" encoding="utf-8"?>
 <p:sld xmlns:a="http://schemas.openxmlformats.org/drawingml/2006/main" xmlns:r="http://schemas.openxmlformats.org/officeDocument/2006/relationships" xmlns:p="http://schemas.openxmlformats.org/presentationml/2006/main">
   <p:cSld>
     <p:spTree>
@@ -12270,7 +11135,7 @@
                 <a:sym typeface="Times New Roman"/>
               </a:rPr>
               <a:pPr/>
-              <a:t>17</a:t>
+              <a:t>16</a:t>
             </a:fld>
             <a:endParaRPr lang="en-US">
               <a:sym typeface="Times New Roman"/>
@@ -12462,7 +11327,7 @@
 </p:sld>
 </file>
 
-<file path=ppt/slides/slide18.xml><?xml version="1.0" encoding="utf-8"?>
+<file path=ppt/slides/slide17.xml><?xml version="1.0" encoding="utf-8"?>
 <p:sld xmlns:a="http://schemas.openxmlformats.org/drawingml/2006/main" xmlns:r="http://schemas.openxmlformats.org/officeDocument/2006/relationships" xmlns:p="http://schemas.openxmlformats.org/presentationml/2006/main">
   <p:cSld>
     <p:spTree>
@@ -12552,7 +11417,7 @@
                 <a:sym typeface="Times New Roman"/>
               </a:rPr>
               <a:pPr/>
-              <a:t>18</a:t>
+              <a:t>17</a:t>
             </a:fld>
             <a:endParaRPr lang="en-US">
               <a:sym typeface="Times New Roman"/>
@@ -12702,7 +11567,7 @@
 </p:sld>
 </file>
 
-<file path=ppt/slides/slide19.xml><?xml version="1.0" encoding="utf-8"?>
+<file path=ppt/slides/slide18.xml><?xml version="1.0" encoding="utf-8"?>
 <p:sld xmlns:a="http://schemas.openxmlformats.org/drawingml/2006/main" xmlns:r="http://schemas.openxmlformats.org/officeDocument/2006/relationships" xmlns:p="http://schemas.openxmlformats.org/presentationml/2006/main">
   <p:cSld>
     <p:spTree>
@@ -12792,7 +11657,7 @@
                 <a:sym typeface="Times New Roman"/>
               </a:rPr>
               <a:pPr/>
-              <a:t>19</a:t>
+              <a:t>18</a:t>
             </a:fld>
             <a:endParaRPr lang="en-US">
               <a:sym typeface="Times New Roman"/>
@@ -12942,156 +11807,7 @@
 </p:sld>
 </file>
 
-<file path=ppt/slides/slide2.xml><?xml version="1.0" encoding="utf-8"?>
-<p:sld xmlns:a="http://schemas.openxmlformats.org/drawingml/2006/main" xmlns:r="http://schemas.openxmlformats.org/officeDocument/2006/relationships" xmlns:p="http://schemas.openxmlformats.org/presentationml/2006/main">
-  <p:cSld>
-    <p:spTree>
-      <p:nvGrpSpPr>
-        <p:cNvPr id="1" name="Shape 118"/>
-        <p:cNvGrpSpPr/>
-        <p:nvPr/>
-      </p:nvGrpSpPr>
-      <p:grpSpPr>
-        <a:xfrm>
-          <a:off x="0" y="0"/>
-          <a:ext cx="0" cy="0"/>
-          <a:chOff x="0" y="0"/>
-          <a:chExt cx="0" cy="0"/>
-        </a:xfrm>
-      </p:grpSpPr>
-      <p:sp>
-        <p:nvSpPr>
-          <p:cNvPr id="119" name="Google Shape;119;p15"/>
-          <p:cNvSpPr txBox="1">
-            <a:spLocks noGrp="1"/>
-          </p:cNvSpPr>
-          <p:nvPr>
-            <p:ph type="title"/>
-          </p:nvPr>
-        </p:nvSpPr>
-        <p:spPr>
-          <a:xfrm>
-            <a:off x="540026" y="193676"/>
-            <a:ext cx="7696200" cy="736600"/>
-          </a:xfrm>
-          <a:prstGeom prst="rect">
-            <a:avLst/>
-          </a:prstGeom>
-          <a:noFill/>
-          <a:ln>
-            <a:noFill/>
-          </a:ln>
-        </p:spPr>
-        <p:txBody>
-          <a:bodyPr spcFirstLastPara="1" wrap="square" lIns="92075" tIns="46025" rIns="92075" bIns="46025" anchor="ctr" anchorCtr="0">
-            <a:noAutofit/>
-          </a:bodyPr>
-          <a:lstStyle/>
-          <a:p>
-            <a:r>
-              <a:rPr lang="en-US" dirty="0"/>
-              <a:t>Announcements</a:t>
-            </a:r>
-            <a:endParaRPr dirty="0"/>
-          </a:p>
-        </p:txBody>
-      </p:sp>
-      <p:sp>
-        <p:nvSpPr>
-          <p:cNvPr id="120" name="Google Shape;120;p15"/>
-          <p:cNvSpPr txBox="1">
-            <a:spLocks noGrp="1"/>
-          </p:cNvSpPr>
-          <p:nvPr>
-            <p:ph idx="1"/>
-          </p:nvPr>
-        </p:nvSpPr>
-        <p:spPr>
-          <a:xfrm>
-            <a:off x="540026" y="1066800"/>
-            <a:ext cx="9289774" cy="5257800"/>
-          </a:xfrm>
-          <a:prstGeom prst="rect">
-            <a:avLst/>
-          </a:prstGeom>
-          <a:noFill/>
-          <a:ln>
-            <a:noFill/>
-          </a:ln>
-        </p:spPr>
-        <p:txBody>
-          <a:bodyPr spcFirstLastPara="1" wrap="square" lIns="92075" tIns="46025" rIns="92075" bIns="46025" anchor="t" anchorCtr="0">
-            <a:noAutofit/>
-          </a:bodyPr>
-          <a:lstStyle/>
-          <a:p>
-            <a:pPr marL="285750" indent="-285750">
-              <a:spcBef>
-                <a:spcPts val="0"/>
-              </a:spcBef>
-            </a:pPr>
-            <a:r>
-              <a:rPr lang="en-US" dirty="0"/>
-              <a:t>Maps due Friday 3/4</a:t>
-            </a:r>
-          </a:p>
-          <a:p>
-            <a:pPr marL="285750" indent="-285750">
-              <a:spcBef>
-                <a:spcPts val="0"/>
-              </a:spcBef>
-            </a:pPr>
-            <a:endParaRPr dirty="0"/>
-          </a:p>
-        </p:txBody>
-      </p:sp>
-      <p:sp>
-        <p:nvSpPr>
-          <p:cNvPr id="123" name="Google Shape;123;p15"/>
-          <p:cNvSpPr txBox="1">
-            <a:spLocks noGrp="1"/>
-          </p:cNvSpPr>
-          <p:nvPr>
-            <p:ph type="sldNum" sz="quarter" idx="4294967295"/>
-          </p:nvPr>
-        </p:nvSpPr>
-        <p:spPr>
-          <a:xfrm>
-            <a:off x="10134600" y="6553200"/>
-            <a:ext cx="533400" cy="304800"/>
-          </a:xfrm>
-          <a:prstGeom prst="rect">
-            <a:avLst/>
-          </a:prstGeom>
-          <a:noFill/>
-          <a:ln>
-            <a:noFill/>
-          </a:ln>
-        </p:spPr>
-        <p:txBody>
-          <a:bodyPr spcFirstLastPara="1" wrap="square" lIns="92075" tIns="46025" rIns="92075" bIns="46025" anchor="ctr" anchorCtr="0">
-            <a:noAutofit/>
-          </a:bodyPr>
-          <a:lstStyle/>
-          <a:p>
-            <a:fld id="{00000000-1234-1234-1234-123412341234}" type="slidenum">
-              <a:rPr lang="en-US"/>
-              <a:pPr/>
-              <a:t>2</a:t>
-            </a:fld>
-            <a:endParaRPr b="0"/>
-          </a:p>
-        </p:txBody>
-      </p:sp>
-    </p:spTree>
-  </p:cSld>
-  <p:clrMapOvr>
-    <a:masterClrMapping/>
-  </p:clrMapOvr>
-</p:sld>
-</file>
-
-<file path=ppt/slides/slide20.xml><?xml version="1.0" encoding="utf-8"?>
+<file path=ppt/slides/slide19.xml><?xml version="1.0" encoding="utf-8"?>
 <p:sld xmlns:a="http://schemas.openxmlformats.org/drawingml/2006/main" xmlns:r="http://schemas.openxmlformats.org/officeDocument/2006/relationships" xmlns:p="http://schemas.openxmlformats.org/presentationml/2006/main">
   <p:cSld>
     <p:spTree>
@@ -13206,7 +11922,7 @@
                 <a:sym typeface="Times New Roman"/>
               </a:rPr>
               <a:pPr/>
-              <a:t>20</a:t>
+              <a:t>19</a:t>
             </a:fld>
             <a:endParaRPr lang="en-US">
               <a:sym typeface="Times New Roman"/>
@@ -13356,7 +12072,148 @@
 </p:sld>
 </file>
 
-<file path=ppt/slides/slide21.xml><?xml version="1.0" encoding="utf-8"?>
+<file path=ppt/slides/slide2.xml><?xml version="1.0" encoding="utf-8"?>
+<p:sld xmlns:a="http://schemas.openxmlformats.org/drawingml/2006/main" xmlns:r="http://schemas.openxmlformats.org/officeDocument/2006/relationships" xmlns:p="http://schemas.openxmlformats.org/presentationml/2006/main">
+  <p:cSld>
+    <p:spTree>
+      <p:nvGrpSpPr>
+        <p:cNvPr id="1" name=""/>
+        <p:cNvGrpSpPr/>
+        <p:nvPr/>
+      </p:nvGrpSpPr>
+      <p:grpSpPr>
+        <a:xfrm>
+          <a:off x="0" y="0"/>
+          <a:ext cx="0" cy="0"/>
+          <a:chOff x="0" y="0"/>
+          <a:chExt cx="0" cy="0"/>
+        </a:xfrm>
+      </p:grpSpPr>
+      <p:sp>
+        <p:nvSpPr>
+          <p:cNvPr id="2" name="Title 1">
+            <a:extLst>
+              <a:ext uri="{FF2B5EF4-FFF2-40B4-BE49-F238E27FC236}">
+                <a16:creationId xmlns:a16="http://schemas.microsoft.com/office/drawing/2014/main" id="{87E126C1-9DBA-AA46-A7E3-7AC273A82D33}"/>
+              </a:ext>
+            </a:extLst>
+          </p:cNvPr>
+          <p:cNvSpPr>
+            <a:spLocks noGrp="1"/>
+          </p:cNvSpPr>
+          <p:nvPr>
+            <p:ph type="title"/>
+          </p:nvPr>
+        </p:nvSpPr>
+        <p:spPr/>
+        <p:txBody>
+          <a:bodyPr/>
+          <a:lstStyle/>
+          <a:p>
+            <a:r>
+              <a:rPr lang="en-US" dirty="0"/>
+              <a:t>Learning Objectives</a:t>
+            </a:r>
+          </a:p>
+        </p:txBody>
+      </p:sp>
+      <p:sp>
+        <p:nvSpPr>
+          <p:cNvPr id="3" name="Content Placeholder 2">
+            <a:extLst>
+              <a:ext uri="{FF2B5EF4-FFF2-40B4-BE49-F238E27FC236}">
+                <a16:creationId xmlns:a16="http://schemas.microsoft.com/office/drawing/2014/main" id="{182466E5-0DAE-3C4E-A582-322CFD0FEA1C}"/>
+              </a:ext>
+            </a:extLst>
+          </p:cNvPr>
+          <p:cNvSpPr>
+            <a:spLocks noGrp="1"/>
+          </p:cNvSpPr>
+          <p:nvPr>
+            <p:ph idx="1"/>
+          </p:nvPr>
+        </p:nvSpPr>
+        <p:spPr/>
+        <p:txBody>
+          <a:bodyPr/>
+          <a:lstStyle/>
+          <a:p>
+            <a:r>
+              <a:rPr lang="en-US" dirty="0"/>
+              <a:t>Write a recursive function</a:t>
+            </a:r>
+          </a:p>
+          <a:p>
+            <a:r>
+              <a:rPr lang="en-US" dirty="0"/>
+              <a:t>Understand the base case and a recursive case</a:t>
+            </a:r>
+          </a:p>
+          <a:p>
+            <a:r>
+              <a:rPr lang="en-US" dirty="0"/>
+              <a:t>Apply Recursive Functions to lists</a:t>
+            </a:r>
+          </a:p>
+        </p:txBody>
+      </p:sp>
+      <p:sp>
+        <p:nvSpPr>
+          <p:cNvPr id="4" name="Slide Number Placeholder 3">
+            <a:extLst>
+              <a:ext uri="{FF2B5EF4-FFF2-40B4-BE49-F238E27FC236}">
+                <a16:creationId xmlns:a16="http://schemas.microsoft.com/office/drawing/2014/main" id="{91D4902B-CA8B-324E-9E47-E421999D8E68}"/>
+              </a:ext>
+            </a:extLst>
+          </p:cNvPr>
+          <p:cNvSpPr>
+            <a:spLocks noGrp="1"/>
+          </p:cNvSpPr>
+          <p:nvPr>
+            <p:ph type="sldNum" sz="quarter" idx="4294967295"/>
+          </p:nvPr>
+        </p:nvSpPr>
+        <p:spPr>
+          <a:xfrm>
+            <a:off x="11480800" y="6553200"/>
+            <a:ext cx="711200" cy="304800"/>
+          </a:xfrm>
+          <a:prstGeom prst="rect">
+            <a:avLst/>
+          </a:prstGeom>
+        </p:spPr>
+        <p:txBody>
+          <a:bodyPr/>
+          <a:lstStyle/>
+          <a:p>
+            <a:pPr>
+              <a:defRPr/>
+            </a:pPr>
+            <a:fld id="{ACA94121-BA6C-AD43-82C2-DF1F24FE5D9C}" type="slidenum">
+              <a:rPr lang="en-US" smtClean="0"/>
+              <a:pPr>
+                <a:defRPr/>
+              </a:pPr>
+              <a:t>2</a:t>
+            </a:fld>
+            <a:endParaRPr lang="en-US" b="0"/>
+          </a:p>
+        </p:txBody>
+      </p:sp>
+    </p:spTree>
+    <p:extLst>
+      <p:ext uri="{BB962C8B-B14F-4D97-AF65-F5344CB8AC3E}">
+        <p14:creationId xmlns:p14="http://schemas.microsoft.com/office/powerpoint/2010/main" val="1510520696"/>
+      </p:ext>
+    </p:extLst>
+  </p:cSld>
+  <p:clrMapOvr>
+    <a:masterClrMapping/>
+  </p:clrMapOvr>
+</p:sld>
+</file>
+
+<file path=ppt/slides/slide20.xml><?xml version="1.0" encoding="utf-8"?>
 <p:sld xmlns:a="http://schemas.openxmlformats.org/drawingml/2006/main" xmlns:r="http://schemas.openxmlformats.org/officeDocument/2006/relationships" xmlns:p="http://schemas.openxmlformats.org/presentationml/2006/main">
   <p:cSld>
     <p:spTree>
@@ -13471,7 +12328,7 @@
                 <a:sym typeface="Times New Roman"/>
               </a:rPr>
               <a:pPr/>
-              <a:t>21</a:t>
+              <a:t>20</a:t>
             </a:fld>
             <a:endParaRPr lang="en-US">
               <a:sym typeface="Times New Roman"/>
@@ -13663,7 +12520,7 @@
 </p:sld>
 </file>
 
-<file path=ppt/slides/slide22.xml><?xml version="1.0" encoding="utf-8"?>
+<file path=ppt/slides/slide21.xml><?xml version="1.0" encoding="utf-8"?>
 <p:sld xmlns:a="http://schemas.openxmlformats.org/drawingml/2006/main" xmlns:r="http://schemas.openxmlformats.org/officeDocument/2006/relationships" xmlns:p="http://schemas.openxmlformats.org/presentationml/2006/main">
   <p:cSld>
     <p:spTree>
@@ -13778,7 +12635,7 @@
                 <a:sym typeface="Times New Roman"/>
               </a:rPr>
               <a:pPr/>
-              <a:t>22</a:t>
+              <a:t>21</a:t>
             </a:fld>
             <a:endParaRPr lang="en-US">
               <a:sym typeface="Times New Roman"/>
@@ -13826,7 +12683,7 @@
 </p:sld>
 </file>
 
-<file path=ppt/slides/slide23.xml><?xml version="1.0" encoding="utf-8"?>
+<file path=ppt/slides/slide22.xml><?xml version="1.0" encoding="utf-8"?>
 <p:sld xmlns:a="http://schemas.openxmlformats.org/drawingml/2006/main" xmlns:r="http://schemas.openxmlformats.org/officeDocument/2006/relationships" xmlns:p="http://schemas.openxmlformats.org/presentationml/2006/main">
   <p:cSld>
     <p:spTree>
@@ -13941,7 +12798,7 @@
                 <a:sym typeface="Times New Roman"/>
               </a:rPr>
               <a:pPr/>
-              <a:t>23</a:t>
+              <a:t>22</a:t>
             </a:fld>
             <a:endParaRPr lang="en-US">
               <a:sym typeface="Times New Roman"/>
@@ -13989,7 +12846,7 @@
 </p:sld>
 </file>
 
-<file path=ppt/slides/slide24.xml><?xml version="1.0" encoding="utf-8"?>
+<file path=ppt/slides/slide23.xml><?xml version="1.0" encoding="utf-8"?>
 <p:sld xmlns:a="http://schemas.openxmlformats.org/drawingml/2006/main" xmlns:r="http://schemas.openxmlformats.org/officeDocument/2006/relationships" xmlns:p="http://schemas.openxmlformats.org/presentationml/2006/main">
   <p:cSld>
     <p:spTree>
@@ -14104,7 +12961,7 @@
                 <a:sym typeface="Times New Roman"/>
               </a:rPr>
               <a:pPr/>
-              <a:t>24</a:t>
+              <a:t>23</a:t>
             </a:fld>
             <a:endParaRPr lang="en-US">
               <a:sym typeface="Times New Roman"/>
@@ -14152,7 +13009,7 @@
 </p:sld>
 </file>
 
-<file path=ppt/slides/slide25.xml><?xml version="1.0" encoding="utf-8"?>
+<file path=ppt/slides/slide24.xml><?xml version="1.0" encoding="utf-8"?>
 <p:sld xmlns:a="http://schemas.openxmlformats.org/drawingml/2006/main" xmlns:r="http://schemas.openxmlformats.org/officeDocument/2006/relationships" xmlns:p="http://schemas.openxmlformats.org/presentationml/2006/main">
   <p:cSld>
     <p:spTree>
@@ -14255,7 +13112,7 @@
 </p:sld>
 </file>
 
-<file path=ppt/slides/slide26.xml><?xml version="1.0" encoding="utf-8"?>
+<file path=ppt/slides/slide25.xml><?xml version="1.0" encoding="utf-8"?>
 <p:sld xmlns:a="http://schemas.openxmlformats.org/drawingml/2006/main" xmlns:r="http://schemas.openxmlformats.org/officeDocument/2006/relationships" xmlns:p="http://schemas.openxmlformats.org/presentationml/2006/main">
   <p:cSld>
     <p:spTree>
@@ -14982,7 +13839,7 @@
 </p:sld>
 </file>
 
-<file path=ppt/slides/slide27.xml><?xml version="1.0" encoding="utf-8"?>
+<file path=ppt/slides/slide26.xml><?xml version="1.0" encoding="utf-8"?>
 <p:sld xmlns:a="http://schemas.openxmlformats.org/drawingml/2006/main" xmlns:r="http://schemas.openxmlformats.org/officeDocument/2006/relationships" xmlns:p="http://schemas.openxmlformats.org/presentationml/2006/main">
   <p:cSld>
     <p:spTree>
@@ -15132,7 +13989,7 @@
 </p:sld>
 </file>
 
-<file path=ppt/slides/slide28.xml><?xml version="1.0" encoding="utf-8"?>
+<file path=ppt/slides/slide27.xml><?xml version="1.0" encoding="utf-8"?>
 <p:sld xmlns:a="http://schemas.openxmlformats.org/drawingml/2006/main" xmlns:r="http://schemas.openxmlformats.org/officeDocument/2006/relationships" xmlns:p="http://schemas.openxmlformats.org/presentationml/2006/main">
   <p:cSld>
     <p:spTree>
@@ -15431,7 +14288,7 @@
 </p:sld>
 </file>
 
-<file path=ppt/slides/slide29.xml><?xml version="1.0" encoding="utf-8"?>
+<file path=ppt/slides/slide28.xml><?xml version="1.0" encoding="utf-8"?>
 <p:sld xmlns:a="http://schemas.openxmlformats.org/drawingml/2006/main" xmlns:r="http://schemas.openxmlformats.org/officeDocument/2006/relationships" xmlns:p="http://schemas.openxmlformats.org/presentationml/2006/main">
   <p:cSld>
     <p:spTree>
@@ -15576,7 +14433,7 @@
           <p:cNvPr id="2" name="Title 1">
             <a:extLst>
               <a:ext uri="{FF2B5EF4-FFF2-40B4-BE49-F238E27FC236}">
-                <a16:creationId xmlns:a16="http://schemas.microsoft.com/office/drawing/2014/main" id="{87E126C1-9DBA-AA46-A7E3-7AC273A82D33}"/>
+                <a16:creationId xmlns:a16="http://schemas.microsoft.com/office/drawing/2014/main" id="{69F63823-DABC-634F-A56C-D9978D477944}"/>
               </a:ext>
             </a:extLst>
           </p:cNvPr>
@@ -15594,7 +14451,7 @@
           <a:p>
             <a:r>
               <a:rPr lang="en-US" dirty="0"/>
-              <a:t>Learning Objectives</a:t>
+              <a:t>The Recursive Process	</a:t>
             </a:r>
           </a:p>
         </p:txBody>
@@ -15604,7 +14461,7 @@
           <p:cNvPr id="3" name="Content Placeholder 2">
             <a:extLst>
               <a:ext uri="{FF2B5EF4-FFF2-40B4-BE49-F238E27FC236}">
-                <a16:creationId xmlns:a16="http://schemas.microsoft.com/office/drawing/2014/main" id="{182466E5-0DAE-3C4E-A582-322CFD0FEA1C}"/>
+                <a16:creationId xmlns:a16="http://schemas.microsoft.com/office/drawing/2014/main" id="{6D1CE8EB-31E1-9D46-BFD5-92B915180038}"/>
               </a:ext>
             </a:extLst>
           </p:cNvPr>
@@ -15620,72 +14477,278 @@
           <a:bodyPr/>
           <a:lstStyle/>
           <a:p>
-            <a:r>
-              <a:rPr lang="en-US" dirty="0"/>
-              <a:t>Write a recursive function</a:t>
-            </a:r>
-          </a:p>
-          <a:p>
-            <a:r>
-              <a:rPr lang="en-US" dirty="0"/>
-              <a:t>Understand the base case and a recursive case</a:t>
-            </a:r>
-          </a:p>
-          <a:p>
-            <a:r>
-              <a:rPr lang="en-US" dirty="0"/>
-              <a:t>Apply Recursive Functions to lists</a:t>
-            </a:r>
-          </a:p>
-        </p:txBody>
-      </p:sp>
-      <p:sp>
-        <p:nvSpPr>
-          <p:cNvPr id="4" name="Slide Number Placeholder 3">
-            <a:extLst>
-              <a:ext uri="{FF2B5EF4-FFF2-40B4-BE49-F238E27FC236}">
-                <a16:creationId xmlns:a16="http://schemas.microsoft.com/office/drawing/2014/main" id="{91D4902B-CA8B-324E-9E47-E421999D8E68}"/>
-              </a:ext>
-            </a:extLst>
-          </p:cNvPr>
-          <p:cNvSpPr>
-            <a:spLocks noGrp="1"/>
-          </p:cNvSpPr>
-          <p:nvPr>
-            <p:ph type="sldNum" sz="quarter" idx="4294967295"/>
-          </p:nvPr>
-        </p:nvSpPr>
-        <p:spPr>
-          <a:xfrm>
-            <a:off x="11480800" y="6553200"/>
-            <a:ext cx="711200" cy="304800"/>
-          </a:xfrm>
-          <a:prstGeom prst="rect">
-            <a:avLst/>
-          </a:prstGeom>
-        </p:spPr>
-        <p:txBody>
-          <a:bodyPr/>
-          <a:lstStyle/>
-          <a:p>
-            <a:pPr>
+            <a:pPr marL="493370" lvl="0" indent="-411460">
+              <a:lnSpc>
+                <a:spcPct val="100000"/>
+              </a:lnSpc>
+              <a:spcBef>
+                <a:spcPts val="840"/>
+              </a:spcBef>
+              <a:buClr>
+                <a:schemeClr val="tx2"/>
+              </a:buClr>
+              <a:buSzPct val="95000"/>
+              <a:buFont typeface="Wingdings" pitchFamily="-65" charset="2"/>
+              <a:buChar char=""/>
               <a:defRPr/>
             </a:pPr>
-            <a:fld id="{ACA94121-BA6C-AD43-82C2-DF1F24FE5D9C}" type="slidenum">
-              <a:rPr lang="en-US" smtClean="0"/>
-              <a:pPr>
-                <a:defRPr/>
-              </a:pPr>
-              <a:t>3</a:t>
-            </a:fld>
-            <a:endParaRPr lang="en-US" b="0"/>
+            <a:endParaRPr lang="en-US" sz="3600" kern="1200" dirty="0">
+              <a:latin typeface="FreightSans Pro Book" panose="02000606030000020004" pitchFamily="2" charset="0"/>
+              <a:cs typeface="ＭＳ Ｐゴシック" charset="-128"/>
+            </a:endParaRPr>
+          </a:p>
+          <a:p>
+            <a:pPr marL="493370" lvl="0" indent="-411460">
+              <a:lnSpc>
+                <a:spcPct val="100000"/>
+              </a:lnSpc>
+              <a:spcBef>
+                <a:spcPts val="840"/>
+              </a:spcBef>
+              <a:buClr>
+                <a:schemeClr val="tx2"/>
+              </a:buClr>
+              <a:buSzPct val="95000"/>
+              <a:buFont typeface="Wingdings" pitchFamily="-65" charset="2"/>
+              <a:buChar char=""/>
+              <a:defRPr/>
+            </a:pPr>
+            <a:r>
+              <a:rPr lang="en-US" sz="3600" kern="1200" dirty="0">
+                <a:latin typeface="FreightSans Pro Book" panose="02000606030000020004" pitchFamily="2" charset="0"/>
+                <a:cs typeface="ＭＳ Ｐゴシック" charset="-128"/>
+              </a:rPr>
+              <a:t>Recursive solutions involve two major parts:</a:t>
+            </a:r>
+          </a:p>
+          <a:p>
+            <a:pPr marL="887686" lvl="1" indent="-342883">
+              <a:lnSpc>
+                <a:spcPct val="100000"/>
+              </a:lnSpc>
+              <a:spcBef>
+                <a:spcPct val="20000"/>
+              </a:spcBef>
+              <a:buFont typeface="Wingdings" pitchFamily="-65" charset="2"/>
+              <a:buChar char=""/>
+              <a:defRPr/>
+            </a:pPr>
+            <a:r>
+              <a:rPr lang="en-US" sz="3200" kern="1200" dirty="0">
+                <a:solidFill>
+                  <a:schemeClr val="accent2">
+                    <a:lumMod val="75000"/>
+                  </a:schemeClr>
+                </a:solidFill>
+                <a:latin typeface="FreightSans Pro Book" panose="02000606030000020004" pitchFamily="2" charset="0"/>
+                <a:ea typeface="ＭＳ Ｐゴシック" charset="0"/>
+              </a:rPr>
+              <a:t>Base case(s)</a:t>
+            </a:r>
+            <a:r>
+              <a:rPr lang="en-US" sz="3200" kern="1200" dirty="0">
+                <a:latin typeface="FreightSans Pro Book" panose="02000606030000020004" pitchFamily="2" charset="0"/>
+                <a:ea typeface="ＭＳ Ｐゴシック" charset="0"/>
+              </a:rPr>
+              <a:t>, the problem is simple enough to be solved directly</a:t>
+            </a:r>
+          </a:p>
+          <a:p>
+            <a:pPr marL="887686" lvl="1" indent="-342883">
+              <a:lnSpc>
+                <a:spcPct val="100000"/>
+              </a:lnSpc>
+              <a:spcBef>
+                <a:spcPct val="20000"/>
+              </a:spcBef>
+              <a:buFont typeface="Wingdings" pitchFamily="-65" charset="2"/>
+              <a:buChar char=""/>
+              <a:defRPr/>
+            </a:pPr>
+            <a:r>
+              <a:rPr lang="en-US" sz="3200" kern="1200" dirty="0">
+                <a:solidFill>
+                  <a:schemeClr val="accent2">
+                    <a:lumMod val="75000"/>
+                  </a:schemeClr>
+                </a:solidFill>
+                <a:latin typeface="FreightSans Pro Book" panose="02000606030000020004" pitchFamily="2" charset="0"/>
+                <a:ea typeface="ＭＳ Ｐゴシック" charset="0"/>
+              </a:rPr>
+              <a:t>Recursive case(s)</a:t>
+            </a:r>
+            <a:r>
+              <a:rPr lang="en-US" sz="3200" kern="1200" dirty="0">
+                <a:latin typeface="FreightSans Pro Book" panose="02000606030000020004" pitchFamily="2" charset="0"/>
+                <a:ea typeface="ＭＳ Ｐゴシック" charset="0"/>
+              </a:rPr>
+              <a:t>. A recursive case has three components:</a:t>
+            </a:r>
+          </a:p>
+          <a:p>
+            <a:pPr marL="1194376" lvl="2" indent="-274307">
+              <a:lnSpc>
+                <a:spcPct val="100000"/>
+              </a:lnSpc>
+              <a:spcBef>
+                <a:spcPct val="20000"/>
+              </a:spcBef>
+              <a:buSzTx/>
+              <a:buFont typeface="Wingdings 2" pitchFamily="-65" charset="2"/>
+              <a:buChar char=""/>
+              <a:defRPr/>
+            </a:pPr>
+            <a:r>
+              <a:rPr lang="en-US" sz="2800" kern="1200" dirty="0">
+                <a:solidFill>
+                  <a:schemeClr val="accent2">
+                    <a:lumMod val="75000"/>
+                  </a:schemeClr>
+                </a:solidFill>
+                <a:latin typeface="FreightSans Pro Book" panose="02000606030000020004" pitchFamily="2" charset="0"/>
+                <a:ea typeface="ＭＳ Ｐゴシック" charset="0"/>
+              </a:rPr>
+              <a:t>Divide</a:t>
+            </a:r>
+            <a:r>
+              <a:rPr lang="en-US" sz="2800" kern="1200" dirty="0">
+                <a:solidFill>
+                  <a:schemeClr val="tx2">
+                    <a:lumMod val="90000"/>
+                  </a:schemeClr>
+                </a:solidFill>
+                <a:latin typeface="FreightSans Pro Book" panose="02000606030000020004" pitchFamily="2" charset="0"/>
+                <a:ea typeface="ＭＳ Ｐゴシック" charset="0"/>
+              </a:rPr>
+              <a:t> </a:t>
+            </a:r>
+            <a:r>
+              <a:rPr lang="en-US" sz="2800" kern="1200" dirty="0">
+                <a:latin typeface="FreightSans Pro Book" panose="02000606030000020004" pitchFamily="2" charset="0"/>
+                <a:ea typeface="ＭＳ Ｐゴシック" charset="0"/>
+              </a:rPr>
+              <a:t>the problem into one or more simpler or smaller parts</a:t>
+            </a:r>
+            <a:endParaRPr lang="en-US" sz="2800" kern="1200" dirty="0">
+              <a:solidFill>
+                <a:schemeClr val="tx2">
+                  <a:lumMod val="90000"/>
+                </a:schemeClr>
+              </a:solidFill>
+              <a:latin typeface="FreightSans Pro Book" panose="02000606030000020004" pitchFamily="2" charset="0"/>
+              <a:ea typeface="ＭＳ Ｐゴシック" charset="0"/>
+            </a:endParaRPr>
+          </a:p>
+          <a:p>
+            <a:pPr marL="1194376" lvl="2" indent="-274307">
+              <a:lnSpc>
+                <a:spcPct val="100000"/>
+              </a:lnSpc>
+              <a:spcBef>
+                <a:spcPct val="20000"/>
+              </a:spcBef>
+              <a:buSzTx/>
+              <a:buFont typeface="Wingdings 2" pitchFamily="-65" charset="2"/>
+              <a:buChar char=""/>
+              <a:defRPr/>
+            </a:pPr>
+            <a:r>
+              <a:rPr lang="en-US" sz="2800" kern="1200" dirty="0">
+                <a:solidFill>
+                  <a:schemeClr val="accent2">
+                    <a:lumMod val="75000"/>
+                  </a:schemeClr>
+                </a:solidFill>
+                <a:latin typeface="FreightSans Pro Book" panose="02000606030000020004" pitchFamily="2" charset="0"/>
+                <a:ea typeface="ＭＳ Ｐゴシック" charset="0"/>
+              </a:rPr>
+              <a:t>Invoke</a:t>
+            </a:r>
+            <a:r>
+              <a:rPr lang="en-US" sz="2800" kern="1200" dirty="0">
+                <a:solidFill>
+                  <a:schemeClr val="tx2">
+                    <a:lumMod val="90000"/>
+                  </a:schemeClr>
+                </a:solidFill>
+                <a:latin typeface="FreightSans Pro Book" panose="02000606030000020004" pitchFamily="2" charset="0"/>
+                <a:ea typeface="ＭＳ Ｐゴシック" charset="0"/>
+              </a:rPr>
+              <a:t> </a:t>
+            </a:r>
+            <a:r>
+              <a:rPr lang="en-US" sz="2800" kern="1200" dirty="0">
+                <a:latin typeface="FreightSans Pro Book" panose="02000606030000020004" pitchFamily="2" charset="0"/>
+                <a:ea typeface="ＭＳ Ｐゴシック" charset="0"/>
+              </a:rPr>
+              <a:t>the function (recursively) on each part, and</a:t>
+            </a:r>
+            <a:endParaRPr lang="en-US" sz="2800" kern="1200" dirty="0">
+              <a:solidFill>
+                <a:schemeClr val="tx2">
+                  <a:lumMod val="90000"/>
+                </a:schemeClr>
+              </a:solidFill>
+              <a:latin typeface="FreightSans Pro Book" panose="02000606030000020004" pitchFamily="2" charset="0"/>
+              <a:ea typeface="ＭＳ Ｐゴシック" charset="0"/>
+            </a:endParaRPr>
+          </a:p>
+          <a:p>
+            <a:pPr marL="1194376" lvl="2" indent="-274307">
+              <a:lnSpc>
+                <a:spcPct val="100000"/>
+              </a:lnSpc>
+              <a:spcBef>
+                <a:spcPct val="20000"/>
+              </a:spcBef>
+              <a:buSzTx/>
+              <a:buFont typeface="Wingdings 2" pitchFamily="-65" charset="2"/>
+              <a:buChar char=""/>
+              <a:defRPr/>
+            </a:pPr>
+            <a:r>
+              <a:rPr lang="en-US" sz="2800" kern="1200" dirty="0">
+                <a:solidFill>
+                  <a:schemeClr val="accent2">
+                    <a:lumMod val="75000"/>
+                  </a:schemeClr>
+                </a:solidFill>
+                <a:latin typeface="FreightSans Pro Book" panose="02000606030000020004" pitchFamily="2" charset="0"/>
+                <a:ea typeface="ＭＳ Ｐゴシック" charset="0"/>
+              </a:rPr>
+              <a:t>Combine</a:t>
+            </a:r>
+            <a:r>
+              <a:rPr lang="en-US" sz="2800" kern="1200" dirty="0">
+                <a:solidFill>
+                  <a:schemeClr val="tx2">
+                    <a:lumMod val="90000"/>
+                  </a:schemeClr>
+                </a:solidFill>
+                <a:latin typeface="FreightSans Pro Book" panose="02000606030000020004" pitchFamily="2" charset="0"/>
+                <a:ea typeface="ＭＳ Ｐゴシック" charset="0"/>
+              </a:rPr>
+              <a:t> </a:t>
+            </a:r>
+            <a:r>
+              <a:rPr lang="en-US" sz="2800" kern="1200" dirty="0">
+                <a:latin typeface="FreightSans Pro Book" panose="02000606030000020004" pitchFamily="2" charset="0"/>
+                <a:ea typeface="ＭＳ Ｐゴシック" charset="0"/>
+              </a:rPr>
+              <a:t>the solutions of the parts into a solution for the problem.</a:t>
+            </a:r>
+          </a:p>
+          <a:p>
+            <a:endParaRPr lang="en-US" sz="3200" dirty="0">
+              <a:latin typeface="FreightSans Pro Book" panose="02000606030000020004" pitchFamily="2" charset="0"/>
+            </a:endParaRPr>
           </a:p>
         </p:txBody>
       </p:sp>
     </p:spTree>
     <p:extLst>
       <p:ext uri="{BB962C8B-B14F-4D97-AF65-F5344CB8AC3E}">
-        <p14:creationId xmlns:p14="http://schemas.microsoft.com/office/powerpoint/2010/main" val="1510520696"/>
+        <p14:creationId xmlns:p14="http://schemas.microsoft.com/office/powerpoint/2010/main" val="4049412847"/>
       </p:ext>
     </p:extLst>
   </p:cSld>
@@ -15714,13 +14777,7 @@
       </p:grpSpPr>
       <p:sp>
         <p:nvSpPr>
-          <p:cNvPr id="2" name="Title 1">
-            <a:extLst>
-              <a:ext uri="{FF2B5EF4-FFF2-40B4-BE49-F238E27FC236}">
-                <a16:creationId xmlns:a16="http://schemas.microsoft.com/office/drawing/2014/main" id="{69F63823-DABC-634F-A56C-D9978D477944}"/>
-              </a:ext>
-            </a:extLst>
-          </p:cNvPr>
+          <p:cNvPr id="2" name="Title 1"/>
           <p:cNvSpPr>
             <a:spLocks noGrp="1"/>
           </p:cNvSpPr>
@@ -15735,20 +14792,14 @@
           <a:p>
             <a:r>
               <a:rPr lang="en-US" dirty="0"/>
-              <a:t>The Recursive Process	</a:t>
+              <a:t>Iteration vs Recursion: Sum Numbers</a:t>
             </a:r>
           </a:p>
         </p:txBody>
       </p:sp>
       <p:sp>
         <p:nvSpPr>
-          <p:cNvPr id="3" name="Content Placeholder 2">
-            <a:extLst>
-              <a:ext uri="{FF2B5EF4-FFF2-40B4-BE49-F238E27FC236}">
-                <a16:creationId xmlns:a16="http://schemas.microsoft.com/office/drawing/2014/main" id="{6D1CE8EB-31E1-9D46-BFD5-92B915180038}"/>
-              </a:ext>
-            </a:extLst>
-          </p:cNvPr>
+          <p:cNvPr id="13" name="Content Placeholder 2"/>
           <p:cNvSpPr>
             <a:spLocks noGrp="1"/>
           </p:cNvSpPr>
@@ -15756,283 +14807,129 @@
             <p:ph idx="1"/>
           </p:nvPr>
         </p:nvSpPr>
-        <p:spPr/>
+        <p:spPr>
+          <a:xfrm>
+            <a:off x="2209800" y="2060944"/>
+            <a:ext cx="1752600" cy="381000"/>
+          </a:xfrm>
+        </p:spPr>
         <p:txBody>
           <a:bodyPr/>
           <a:lstStyle/>
           <a:p>
-            <a:pPr marL="493370" lvl="0" indent="-411460">
-              <a:lnSpc>
-                <a:spcPct val="100000"/>
-              </a:lnSpc>
-              <a:spcBef>
-                <a:spcPts val="840"/>
-              </a:spcBef>
-              <a:buClr>
-                <a:schemeClr val="tx2"/>
-              </a:buClr>
-              <a:buSzPct val="95000"/>
-              <a:buFont typeface="Wingdings" pitchFamily="-65" charset="2"/>
-              <a:buChar char=""/>
-              <a:defRPr/>
+            <a:pPr marL="0" indent="0">
+              <a:buNone/>
             </a:pPr>
-            <a:endParaRPr lang="en-US" sz="3600" kern="1200" dirty="0">
-              <a:latin typeface="FreightSans Pro Book" panose="02000606030000020004" pitchFamily="2" charset="0"/>
-              <a:cs typeface="ＭＳ Ｐゴシック" charset="-128"/>
+            <a:r>
+              <a:rPr lang="en-US" sz="2800" dirty="0"/>
+              <a:t>For loop:</a:t>
+            </a:r>
+          </a:p>
+        </p:txBody>
+      </p:sp>
+      <p:sp>
+        <p:nvSpPr>
+          <p:cNvPr id="10" name="Rectangle 9"/>
+          <p:cNvSpPr/>
+          <p:nvPr/>
+        </p:nvSpPr>
+        <p:spPr>
+          <a:xfrm>
+            <a:off x="3947338" y="2635816"/>
+            <a:ext cx="6453963" cy="2246769"/>
+          </a:xfrm>
+          <a:prstGeom prst="rect">
+            <a:avLst/>
+          </a:prstGeom>
+        </p:spPr>
+        <p:txBody>
+          <a:bodyPr wrap="square">
+            <a:spAutoFit/>
+          </a:bodyPr>
+          <a:lstStyle/>
+          <a:p>
+            <a:r>
+              <a:rPr lang="en-US" sz="2800" dirty="0" err="1">
+                <a:latin typeface="Source Code Pro" panose="020B0509030403020204" pitchFamily="49" charset="0"/>
+                <a:cs typeface="Courier New"/>
+              </a:rPr>
+              <a:t>def</a:t>
+            </a:r>
+            <a:r>
+              <a:rPr lang="en-US" sz="2800" dirty="0">
+                <a:latin typeface="Source Code Pro" panose="020B0509030403020204" pitchFamily="49" charset="0"/>
+                <a:cs typeface="Courier New"/>
+              </a:rPr>
+              <a:t> sum(n):</a:t>
+            </a:r>
+          </a:p>
+          <a:p>
+            <a:r>
+              <a:rPr lang="en-US" sz="2800" dirty="0">
+                <a:latin typeface="Source Code Pro" panose="020B0509030403020204" pitchFamily="49" charset="0"/>
+                <a:cs typeface="Courier New"/>
+              </a:rPr>
+              <a:t>	s=0</a:t>
+            </a:r>
+          </a:p>
+          <a:p>
+            <a:r>
+              <a:rPr lang="en-US" sz="2800" dirty="0">
+                <a:latin typeface="Source Code Pro" panose="020B0509030403020204" pitchFamily="49" charset="0"/>
+                <a:cs typeface="Courier New"/>
+              </a:rPr>
+              <a:t>	for </a:t>
+            </a:r>
+            <a:r>
+              <a:rPr lang="en-US" sz="2800" dirty="0" err="1">
+                <a:latin typeface="Source Code Pro" panose="020B0509030403020204" pitchFamily="49" charset="0"/>
+                <a:cs typeface="Courier New"/>
+              </a:rPr>
+              <a:t>i</a:t>
+            </a:r>
+            <a:r>
+              <a:rPr lang="en-US" sz="2800" dirty="0">
+                <a:latin typeface="Source Code Pro" panose="020B0509030403020204" pitchFamily="49" charset="0"/>
+                <a:cs typeface="Courier New"/>
+              </a:rPr>
+              <a:t> in range(0,n+1):</a:t>
+            </a:r>
+          </a:p>
+          <a:p>
+            <a:r>
+              <a:rPr lang="en-US" sz="2800" dirty="0">
+                <a:latin typeface="Source Code Pro" panose="020B0509030403020204" pitchFamily="49" charset="0"/>
+                <a:cs typeface="Courier New"/>
+              </a:rPr>
+              <a:t>		s=</a:t>
+            </a:r>
+            <a:r>
+              <a:rPr lang="en-US" sz="2800" dirty="0" err="1">
+                <a:latin typeface="Source Code Pro" panose="020B0509030403020204" pitchFamily="49" charset="0"/>
+                <a:cs typeface="Courier New"/>
+              </a:rPr>
+              <a:t>s+i</a:t>
+            </a:r>
+            <a:endParaRPr lang="en-US" sz="2800" dirty="0">
+              <a:latin typeface="Source Code Pro" panose="020B0509030403020204" pitchFamily="49" charset="0"/>
+              <a:cs typeface="Courier New"/>
             </a:endParaRPr>
           </a:p>
           <a:p>
-            <a:pPr marL="493370" lvl="0" indent="-411460">
-              <a:lnSpc>
-                <a:spcPct val="100000"/>
-              </a:lnSpc>
-              <a:spcBef>
-                <a:spcPts val="840"/>
-              </a:spcBef>
-              <a:buClr>
-                <a:schemeClr val="tx2"/>
-              </a:buClr>
-              <a:buSzPct val="95000"/>
-              <a:buFont typeface="Wingdings" pitchFamily="-65" charset="2"/>
-              <a:buChar char=""/>
-              <a:defRPr/>
-            </a:pPr>
-            <a:r>
-              <a:rPr lang="en-US" sz="3600" kern="1200" dirty="0">
-                <a:latin typeface="FreightSans Pro Book" panose="02000606030000020004" pitchFamily="2" charset="0"/>
-                <a:cs typeface="ＭＳ Ｐゴシック" charset="-128"/>
-              </a:rPr>
-              <a:t>Recursive solutions involve two major parts:</a:t>
-            </a:r>
-          </a:p>
-          <a:p>
-            <a:pPr marL="887686" lvl="1" indent="-342883">
-              <a:lnSpc>
-                <a:spcPct val="100000"/>
-              </a:lnSpc>
-              <a:spcBef>
-                <a:spcPct val="20000"/>
-              </a:spcBef>
-              <a:buFont typeface="Wingdings" pitchFamily="-65" charset="2"/>
-              <a:buChar char=""/>
-              <a:defRPr/>
-            </a:pPr>
-            <a:r>
-              <a:rPr lang="en-US" sz="3200" kern="1200" dirty="0">
-                <a:solidFill>
-                  <a:schemeClr val="accent2">
-                    <a:lumMod val="75000"/>
-                  </a:schemeClr>
-                </a:solidFill>
-                <a:latin typeface="FreightSans Pro Book" panose="02000606030000020004" pitchFamily="2" charset="0"/>
-                <a:ea typeface="ＭＳ Ｐゴシック" charset="0"/>
-              </a:rPr>
-              <a:t>Base case(s)</a:t>
-            </a:r>
-            <a:r>
-              <a:rPr lang="en-US" sz="3200" kern="1200" dirty="0">
-                <a:latin typeface="FreightSans Pro Book" panose="02000606030000020004" pitchFamily="2" charset="0"/>
-                <a:ea typeface="ＭＳ Ｐゴシック" charset="0"/>
-              </a:rPr>
-              <a:t>, the problem is simple enough to be solved directly</a:t>
-            </a:r>
-          </a:p>
-          <a:p>
-            <a:pPr marL="887686" lvl="1" indent="-342883">
-              <a:lnSpc>
-                <a:spcPct val="100000"/>
-              </a:lnSpc>
-              <a:spcBef>
-                <a:spcPct val="20000"/>
-              </a:spcBef>
-              <a:buFont typeface="Wingdings" pitchFamily="-65" charset="2"/>
-              <a:buChar char=""/>
-              <a:defRPr/>
-            </a:pPr>
-            <a:r>
-              <a:rPr lang="en-US" sz="3200" kern="1200" dirty="0">
-                <a:solidFill>
-                  <a:schemeClr val="accent2">
-                    <a:lumMod val="75000"/>
-                  </a:schemeClr>
-                </a:solidFill>
-                <a:latin typeface="FreightSans Pro Book" panose="02000606030000020004" pitchFamily="2" charset="0"/>
-                <a:ea typeface="ＭＳ Ｐゴシック" charset="0"/>
-              </a:rPr>
-              <a:t>Recursive case(s)</a:t>
-            </a:r>
-            <a:r>
-              <a:rPr lang="en-US" sz="3200" kern="1200" dirty="0">
-                <a:latin typeface="FreightSans Pro Book" panose="02000606030000020004" pitchFamily="2" charset="0"/>
-                <a:ea typeface="ＭＳ Ｐゴシック" charset="0"/>
-              </a:rPr>
-              <a:t>. A recursive case has three components:</a:t>
-            </a:r>
-          </a:p>
-          <a:p>
-            <a:pPr marL="1194376" lvl="2" indent="-274307">
-              <a:lnSpc>
-                <a:spcPct val="100000"/>
-              </a:lnSpc>
-              <a:spcBef>
-                <a:spcPct val="20000"/>
-              </a:spcBef>
-              <a:buSzTx/>
-              <a:buFont typeface="Wingdings 2" pitchFamily="-65" charset="2"/>
-              <a:buChar char=""/>
-              <a:defRPr/>
-            </a:pPr>
-            <a:r>
-              <a:rPr lang="en-US" sz="2800" kern="1200" dirty="0">
-                <a:solidFill>
-                  <a:schemeClr val="accent2">
-                    <a:lumMod val="75000"/>
-                  </a:schemeClr>
-                </a:solidFill>
-                <a:latin typeface="FreightSans Pro Book" panose="02000606030000020004" pitchFamily="2" charset="0"/>
-                <a:ea typeface="ＭＳ Ｐゴシック" charset="0"/>
-              </a:rPr>
-              <a:t>Divide</a:t>
-            </a:r>
-            <a:r>
-              <a:rPr lang="en-US" sz="2800" kern="1200" dirty="0">
-                <a:solidFill>
-                  <a:schemeClr val="tx2">
-                    <a:lumMod val="90000"/>
-                  </a:schemeClr>
-                </a:solidFill>
-                <a:latin typeface="FreightSans Pro Book" panose="02000606030000020004" pitchFamily="2" charset="0"/>
-                <a:ea typeface="ＭＳ Ｐゴシック" charset="0"/>
-              </a:rPr>
-              <a:t> </a:t>
-            </a:r>
-            <a:r>
-              <a:rPr lang="en-US" sz="2800" kern="1200" dirty="0">
-                <a:latin typeface="FreightSans Pro Book" panose="02000606030000020004" pitchFamily="2" charset="0"/>
-                <a:ea typeface="ＭＳ Ｐゴシック" charset="0"/>
-              </a:rPr>
-              <a:t>the problem into one or more simpler or smaller parts</a:t>
-            </a:r>
-            <a:endParaRPr lang="en-US" sz="2800" kern="1200" dirty="0">
-              <a:solidFill>
-                <a:schemeClr val="tx2">
-                  <a:lumMod val="90000"/>
-                </a:schemeClr>
-              </a:solidFill>
-              <a:latin typeface="FreightSans Pro Book" panose="02000606030000020004" pitchFamily="2" charset="0"/>
-              <a:ea typeface="ＭＳ Ｐゴシック" charset="0"/>
-            </a:endParaRPr>
-          </a:p>
-          <a:p>
-            <a:pPr marL="1194376" lvl="2" indent="-274307">
-              <a:lnSpc>
-                <a:spcPct val="100000"/>
-              </a:lnSpc>
-              <a:spcBef>
-                <a:spcPct val="20000"/>
-              </a:spcBef>
-              <a:buSzTx/>
-              <a:buFont typeface="Wingdings 2" pitchFamily="-65" charset="2"/>
-              <a:buChar char=""/>
-              <a:defRPr/>
-            </a:pPr>
-            <a:r>
-              <a:rPr lang="en-US" sz="2800" kern="1200" dirty="0">
-                <a:solidFill>
-                  <a:schemeClr val="accent2">
-                    <a:lumMod val="75000"/>
-                  </a:schemeClr>
-                </a:solidFill>
-                <a:latin typeface="FreightSans Pro Book" panose="02000606030000020004" pitchFamily="2" charset="0"/>
-                <a:ea typeface="ＭＳ Ｐゴシック" charset="0"/>
-              </a:rPr>
-              <a:t>Invoke</a:t>
-            </a:r>
-            <a:r>
-              <a:rPr lang="en-US" sz="2800" kern="1200" dirty="0">
-                <a:solidFill>
-                  <a:schemeClr val="tx2">
-                    <a:lumMod val="90000"/>
-                  </a:schemeClr>
-                </a:solidFill>
-                <a:latin typeface="FreightSans Pro Book" panose="02000606030000020004" pitchFamily="2" charset="0"/>
-                <a:ea typeface="ＭＳ Ｐゴシック" charset="0"/>
-              </a:rPr>
-              <a:t> </a:t>
-            </a:r>
-            <a:r>
-              <a:rPr lang="en-US" sz="2800" kern="1200" dirty="0">
-                <a:latin typeface="FreightSans Pro Book" panose="02000606030000020004" pitchFamily="2" charset="0"/>
-                <a:ea typeface="ＭＳ Ｐゴシック" charset="0"/>
-              </a:rPr>
-              <a:t>the function (recursively) on each part, and</a:t>
-            </a:r>
-            <a:endParaRPr lang="en-US" sz="2800" kern="1200" dirty="0">
-              <a:solidFill>
-                <a:schemeClr val="tx2">
-                  <a:lumMod val="90000"/>
-                </a:schemeClr>
-              </a:solidFill>
-              <a:latin typeface="FreightSans Pro Book" panose="02000606030000020004" pitchFamily="2" charset="0"/>
-              <a:ea typeface="ＭＳ Ｐゴシック" charset="0"/>
-            </a:endParaRPr>
-          </a:p>
-          <a:p>
-            <a:pPr marL="1194376" lvl="2" indent="-274307">
-              <a:lnSpc>
-                <a:spcPct val="100000"/>
-              </a:lnSpc>
-              <a:spcBef>
-                <a:spcPct val="20000"/>
-              </a:spcBef>
-              <a:buSzTx/>
-              <a:buFont typeface="Wingdings 2" pitchFamily="-65" charset="2"/>
-              <a:buChar char=""/>
-              <a:defRPr/>
-            </a:pPr>
-            <a:r>
-              <a:rPr lang="en-US" sz="2800" kern="1200" dirty="0">
-                <a:solidFill>
-                  <a:schemeClr val="accent2">
-                    <a:lumMod val="75000"/>
-                  </a:schemeClr>
-                </a:solidFill>
-                <a:latin typeface="FreightSans Pro Book" panose="02000606030000020004" pitchFamily="2" charset="0"/>
-                <a:ea typeface="ＭＳ Ｐゴシック" charset="0"/>
-              </a:rPr>
-              <a:t>Combine</a:t>
-            </a:r>
-            <a:r>
-              <a:rPr lang="en-US" sz="2800" kern="1200" dirty="0">
-                <a:solidFill>
-                  <a:schemeClr val="tx2">
-                    <a:lumMod val="90000"/>
-                  </a:schemeClr>
-                </a:solidFill>
-                <a:latin typeface="FreightSans Pro Book" panose="02000606030000020004" pitchFamily="2" charset="0"/>
-                <a:ea typeface="ＭＳ Ｐゴシック" charset="0"/>
-              </a:rPr>
-              <a:t> </a:t>
-            </a:r>
-            <a:r>
-              <a:rPr lang="en-US" sz="2800" kern="1200" dirty="0">
-                <a:latin typeface="FreightSans Pro Book" panose="02000606030000020004" pitchFamily="2" charset="0"/>
-                <a:ea typeface="ＭＳ Ｐゴシック" charset="0"/>
-              </a:rPr>
-              <a:t>the solutions of the parts into a solution for the problem.</a:t>
-            </a:r>
-          </a:p>
-          <a:p>
-            <a:endParaRPr lang="en-US" sz="3200" dirty="0">
-              <a:latin typeface="FreightSans Pro Book" panose="02000606030000020004" pitchFamily="2" charset="0"/>
-            </a:endParaRPr>
+            <a:r>
+              <a:rPr lang="en-US" sz="2800" dirty="0">
+                <a:latin typeface="Source Code Pro" panose="020B0509030403020204" pitchFamily="49" charset="0"/>
+                <a:cs typeface="Courier New"/>
+              </a:rPr>
+              <a:t>	return s </a:t>
+            </a:r>
           </a:p>
         </p:txBody>
       </p:sp>
     </p:spTree>
     <p:extLst>
       <p:ext uri="{BB962C8B-B14F-4D97-AF65-F5344CB8AC3E}">
-        <p14:creationId xmlns:p14="http://schemas.microsoft.com/office/powerpoint/2010/main" val="4049412847"/>
+        <p14:creationId xmlns:p14="http://schemas.microsoft.com/office/powerpoint/2010/main" val="2438259835"/>
       </p:ext>
     </p:extLst>
   </p:cSld>
@@ -16083,44 +14980,14 @@
       </p:sp>
       <p:sp>
         <p:nvSpPr>
-          <p:cNvPr id="13" name="Content Placeholder 2"/>
-          <p:cNvSpPr>
-            <a:spLocks noGrp="1"/>
-          </p:cNvSpPr>
-          <p:nvPr>
-            <p:ph idx="1"/>
-          </p:nvPr>
-        </p:nvSpPr>
-        <p:spPr>
-          <a:xfrm>
-            <a:off x="2209800" y="2060944"/>
-            <a:ext cx="1752600" cy="381000"/>
-          </a:xfrm>
-        </p:spPr>
-        <p:txBody>
-          <a:bodyPr/>
-          <a:lstStyle/>
-          <a:p>
-            <a:pPr marL="0" indent="0">
-              <a:buNone/>
-            </a:pPr>
-            <a:r>
-              <a:rPr lang="en-US" sz="2800" dirty="0"/>
-              <a:t>For loop:</a:t>
-            </a:r>
-          </a:p>
-        </p:txBody>
-      </p:sp>
-      <p:sp>
-        <p:nvSpPr>
-          <p:cNvPr id="10" name="Rectangle 9"/>
+          <p:cNvPr id="9" name="Rectangle 8"/>
           <p:cNvSpPr/>
           <p:nvPr/>
         </p:nvSpPr>
         <p:spPr>
           <a:xfrm>
-            <a:off x="3947338" y="2635816"/>
-            <a:ext cx="6453963" cy="2246769"/>
+            <a:off x="4267200" y="2651343"/>
+            <a:ext cx="6400800" cy="3108544"/>
           </a:xfrm>
           <a:prstGeom prst="rect">
             <a:avLst/>
@@ -16132,6 +14999,7 @@
           </a:bodyPr>
           <a:lstStyle/>
           <a:p>
+            <a:pPr lvl="1"/>
             <a:r>
               <a:rPr lang="en-US" sz="2800" dirty="0" err="1">
                 <a:latin typeface="Source Code Pro" panose="020B0509030403020204" pitchFamily="49" charset="0"/>
@@ -16148,6 +15016,7 @@
             </a:r>
           </a:p>
           <a:p>
+            <a:pPr lvl="1"/>
             <a:r>
               <a:rPr lang="en-US" sz="2800" dirty="0">
                 <a:latin typeface="Source Code Pro" panose="020B0509030403020204" pitchFamily="49" charset="0"/>
@@ -16157,12 +15026,13 @@
             </a:r>
           </a:p>
           <a:p>
+            <a:pPr lvl="1"/>
             <a:r>
               <a:rPr lang="en-US" sz="2800" dirty="0">
                 <a:latin typeface="Source Code Pro" panose="020B0509030403020204" pitchFamily="49" charset="0"/>
                 <a:cs typeface="Courier New"/>
               </a:rPr>
-              <a:t>	for </a:t>
+              <a:t>	</a:t>
             </a:r>
             <a:r>
               <a:rPr lang="en-US" sz="2800" dirty="0" err="1">
@@ -16176,10 +15046,59 @@
                 <a:latin typeface="Source Code Pro" panose="020B0509030403020204" pitchFamily="49" charset="0"/>
                 <a:cs typeface="Courier New"/>
               </a:rPr>
-              <a:t> in range(0,n+1):</a:t>
-            </a:r>
-          </a:p>
-          <a:p>
+              <a:t>=0</a:t>
+            </a:r>
+          </a:p>
+          <a:p>
+            <a:pPr lvl="1"/>
+            <a:r>
+              <a:rPr lang="en-US" sz="2800" dirty="0">
+                <a:latin typeface="Source Code Pro" panose="020B0509030403020204" pitchFamily="49" charset="0"/>
+                <a:cs typeface="Courier New"/>
+              </a:rPr>
+              <a:t>	while </a:t>
+            </a:r>
+            <a:r>
+              <a:rPr lang="en-US" sz="2800" dirty="0" err="1">
+                <a:latin typeface="Source Code Pro" panose="020B0509030403020204" pitchFamily="49" charset="0"/>
+                <a:cs typeface="Courier New"/>
+              </a:rPr>
+              <a:t>i</a:t>
+            </a:r>
+            <a:r>
+              <a:rPr lang="en-US" sz="2800" dirty="0">
+                <a:latin typeface="Source Code Pro" panose="020B0509030403020204" pitchFamily="49" charset="0"/>
+                <a:cs typeface="Courier New"/>
+              </a:rPr>
+              <a:t>&lt;n:</a:t>
+            </a:r>
+          </a:p>
+          <a:p>
+            <a:pPr lvl="1"/>
+            <a:r>
+              <a:rPr lang="en-US" sz="2800" dirty="0">
+                <a:latin typeface="Source Code Pro" panose="020B0509030403020204" pitchFamily="49" charset="0"/>
+                <a:cs typeface="Courier New"/>
+              </a:rPr>
+              <a:t>		</a:t>
+            </a:r>
+            <a:r>
+              <a:rPr lang="en-US" sz="2800" dirty="0" err="1">
+                <a:latin typeface="Source Code Pro" panose="020B0509030403020204" pitchFamily="49" charset="0"/>
+                <a:cs typeface="Courier New"/>
+              </a:rPr>
+              <a:t>i</a:t>
+            </a:r>
+            <a:r>
+              <a:rPr lang="en-US" sz="2800" dirty="0">
+                <a:latin typeface="Source Code Pro" panose="020B0509030403020204" pitchFamily="49" charset="0"/>
+                <a:cs typeface="Courier New"/>
+              </a:rPr>
+              <a:t>=i+1</a:t>
+            </a:r>
+          </a:p>
+          <a:p>
+            <a:pPr lvl="1"/>
             <a:r>
               <a:rPr lang="en-US" sz="2800" dirty="0">
                 <a:latin typeface="Source Code Pro" panose="020B0509030403020204" pitchFamily="49" charset="0"/>
@@ -16200,12 +15119,258 @@
             </a:endParaRPr>
           </a:p>
           <a:p>
+            <a:pPr lvl="1"/>
             <a:r>
               <a:rPr lang="en-US" sz="2800" dirty="0">
                 <a:latin typeface="Source Code Pro" panose="020B0509030403020204" pitchFamily="49" charset="0"/>
                 <a:cs typeface="Courier New"/>
               </a:rPr>
               <a:t>	return s </a:t>
+            </a:r>
+          </a:p>
+        </p:txBody>
+      </p:sp>
+      <p:sp>
+        <p:nvSpPr>
+          <p:cNvPr id="14" name="Content Placeholder 2"/>
+          <p:cNvSpPr txBox="1">
+            <a:spLocks/>
+          </p:cNvSpPr>
+          <p:nvPr/>
+        </p:nvSpPr>
+        <p:spPr bwMode="auto">
+          <a:xfrm>
+            <a:off x="2209800" y="2194143"/>
+            <a:ext cx="2514600" cy="457200"/>
+          </a:xfrm>
+          <a:prstGeom prst="rect">
+            <a:avLst/>
+          </a:prstGeom>
+          <a:noFill/>
+          <a:ln>
+            <a:noFill/>
+          </a:ln>
+          <a:extLst>
+            <a:ext uri="{909E8E84-426E-40dd-AFC4-6F175D3DCCD1}">
+              <a14:hiddenFill xmlns:a14="http://schemas.microsoft.com/office/drawing/2010/main" xmlns="">
+                <a:solidFill>
+                  <a:srgbClr val="FFFFFF"/>
+                </a:solidFill>
+              </a14:hiddenFill>
+            </a:ext>
+            <a:ext uri="{91240B29-F687-4f45-9708-019B960494DF}">
+              <a14:hiddenLine xmlns:a14="http://schemas.microsoft.com/office/drawing/2010/main" xmlns="" w="9525">
+                <a:solidFill>
+                  <a:srgbClr val="000000"/>
+                </a:solidFill>
+                <a:miter lim="800000"/>
+                <a:headEnd/>
+                <a:tailEnd/>
+              </a14:hiddenLine>
+            </a:ext>
+            <a:ext uri="{FAA26D3D-D897-4be2-8F04-BA451C77F1D7}">
+              <ma14:placeholderFlag xmlns:ma14="http://schemas.microsoft.com/office/mac/drawingml/2011/main" xmlns="" val="1"/>
+            </a:ext>
+          </a:extLst>
+        </p:spPr>
+        <p:txBody>
+          <a:bodyPr vert="horz" wrap="square" lIns="92075" tIns="46038" rIns="92075" bIns="46038" numCol="1" anchor="t" anchorCtr="0" compatLnSpc="1">
+            <a:prstTxWarp prst="textNoShape">
+              <a:avLst/>
+            </a:prstTxWarp>
+          </a:bodyPr>
+          <a:lstStyle>
+            <a:lvl1pPr marL="285750" indent="-285750" algn="l" rtl="0" eaLnBrk="1" fontAlgn="base" hangingPunct="1">
+              <a:lnSpc>
+                <a:spcPct val="90000"/>
+              </a:lnSpc>
+              <a:spcBef>
+                <a:spcPct val="30000"/>
+              </a:spcBef>
+              <a:spcAft>
+                <a:spcPct val="0"/>
+              </a:spcAft>
+              <a:buSzPct val="100000"/>
+              <a:buChar char="•"/>
+              <a:defRPr sz="2400" b="1">
+                <a:solidFill>
+                  <a:schemeClr val="tx1"/>
+                </a:solidFill>
+                <a:latin typeface="+mn-lt"/>
+                <a:ea typeface="ＭＳ Ｐゴシック" charset="-128"/>
+                <a:cs typeface="ＭＳ Ｐゴシック" charset="-128"/>
+              </a:defRPr>
+            </a:lvl1pPr>
+            <a:lvl2pPr marL="685800" indent="-228600" algn="l" rtl="0" eaLnBrk="1" fontAlgn="base" hangingPunct="1">
+              <a:lnSpc>
+                <a:spcPct val="90000"/>
+              </a:lnSpc>
+              <a:spcBef>
+                <a:spcPct val="30000"/>
+              </a:spcBef>
+              <a:spcAft>
+                <a:spcPct val="0"/>
+              </a:spcAft>
+              <a:buSzPct val="100000"/>
+              <a:buChar char="–"/>
+              <a:defRPr b="1">
+                <a:solidFill>
+                  <a:schemeClr val="tx1"/>
+                </a:solidFill>
+                <a:latin typeface="+mn-lt"/>
+                <a:ea typeface="ＭＳ Ｐゴシック" charset="-128"/>
+              </a:defRPr>
+            </a:lvl2pPr>
+            <a:lvl3pPr marL="1143000" indent="-228600" algn="l" rtl="0" eaLnBrk="1" fontAlgn="base" hangingPunct="1">
+              <a:lnSpc>
+                <a:spcPct val="90000"/>
+              </a:lnSpc>
+              <a:spcBef>
+                <a:spcPct val="30000"/>
+              </a:spcBef>
+              <a:spcAft>
+                <a:spcPct val="0"/>
+              </a:spcAft>
+              <a:buSzPct val="100000"/>
+              <a:buChar char="»"/>
+              <a:defRPr b="1">
+                <a:solidFill>
+                  <a:schemeClr val="tx1"/>
+                </a:solidFill>
+                <a:latin typeface="+mn-lt"/>
+                <a:ea typeface="ＭＳ Ｐゴシック" charset="-128"/>
+              </a:defRPr>
+            </a:lvl3pPr>
+            <a:lvl4pPr marL="1543050" indent="-171450" algn="l" rtl="0" eaLnBrk="1" fontAlgn="base" hangingPunct="1">
+              <a:lnSpc>
+                <a:spcPct val="90000"/>
+              </a:lnSpc>
+              <a:spcBef>
+                <a:spcPct val="30000"/>
+              </a:spcBef>
+              <a:spcAft>
+                <a:spcPct val="0"/>
+              </a:spcAft>
+              <a:buSzPct val="100000"/>
+              <a:buChar char="•"/>
+              <a:defRPr sz="1400" b="1">
+                <a:solidFill>
+                  <a:schemeClr val="tx1"/>
+                </a:solidFill>
+                <a:latin typeface="+mn-lt"/>
+                <a:ea typeface="ＭＳ Ｐゴシック" charset="-128"/>
+              </a:defRPr>
+            </a:lvl4pPr>
+            <a:lvl5pPr marL="2000250" indent="-171450" algn="l" rtl="0" eaLnBrk="1" fontAlgn="base" hangingPunct="1">
+              <a:lnSpc>
+                <a:spcPct val="90000"/>
+              </a:lnSpc>
+              <a:spcBef>
+                <a:spcPct val="30000"/>
+              </a:spcBef>
+              <a:spcAft>
+                <a:spcPct val="0"/>
+              </a:spcAft>
+              <a:buSzPct val="100000"/>
+              <a:buChar char="–"/>
+              <a:defRPr sz="1400" b="1">
+                <a:solidFill>
+                  <a:schemeClr val="tx1"/>
+                </a:solidFill>
+                <a:latin typeface="+mn-lt"/>
+                <a:ea typeface="ＭＳ Ｐゴシック" charset="-128"/>
+              </a:defRPr>
+            </a:lvl5pPr>
+            <a:lvl6pPr marL="2457450" indent="-171450" algn="l" rtl="0" eaLnBrk="1" fontAlgn="base" hangingPunct="1">
+              <a:lnSpc>
+                <a:spcPct val="90000"/>
+              </a:lnSpc>
+              <a:spcBef>
+                <a:spcPct val="30000"/>
+              </a:spcBef>
+              <a:spcAft>
+                <a:spcPct val="0"/>
+              </a:spcAft>
+              <a:buSzPct val="100000"/>
+              <a:buChar char="–"/>
+              <a:defRPr sz="1400" b="1">
+                <a:solidFill>
+                  <a:schemeClr val="tx1"/>
+                </a:solidFill>
+                <a:latin typeface="+mn-lt"/>
+                <a:ea typeface="ＭＳ Ｐゴシック" charset="-128"/>
+              </a:defRPr>
+            </a:lvl6pPr>
+            <a:lvl7pPr marL="2914650" indent="-171450" algn="l" rtl="0" eaLnBrk="1" fontAlgn="base" hangingPunct="1">
+              <a:lnSpc>
+                <a:spcPct val="90000"/>
+              </a:lnSpc>
+              <a:spcBef>
+                <a:spcPct val="30000"/>
+              </a:spcBef>
+              <a:spcAft>
+                <a:spcPct val="0"/>
+              </a:spcAft>
+              <a:buSzPct val="100000"/>
+              <a:buChar char="–"/>
+              <a:defRPr sz="1400" b="1">
+                <a:solidFill>
+                  <a:schemeClr val="tx1"/>
+                </a:solidFill>
+                <a:latin typeface="+mn-lt"/>
+                <a:ea typeface="ＭＳ Ｐゴシック" charset="-128"/>
+              </a:defRPr>
+            </a:lvl7pPr>
+            <a:lvl8pPr marL="3371850" indent="-171450" algn="l" rtl="0" eaLnBrk="1" fontAlgn="base" hangingPunct="1">
+              <a:lnSpc>
+                <a:spcPct val="90000"/>
+              </a:lnSpc>
+              <a:spcBef>
+                <a:spcPct val="30000"/>
+              </a:spcBef>
+              <a:spcAft>
+                <a:spcPct val="0"/>
+              </a:spcAft>
+              <a:buSzPct val="100000"/>
+              <a:buChar char="–"/>
+              <a:defRPr sz="1400" b="1">
+                <a:solidFill>
+                  <a:schemeClr val="tx1"/>
+                </a:solidFill>
+                <a:latin typeface="+mn-lt"/>
+                <a:ea typeface="ＭＳ Ｐゴシック" charset="-128"/>
+              </a:defRPr>
+            </a:lvl8pPr>
+            <a:lvl9pPr marL="3829050" indent="-171450" algn="l" rtl="0" eaLnBrk="1" fontAlgn="base" hangingPunct="1">
+              <a:lnSpc>
+                <a:spcPct val="90000"/>
+              </a:lnSpc>
+              <a:spcBef>
+                <a:spcPct val="30000"/>
+              </a:spcBef>
+              <a:spcAft>
+                <a:spcPct val="0"/>
+              </a:spcAft>
+              <a:buSzPct val="100000"/>
+              <a:buChar char="–"/>
+              <a:defRPr sz="1400" b="1">
+                <a:solidFill>
+                  <a:schemeClr val="tx1"/>
+                </a:solidFill>
+                <a:latin typeface="+mn-lt"/>
+                <a:ea typeface="ＭＳ Ｐゴシック" charset="-128"/>
+              </a:defRPr>
+            </a:lvl9pPr>
+          </a:lstStyle>
+          <a:p>
+            <a:pPr marL="0" indent="0">
+              <a:buNone/>
+            </a:pPr>
+            <a:r>
+              <a:rPr lang="en-US" sz="2800" b="0" dirty="0">
+                <a:latin typeface="FreightSans Pro Light" panose="02000606030000020004" pitchFamily="2" charset="0"/>
+              </a:rPr>
+              <a:t>While loop:</a:t>
             </a:r>
           </a:p>
         </p:txBody>
@@ -16213,7 +15378,7 @@
     </p:spTree>
     <p:extLst>
       <p:ext uri="{BB962C8B-B14F-4D97-AF65-F5344CB8AC3E}">
-        <p14:creationId xmlns:p14="http://schemas.microsoft.com/office/powerpoint/2010/main" val="2438259835"/>
+        <p14:creationId xmlns:p14="http://schemas.microsoft.com/office/powerpoint/2010/main" val="4074323750"/>
       </p:ext>
     </p:extLst>
   </p:cSld>
@@ -16264,455 +15429,6 @@
       </p:sp>
       <p:sp>
         <p:nvSpPr>
-          <p:cNvPr id="9" name="Rectangle 8"/>
-          <p:cNvSpPr/>
-          <p:nvPr/>
-        </p:nvSpPr>
-        <p:spPr>
-          <a:xfrm>
-            <a:off x="4267200" y="2651343"/>
-            <a:ext cx="6400800" cy="3108544"/>
-          </a:xfrm>
-          <a:prstGeom prst="rect">
-            <a:avLst/>
-          </a:prstGeom>
-        </p:spPr>
-        <p:txBody>
-          <a:bodyPr wrap="square">
-            <a:spAutoFit/>
-          </a:bodyPr>
-          <a:lstStyle/>
-          <a:p>
-            <a:pPr lvl="1"/>
-            <a:r>
-              <a:rPr lang="en-US" sz="2800" dirty="0" err="1">
-                <a:latin typeface="Source Code Pro" panose="020B0509030403020204" pitchFamily="49" charset="0"/>
-                <a:cs typeface="Courier New"/>
-              </a:rPr>
-              <a:t>def</a:t>
-            </a:r>
-            <a:r>
-              <a:rPr lang="en-US" sz="2800" dirty="0">
-                <a:latin typeface="Source Code Pro" panose="020B0509030403020204" pitchFamily="49" charset="0"/>
-                <a:cs typeface="Courier New"/>
-              </a:rPr>
-              <a:t> sum(n):</a:t>
-            </a:r>
-          </a:p>
-          <a:p>
-            <a:pPr lvl="1"/>
-            <a:r>
-              <a:rPr lang="en-US" sz="2800" dirty="0">
-                <a:latin typeface="Source Code Pro" panose="020B0509030403020204" pitchFamily="49" charset="0"/>
-                <a:cs typeface="Courier New"/>
-              </a:rPr>
-              <a:t>	s=0</a:t>
-            </a:r>
-          </a:p>
-          <a:p>
-            <a:pPr lvl="1"/>
-            <a:r>
-              <a:rPr lang="en-US" sz="2800" dirty="0">
-                <a:latin typeface="Source Code Pro" panose="020B0509030403020204" pitchFamily="49" charset="0"/>
-                <a:cs typeface="Courier New"/>
-              </a:rPr>
-              <a:t>	</a:t>
-            </a:r>
-            <a:r>
-              <a:rPr lang="en-US" sz="2800" dirty="0" err="1">
-                <a:latin typeface="Source Code Pro" panose="020B0509030403020204" pitchFamily="49" charset="0"/>
-                <a:cs typeface="Courier New"/>
-              </a:rPr>
-              <a:t>i</a:t>
-            </a:r>
-            <a:r>
-              <a:rPr lang="en-US" sz="2800" dirty="0">
-                <a:latin typeface="Source Code Pro" panose="020B0509030403020204" pitchFamily="49" charset="0"/>
-                <a:cs typeface="Courier New"/>
-              </a:rPr>
-              <a:t>=0</a:t>
-            </a:r>
-          </a:p>
-          <a:p>
-            <a:pPr lvl="1"/>
-            <a:r>
-              <a:rPr lang="en-US" sz="2800" dirty="0">
-                <a:latin typeface="Source Code Pro" panose="020B0509030403020204" pitchFamily="49" charset="0"/>
-                <a:cs typeface="Courier New"/>
-              </a:rPr>
-              <a:t>	while </a:t>
-            </a:r>
-            <a:r>
-              <a:rPr lang="en-US" sz="2800" dirty="0" err="1">
-                <a:latin typeface="Source Code Pro" panose="020B0509030403020204" pitchFamily="49" charset="0"/>
-                <a:cs typeface="Courier New"/>
-              </a:rPr>
-              <a:t>i</a:t>
-            </a:r>
-            <a:r>
-              <a:rPr lang="en-US" sz="2800" dirty="0">
-                <a:latin typeface="Source Code Pro" panose="020B0509030403020204" pitchFamily="49" charset="0"/>
-                <a:cs typeface="Courier New"/>
-              </a:rPr>
-              <a:t>&lt;n:</a:t>
-            </a:r>
-          </a:p>
-          <a:p>
-            <a:pPr lvl="1"/>
-            <a:r>
-              <a:rPr lang="en-US" sz="2800" dirty="0">
-                <a:latin typeface="Source Code Pro" panose="020B0509030403020204" pitchFamily="49" charset="0"/>
-                <a:cs typeface="Courier New"/>
-              </a:rPr>
-              <a:t>		</a:t>
-            </a:r>
-            <a:r>
-              <a:rPr lang="en-US" sz="2800" dirty="0" err="1">
-                <a:latin typeface="Source Code Pro" panose="020B0509030403020204" pitchFamily="49" charset="0"/>
-                <a:cs typeface="Courier New"/>
-              </a:rPr>
-              <a:t>i</a:t>
-            </a:r>
-            <a:r>
-              <a:rPr lang="en-US" sz="2800" dirty="0">
-                <a:latin typeface="Source Code Pro" panose="020B0509030403020204" pitchFamily="49" charset="0"/>
-                <a:cs typeface="Courier New"/>
-              </a:rPr>
-              <a:t>=i+1</a:t>
-            </a:r>
-          </a:p>
-          <a:p>
-            <a:pPr lvl="1"/>
-            <a:r>
-              <a:rPr lang="en-US" sz="2800" dirty="0">
-                <a:latin typeface="Source Code Pro" panose="020B0509030403020204" pitchFamily="49" charset="0"/>
-                <a:cs typeface="Courier New"/>
-              </a:rPr>
-              <a:t>		s=</a:t>
-            </a:r>
-            <a:r>
-              <a:rPr lang="en-US" sz="2800" dirty="0" err="1">
-                <a:latin typeface="Source Code Pro" panose="020B0509030403020204" pitchFamily="49" charset="0"/>
-                <a:cs typeface="Courier New"/>
-              </a:rPr>
-              <a:t>s+i</a:t>
-            </a:r>
-            <a:endParaRPr lang="en-US" sz="2800" dirty="0">
-              <a:latin typeface="Source Code Pro" panose="020B0509030403020204" pitchFamily="49" charset="0"/>
-              <a:cs typeface="Courier New"/>
-            </a:endParaRPr>
-          </a:p>
-          <a:p>
-            <a:pPr lvl="1"/>
-            <a:r>
-              <a:rPr lang="en-US" sz="2800" dirty="0">
-                <a:latin typeface="Source Code Pro" panose="020B0509030403020204" pitchFamily="49" charset="0"/>
-                <a:cs typeface="Courier New"/>
-              </a:rPr>
-              <a:t>	return s </a:t>
-            </a:r>
-          </a:p>
-        </p:txBody>
-      </p:sp>
-      <p:sp>
-        <p:nvSpPr>
-          <p:cNvPr id="14" name="Content Placeholder 2"/>
-          <p:cNvSpPr txBox="1">
-            <a:spLocks/>
-          </p:cNvSpPr>
-          <p:nvPr/>
-        </p:nvSpPr>
-        <p:spPr bwMode="auto">
-          <a:xfrm>
-            <a:off x="2209800" y="2194143"/>
-            <a:ext cx="2514600" cy="457200"/>
-          </a:xfrm>
-          <a:prstGeom prst="rect">
-            <a:avLst/>
-          </a:prstGeom>
-          <a:noFill/>
-          <a:ln>
-            <a:noFill/>
-          </a:ln>
-          <a:extLst>
-            <a:ext uri="{909E8E84-426E-40dd-AFC4-6F175D3DCCD1}">
-              <a14:hiddenFill xmlns="" xmlns:a14="http://schemas.microsoft.com/office/drawing/2010/main">
-                <a:solidFill>
-                  <a:srgbClr val="FFFFFF"/>
-                </a:solidFill>
-              </a14:hiddenFill>
-            </a:ext>
-            <a:ext uri="{91240B29-F687-4f45-9708-019B960494DF}">
-              <a14:hiddenLine xmlns="" xmlns:a14="http://schemas.microsoft.com/office/drawing/2010/main" w="9525">
-                <a:solidFill>
-                  <a:srgbClr val="000000"/>
-                </a:solidFill>
-                <a:miter lim="800000"/>
-                <a:headEnd/>
-                <a:tailEnd/>
-              </a14:hiddenLine>
-            </a:ext>
-            <a:ext uri="{FAA26D3D-D897-4be2-8F04-BA451C77F1D7}">
-              <ma14:placeholderFlag xmlns="" xmlns:ma14="http://schemas.microsoft.com/office/mac/drawingml/2011/main" val="1"/>
-            </a:ext>
-          </a:extLst>
-        </p:spPr>
-        <p:txBody>
-          <a:bodyPr vert="horz" wrap="square" lIns="92075" tIns="46038" rIns="92075" bIns="46038" numCol="1" anchor="t" anchorCtr="0" compatLnSpc="1">
-            <a:prstTxWarp prst="textNoShape">
-              <a:avLst/>
-            </a:prstTxWarp>
-          </a:bodyPr>
-          <a:lstStyle>
-            <a:lvl1pPr marL="285750" indent="-285750" algn="l" rtl="0" eaLnBrk="1" fontAlgn="base" hangingPunct="1">
-              <a:lnSpc>
-                <a:spcPct val="90000"/>
-              </a:lnSpc>
-              <a:spcBef>
-                <a:spcPct val="30000"/>
-              </a:spcBef>
-              <a:spcAft>
-                <a:spcPct val="0"/>
-              </a:spcAft>
-              <a:buSzPct val="100000"/>
-              <a:buChar char="•"/>
-              <a:defRPr sz="2400" b="1">
-                <a:solidFill>
-                  <a:schemeClr val="tx1"/>
-                </a:solidFill>
-                <a:latin typeface="+mn-lt"/>
-                <a:ea typeface="ＭＳ Ｐゴシック" charset="-128"/>
-                <a:cs typeface="ＭＳ Ｐゴシック" charset="-128"/>
-              </a:defRPr>
-            </a:lvl1pPr>
-            <a:lvl2pPr marL="685800" indent="-228600" algn="l" rtl="0" eaLnBrk="1" fontAlgn="base" hangingPunct="1">
-              <a:lnSpc>
-                <a:spcPct val="90000"/>
-              </a:lnSpc>
-              <a:spcBef>
-                <a:spcPct val="30000"/>
-              </a:spcBef>
-              <a:spcAft>
-                <a:spcPct val="0"/>
-              </a:spcAft>
-              <a:buSzPct val="100000"/>
-              <a:buChar char="–"/>
-              <a:defRPr b="1">
-                <a:solidFill>
-                  <a:schemeClr val="tx1"/>
-                </a:solidFill>
-                <a:latin typeface="+mn-lt"/>
-                <a:ea typeface="ＭＳ Ｐゴシック" charset="-128"/>
-              </a:defRPr>
-            </a:lvl2pPr>
-            <a:lvl3pPr marL="1143000" indent="-228600" algn="l" rtl="0" eaLnBrk="1" fontAlgn="base" hangingPunct="1">
-              <a:lnSpc>
-                <a:spcPct val="90000"/>
-              </a:lnSpc>
-              <a:spcBef>
-                <a:spcPct val="30000"/>
-              </a:spcBef>
-              <a:spcAft>
-                <a:spcPct val="0"/>
-              </a:spcAft>
-              <a:buSzPct val="100000"/>
-              <a:buChar char="»"/>
-              <a:defRPr b="1">
-                <a:solidFill>
-                  <a:schemeClr val="tx1"/>
-                </a:solidFill>
-                <a:latin typeface="+mn-lt"/>
-                <a:ea typeface="ＭＳ Ｐゴシック" charset="-128"/>
-              </a:defRPr>
-            </a:lvl3pPr>
-            <a:lvl4pPr marL="1543050" indent="-171450" algn="l" rtl="0" eaLnBrk="1" fontAlgn="base" hangingPunct="1">
-              <a:lnSpc>
-                <a:spcPct val="90000"/>
-              </a:lnSpc>
-              <a:spcBef>
-                <a:spcPct val="30000"/>
-              </a:spcBef>
-              <a:spcAft>
-                <a:spcPct val="0"/>
-              </a:spcAft>
-              <a:buSzPct val="100000"/>
-              <a:buChar char="•"/>
-              <a:defRPr sz="1400" b="1">
-                <a:solidFill>
-                  <a:schemeClr val="tx1"/>
-                </a:solidFill>
-                <a:latin typeface="+mn-lt"/>
-                <a:ea typeface="ＭＳ Ｐゴシック" charset="-128"/>
-              </a:defRPr>
-            </a:lvl4pPr>
-            <a:lvl5pPr marL="2000250" indent="-171450" algn="l" rtl="0" eaLnBrk="1" fontAlgn="base" hangingPunct="1">
-              <a:lnSpc>
-                <a:spcPct val="90000"/>
-              </a:lnSpc>
-              <a:spcBef>
-                <a:spcPct val="30000"/>
-              </a:spcBef>
-              <a:spcAft>
-                <a:spcPct val="0"/>
-              </a:spcAft>
-              <a:buSzPct val="100000"/>
-              <a:buChar char="–"/>
-              <a:defRPr sz="1400" b="1">
-                <a:solidFill>
-                  <a:schemeClr val="tx1"/>
-                </a:solidFill>
-                <a:latin typeface="+mn-lt"/>
-                <a:ea typeface="ＭＳ Ｐゴシック" charset="-128"/>
-              </a:defRPr>
-            </a:lvl5pPr>
-            <a:lvl6pPr marL="2457450" indent="-171450" algn="l" rtl="0" eaLnBrk="1" fontAlgn="base" hangingPunct="1">
-              <a:lnSpc>
-                <a:spcPct val="90000"/>
-              </a:lnSpc>
-              <a:spcBef>
-                <a:spcPct val="30000"/>
-              </a:spcBef>
-              <a:spcAft>
-                <a:spcPct val="0"/>
-              </a:spcAft>
-              <a:buSzPct val="100000"/>
-              <a:buChar char="–"/>
-              <a:defRPr sz="1400" b="1">
-                <a:solidFill>
-                  <a:schemeClr val="tx1"/>
-                </a:solidFill>
-                <a:latin typeface="+mn-lt"/>
-                <a:ea typeface="ＭＳ Ｐゴシック" charset="-128"/>
-              </a:defRPr>
-            </a:lvl6pPr>
-            <a:lvl7pPr marL="2914650" indent="-171450" algn="l" rtl="0" eaLnBrk="1" fontAlgn="base" hangingPunct="1">
-              <a:lnSpc>
-                <a:spcPct val="90000"/>
-              </a:lnSpc>
-              <a:spcBef>
-                <a:spcPct val="30000"/>
-              </a:spcBef>
-              <a:spcAft>
-                <a:spcPct val="0"/>
-              </a:spcAft>
-              <a:buSzPct val="100000"/>
-              <a:buChar char="–"/>
-              <a:defRPr sz="1400" b="1">
-                <a:solidFill>
-                  <a:schemeClr val="tx1"/>
-                </a:solidFill>
-                <a:latin typeface="+mn-lt"/>
-                <a:ea typeface="ＭＳ Ｐゴシック" charset="-128"/>
-              </a:defRPr>
-            </a:lvl7pPr>
-            <a:lvl8pPr marL="3371850" indent="-171450" algn="l" rtl="0" eaLnBrk="1" fontAlgn="base" hangingPunct="1">
-              <a:lnSpc>
-                <a:spcPct val="90000"/>
-              </a:lnSpc>
-              <a:spcBef>
-                <a:spcPct val="30000"/>
-              </a:spcBef>
-              <a:spcAft>
-                <a:spcPct val="0"/>
-              </a:spcAft>
-              <a:buSzPct val="100000"/>
-              <a:buChar char="–"/>
-              <a:defRPr sz="1400" b="1">
-                <a:solidFill>
-                  <a:schemeClr val="tx1"/>
-                </a:solidFill>
-                <a:latin typeface="+mn-lt"/>
-                <a:ea typeface="ＭＳ Ｐゴシック" charset="-128"/>
-              </a:defRPr>
-            </a:lvl8pPr>
-            <a:lvl9pPr marL="3829050" indent="-171450" algn="l" rtl="0" eaLnBrk="1" fontAlgn="base" hangingPunct="1">
-              <a:lnSpc>
-                <a:spcPct val="90000"/>
-              </a:lnSpc>
-              <a:spcBef>
-                <a:spcPct val="30000"/>
-              </a:spcBef>
-              <a:spcAft>
-                <a:spcPct val="0"/>
-              </a:spcAft>
-              <a:buSzPct val="100000"/>
-              <a:buChar char="–"/>
-              <a:defRPr sz="1400" b="1">
-                <a:solidFill>
-                  <a:schemeClr val="tx1"/>
-                </a:solidFill>
-                <a:latin typeface="+mn-lt"/>
-                <a:ea typeface="ＭＳ Ｐゴシック" charset="-128"/>
-              </a:defRPr>
-            </a:lvl9pPr>
-          </a:lstStyle>
-          <a:p>
-            <a:pPr marL="0" indent="0">
-              <a:buNone/>
-            </a:pPr>
-            <a:r>
-              <a:rPr lang="en-US" sz="2800" b="0" dirty="0">
-                <a:latin typeface="FreightSans Pro Light" panose="02000606030000020004" pitchFamily="2" charset="0"/>
-              </a:rPr>
-              <a:t>While loop:</a:t>
-            </a:r>
-          </a:p>
-        </p:txBody>
-      </p:sp>
-    </p:spTree>
-    <p:extLst>
-      <p:ext uri="{BB962C8B-B14F-4D97-AF65-F5344CB8AC3E}">
-        <p14:creationId xmlns:p14="http://schemas.microsoft.com/office/powerpoint/2010/main" val="4074323750"/>
-      </p:ext>
-    </p:extLst>
-  </p:cSld>
-  <p:clrMapOvr>
-    <a:masterClrMapping/>
-  </p:clrMapOvr>
-</p:sld>
-</file>
-
-<file path=ppt/slides/slide7.xml><?xml version="1.0" encoding="utf-8"?>
-<p:sld xmlns:a="http://schemas.openxmlformats.org/drawingml/2006/main" xmlns:r="http://schemas.openxmlformats.org/officeDocument/2006/relationships" xmlns:p="http://schemas.openxmlformats.org/presentationml/2006/main">
-  <p:cSld>
-    <p:spTree>
-      <p:nvGrpSpPr>
-        <p:cNvPr id="1" name=""/>
-        <p:cNvGrpSpPr/>
-        <p:nvPr/>
-      </p:nvGrpSpPr>
-      <p:grpSpPr>
-        <a:xfrm>
-          <a:off x="0" y="0"/>
-          <a:ext cx="0" cy="0"/>
-          <a:chOff x="0" y="0"/>
-          <a:chExt cx="0" cy="0"/>
-        </a:xfrm>
-      </p:grpSpPr>
-      <p:sp>
-        <p:nvSpPr>
-          <p:cNvPr id="2" name="Title 1"/>
-          <p:cNvSpPr>
-            <a:spLocks noGrp="1"/>
-          </p:cNvSpPr>
-          <p:nvPr>
-            <p:ph type="title"/>
-          </p:nvPr>
-        </p:nvSpPr>
-        <p:spPr/>
-        <p:txBody>
-          <a:bodyPr/>
-          <a:lstStyle/>
-          <a:p>
-            <a:r>
-              <a:rPr lang="en-US" dirty="0"/>
-              <a:t>Iteration vs Recursion: Sum Numbers</a:t>
-            </a:r>
-          </a:p>
-        </p:txBody>
-      </p:sp>
-      <p:sp>
-        <p:nvSpPr>
           <p:cNvPr id="3" name="Rectangle 2"/>
           <p:cNvSpPr/>
           <p:nvPr/>
@@ -16821,14 +15537,14 @@
           </a:ln>
           <a:extLst>
             <a:ext uri="{909E8E84-426E-40dd-AFC4-6F175D3DCCD1}">
-              <a14:hiddenFill xmlns="" xmlns:a14="http://schemas.microsoft.com/office/drawing/2010/main">
+              <a14:hiddenFill xmlns:a14="http://schemas.microsoft.com/office/drawing/2010/main" xmlns="">
                 <a:solidFill>
                   <a:srgbClr val="FFFFFF"/>
                 </a:solidFill>
               </a14:hiddenFill>
             </a:ext>
             <a:ext uri="{91240B29-F687-4f45-9708-019B960494DF}">
-              <a14:hiddenLine xmlns="" xmlns:a14="http://schemas.microsoft.com/office/drawing/2010/main" w="9525">
+              <a14:hiddenLine xmlns:a14="http://schemas.microsoft.com/office/drawing/2010/main" xmlns="" w="9525">
                 <a:solidFill>
                   <a:srgbClr val="000000"/>
                 </a:solidFill>
@@ -16838,7 +15554,7 @@
               </a14:hiddenLine>
             </a:ext>
             <a:ext uri="{FAA26D3D-D897-4be2-8F04-BA451C77F1D7}">
-              <ma14:placeholderFlag xmlns="" xmlns:ma14="http://schemas.microsoft.com/office/mac/drawingml/2011/main" val="1"/>
+              <ma14:placeholderFlag xmlns:ma14="http://schemas.microsoft.com/office/mac/drawingml/2011/main" xmlns="" val="1"/>
             </a:ext>
           </a:extLst>
         </p:spPr>
@@ -17057,7 +15773,7 @@
 </p:sld>
 </file>
 
-<file path=ppt/slides/slide8.xml><?xml version="1.0" encoding="utf-8"?>
+<file path=ppt/slides/slide7.xml><?xml version="1.0" encoding="utf-8"?>
 <p:sld xmlns:a="http://schemas.openxmlformats.org/drawingml/2006/main" xmlns:r="http://schemas.openxmlformats.org/officeDocument/2006/relationships" xmlns:p="http://schemas.openxmlformats.org/presentationml/2006/main">
   <p:cSld>
     <p:spTree>
@@ -17367,7 +16083,7 @@
               <a:pPr>
                 <a:defRPr/>
               </a:pPr>
-              <a:t>8</a:t>
+              <a:t>7</a:t>
             </a:fld>
             <a:endParaRPr lang="en-US" dirty="0"/>
           </a:p>
@@ -17488,7 +16204,7 @@
 </p:sld>
 </file>
 
-<file path=ppt/slides/slide9.xml><?xml version="1.0" encoding="utf-8"?>
+<file path=ppt/slides/slide8.xml><?xml version="1.0" encoding="utf-8"?>
 <p:sld xmlns:a="http://schemas.openxmlformats.org/drawingml/2006/main" xmlns:r="http://schemas.openxmlformats.org/officeDocument/2006/relationships" xmlns:p="http://schemas.openxmlformats.org/presentationml/2006/main">
   <p:cSld>
     <p:spTree>
@@ -17672,7 +16388,7 @@
             <a:fld id="{00000000-1234-1234-1234-123412341234}" type="slidenum">
               <a:rPr lang="en-US"/>
               <a:pPr/>
-              <a:t>9</a:t>
+              <a:t>8</a:t>
             </a:fld>
             <a:endParaRPr b="0"/>
           </a:p>
@@ -17858,6 +16574,1036 @@
   <p:clrMapOvr>
     <a:masterClrMapping/>
   </p:clrMapOvr>
+</p:sld>
+</file>
+
+<file path=ppt/slides/slide9.xml><?xml version="1.0" encoding="utf-8"?>
+<p:sld xmlns:a="http://schemas.openxmlformats.org/drawingml/2006/main" xmlns:r="http://schemas.openxmlformats.org/officeDocument/2006/relationships" xmlns:p="http://schemas.openxmlformats.org/presentationml/2006/main">
+  <p:cSld>
+    <p:spTree>
+      <p:nvGrpSpPr>
+        <p:cNvPr id="1" name="Shape 163"/>
+        <p:cNvGrpSpPr/>
+        <p:nvPr/>
+      </p:nvGrpSpPr>
+      <p:grpSpPr>
+        <a:xfrm>
+          <a:off x="0" y="0"/>
+          <a:ext cx="0" cy="0"/>
+          <a:chOff x="0" y="0"/>
+          <a:chExt cx="0" cy="0"/>
+        </a:xfrm>
+      </p:grpSpPr>
+      <p:sp>
+        <p:nvSpPr>
+          <p:cNvPr id="164" name="Google Shape;164;p19"/>
+          <p:cNvSpPr txBox="1">
+            <a:spLocks noGrp="1"/>
+          </p:cNvSpPr>
+          <p:nvPr>
+            <p:ph type="title"/>
+          </p:nvPr>
+        </p:nvSpPr>
+        <p:spPr>
+          <a:xfrm>
+            <a:off x="532508" y="178881"/>
+            <a:ext cx="7696200" cy="736600"/>
+          </a:xfrm>
+          <a:prstGeom prst="rect">
+            <a:avLst/>
+          </a:prstGeom>
+          <a:noFill/>
+          <a:ln>
+            <a:noFill/>
+          </a:ln>
+        </p:spPr>
+        <p:txBody>
+          <a:bodyPr spcFirstLastPara="1" wrap="square" lIns="92075" tIns="46025" rIns="92075" bIns="46025" anchor="ctr" anchorCtr="0">
+            <a:noAutofit/>
+          </a:bodyPr>
+          <a:lstStyle/>
+          <a:p>
+            <a:r>
+              <a:rPr lang="en-US" dirty="0"/>
+              <a:t>Recall: Iteration</a:t>
+            </a:r>
+            <a:endParaRPr dirty="0"/>
+          </a:p>
+        </p:txBody>
+      </p:sp>
+      <p:sp>
+        <p:nvSpPr>
+          <p:cNvPr id="169" name="Google Shape;169;p19"/>
+          <p:cNvSpPr/>
+          <p:nvPr/>
+        </p:nvSpPr>
+        <p:spPr>
+          <a:xfrm>
+            <a:off x="2514600" y="2064316"/>
+            <a:ext cx="6705600" cy="2246769"/>
+          </a:xfrm>
+          <a:prstGeom prst="rect">
+            <a:avLst/>
+          </a:prstGeom>
+          <a:noFill/>
+          <a:ln w="9525" cap="flat" cmpd="sng">
+            <a:solidFill>
+              <a:schemeClr val="accent1"/>
+            </a:solidFill>
+            <a:prstDash val="solid"/>
+            <a:round/>
+            <a:headEnd type="none" w="sm" len="sm"/>
+            <a:tailEnd type="none" w="sm" len="sm"/>
+          </a:ln>
+        </p:spPr>
+        <p:txBody>
+          <a:bodyPr spcFirstLastPara="1" wrap="square" lIns="91425" tIns="45700" rIns="91425" bIns="45700" anchor="t" anchorCtr="0">
+            <a:noAutofit/>
+          </a:bodyPr>
+          <a:lstStyle/>
+          <a:p>
+            <a:r>
+              <a:rPr lang="en-US" sz="2800" dirty="0">
+                <a:solidFill>
+                  <a:schemeClr val="dk1"/>
+                </a:solidFill>
+                <a:latin typeface="Source Code Pro" panose="020B0509030403020204" pitchFamily="49" charset="0"/>
+                <a:ea typeface="Source Code Pro" panose="020B0509030403020204" pitchFamily="49" charset="0"/>
+                <a:cs typeface="Courier"/>
+                <a:sym typeface="Courier"/>
+              </a:rPr>
+              <a:t>def </a:t>
+            </a:r>
+            <a:r>
+              <a:rPr lang="en-US" sz="2800" dirty="0" err="1">
+                <a:solidFill>
+                  <a:schemeClr val="dk1"/>
+                </a:solidFill>
+                <a:latin typeface="Source Code Pro" panose="020B0509030403020204" pitchFamily="49" charset="0"/>
+                <a:ea typeface="Source Code Pro" panose="020B0509030403020204" pitchFamily="49" charset="0"/>
+                <a:cs typeface="Courier"/>
+                <a:sym typeface="Courier"/>
+              </a:rPr>
+              <a:t>sum_of_squares</a:t>
+            </a:r>
+            <a:r>
+              <a:rPr lang="en-US" sz="2800" dirty="0">
+                <a:solidFill>
+                  <a:schemeClr val="dk1"/>
+                </a:solidFill>
+                <a:latin typeface="Source Code Pro" panose="020B0509030403020204" pitchFamily="49" charset="0"/>
+                <a:ea typeface="Source Code Pro" panose="020B0509030403020204" pitchFamily="49" charset="0"/>
+                <a:cs typeface="Courier"/>
+                <a:sym typeface="Courier"/>
+              </a:rPr>
+              <a:t>(n):</a:t>
+            </a:r>
+            <a:endParaRPr dirty="0">
+              <a:latin typeface="FreightSans Pro Light" panose="02000606030000020004" pitchFamily="2" charset="0"/>
+            </a:endParaRPr>
+          </a:p>
+          <a:p>
+            <a:r>
+              <a:rPr lang="en-US" sz="2800" dirty="0">
+                <a:solidFill>
+                  <a:schemeClr val="dk1"/>
+                </a:solidFill>
+                <a:latin typeface="Source Code Pro" panose="020B0509030403020204" pitchFamily="49" charset="0"/>
+                <a:ea typeface="Source Code Pro" panose="020B0509030403020204" pitchFamily="49" charset="0"/>
+                <a:cs typeface="Courier"/>
+                <a:sym typeface="Courier"/>
+              </a:rPr>
+              <a:t>    </a:t>
+            </a:r>
+            <a:r>
+              <a:rPr lang="en-US" sz="2800" dirty="0" err="1">
+                <a:solidFill>
+                  <a:schemeClr val="dk1"/>
+                </a:solidFill>
+                <a:latin typeface="Source Code Pro" panose="020B0509030403020204" pitchFamily="49" charset="0"/>
+                <a:ea typeface="Source Code Pro" panose="020B0509030403020204" pitchFamily="49" charset="0"/>
+                <a:cs typeface="Courier"/>
+                <a:sym typeface="Courier"/>
+              </a:rPr>
+              <a:t>accum</a:t>
+            </a:r>
+            <a:r>
+              <a:rPr lang="en-US" sz="2800" dirty="0">
+                <a:solidFill>
+                  <a:schemeClr val="dk1"/>
+                </a:solidFill>
+                <a:latin typeface="Source Code Pro" panose="020B0509030403020204" pitchFamily="49" charset="0"/>
+                <a:ea typeface="Source Code Pro" panose="020B0509030403020204" pitchFamily="49" charset="0"/>
+                <a:cs typeface="Courier"/>
+                <a:sym typeface="Courier"/>
+              </a:rPr>
+              <a:t> = 0</a:t>
+            </a:r>
+            <a:endParaRPr dirty="0">
+              <a:latin typeface="FreightSans Pro Light" panose="02000606030000020004" pitchFamily="2" charset="0"/>
+            </a:endParaRPr>
+          </a:p>
+          <a:p>
+            <a:r>
+              <a:rPr lang="en-US" sz="2800" dirty="0">
+                <a:solidFill>
+                  <a:schemeClr val="dk1"/>
+                </a:solidFill>
+                <a:latin typeface="Source Code Pro" panose="020B0509030403020204" pitchFamily="49" charset="0"/>
+                <a:ea typeface="Source Code Pro" panose="020B0509030403020204" pitchFamily="49" charset="0"/>
+                <a:cs typeface="Courier"/>
+                <a:sym typeface="Courier"/>
+              </a:rPr>
+              <a:t>    for </a:t>
+            </a:r>
+            <a:r>
+              <a:rPr lang="en-US" sz="2800" dirty="0" err="1">
+                <a:solidFill>
+                  <a:schemeClr val="dk1"/>
+                </a:solidFill>
+                <a:latin typeface="Source Code Pro" panose="020B0509030403020204" pitchFamily="49" charset="0"/>
+                <a:ea typeface="Source Code Pro" panose="020B0509030403020204" pitchFamily="49" charset="0"/>
+                <a:cs typeface="Courier"/>
+                <a:sym typeface="Courier"/>
+              </a:rPr>
+              <a:t>i</a:t>
+            </a:r>
+            <a:r>
+              <a:rPr lang="en-US" sz="2800" dirty="0">
+                <a:solidFill>
+                  <a:schemeClr val="dk1"/>
+                </a:solidFill>
+                <a:latin typeface="Source Code Pro" panose="020B0509030403020204" pitchFamily="49" charset="0"/>
+                <a:ea typeface="Source Code Pro" panose="020B0509030403020204" pitchFamily="49" charset="0"/>
+                <a:cs typeface="Courier"/>
+                <a:sym typeface="Courier"/>
+              </a:rPr>
+              <a:t> in range(1,n+1):</a:t>
+            </a:r>
+            <a:endParaRPr dirty="0">
+              <a:latin typeface="FreightSans Pro Light" panose="02000606030000020004" pitchFamily="2" charset="0"/>
+            </a:endParaRPr>
+          </a:p>
+          <a:p>
+            <a:r>
+              <a:rPr lang="en-US" sz="2800" dirty="0">
+                <a:solidFill>
+                  <a:schemeClr val="dk1"/>
+                </a:solidFill>
+                <a:latin typeface="Source Code Pro" panose="020B0509030403020204" pitchFamily="49" charset="0"/>
+                <a:ea typeface="Source Code Pro" panose="020B0509030403020204" pitchFamily="49" charset="0"/>
+                <a:cs typeface="Courier"/>
+                <a:sym typeface="Courier"/>
+              </a:rPr>
+              <a:t>        </a:t>
+            </a:r>
+            <a:r>
+              <a:rPr lang="en-US" sz="2800" dirty="0" err="1">
+                <a:solidFill>
+                  <a:schemeClr val="dk1"/>
+                </a:solidFill>
+                <a:latin typeface="Source Code Pro" panose="020B0509030403020204" pitchFamily="49" charset="0"/>
+                <a:ea typeface="Source Code Pro" panose="020B0509030403020204" pitchFamily="49" charset="0"/>
+                <a:cs typeface="Courier"/>
+                <a:sym typeface="Courier"/>
+              </a:rPr>
+              <a:t>accum</a:t>
+            </a:r>
+            <a:r>
+              <a:rPr lang="en-US" sz="2800" dirty="0">
+                <a:solidFill>
+                  <a:schemeClr val="dk1"/>
+                </a:solidFill>
+                <a:latin typeface="Source Code Pro" panose="020B0509030403020204" pitchFamily="49" charset="0"/>
+                <a:ea typeface="Source Code Pro" panose="020B0509030403020204" pitchFamily="49" charset="0"/>
+                <a:cs typeface="Courier"/>
+                <a:sym typeface="Courier"/>
+              </a:rPr>
+              <a:t> = </a:t>
+            </a:r>
+            <a:r>
+              <a:rPr lang="en-US" sz="2800" dirty="0" err="1">
+                <a:solidFill>
+                  <a:schemeClr val="dk1"/>
+                </a:solidFill>
+                <a:latin typeface="Source Code Pro" panose="020B0509030403020204" pitchFamily="49" charset="0"/>
+                <a:ea typeface="Source Code Pro" panose="020B0509030403020204" pitchFamily="49" charset="0"/>
+                <a:cs typeface="Courier"/>
+                <a:sym typeface="Courier"/>
+              </a:rPr>
+              <a:t>accum</a:t>
+            </a:r>
+            <a:r>
+              <a:rPr lang="en-US" sz="2800" dirty="0">
+                <a:solidFill>
+                  <a:schemeClr val="dk1"/>
+                </a:solidFill>
+                <a:latin typeface="Source Code Pro" panose="020B0509030403020204" pitchFamily="49" charset="0"/>
+                <a:ea typeface="Source Code Pro" panose="020B0509030403020204" pitchFamily="49" charset="0"/>
+                <a:cs typeface="Courier"/>
+                <a:sym typeface="Courier"/>
+              </a:rPr>
+              <a:t> + </a:t>
+            </a:r>
+            <a:r>
+              <a:rPr lang="en-US" sz="2800" dirty="0" err="1">
+                <a:solidFill>
+                  <a:schemeClr val="dk1"/>
+                </a:solidFill>
+                <a:latin typeface="Source Code Pro" panose="020B0509030403020204" pitchFamily="49" charset="0"/>
+                <a:ea typeface="Source Code Pro" panose="020B0509030403020204" pitchFamily="49" charset="0"/>
+                <a:cs typeface="Courier"/>
+                <a:sym typeface="Courier"/>
+              </a:rPr>
+              <a:t>i</a:t>
+            </a:r>
+            <a:r>
+              <a:rPr lang="en-US" sz="2800" dirty="0">
+                <a:solidFill>
+                  <a:schemeClr val="dk1"/>
+                </a:solidFill>
+                <a:latin typeface="Source Code Pro" panose="020B0509030403020204" pitchFamily="49" charset="0"/>
+                <a:ea typeface="Source Code Pro" panose="020B0509030403020204" pitchFamily="49" charset="0"/>
+                <a:cs typeface="Courier"/>
+                <a:sym typeface="Courier"/>
+              </a:rPr>
+              <a:t>*</a:t>
+            </a:r>
+            <a:r>
+              <a:rPr lang="en-US" sz="2800" dirty="0" err="1">
+                <a:solidFill>
+                  <a:schemeClr val="dk1"/>
+                </a:solidFill>
+                <a:latin typeface="Source Code Pro" panose="020B0509030403020204" pitchFamily="49" charset="0"/>
+                <a:ea typeface="Source Code Pro" panose="020B0509030403020204" pitchFamily="49" charset="0"/>
+                <a:cs typeface="Courier"/>
+                <a:sym typeface="Courier"/>
+              </a:rPr>
+              <a:t>i</a:t>
+            </a:r>
+            <a:endParaRPr sz="2800" dirty="0">
+              <a:solidFill>
+                <a:schemeClr val="dk1"/>
+              </a:solidFill>
+              <a:latin typeface="Source Code Pro" panose="020B0509030403020204" pitchFamily="49" charset="0"/>
+              <a:ea typeface="Source Code Pro" panose="020B0509030403020204" pitchFamily="49" charset="0"/>
+              <a:cs typeface="Courier"/>
+              <a:sym typeface="Courier"/>
+            </a:endParaRPr>
+          </a:p>
+          <a:p>
+            <a:r>
+              <a:rPr lang="en-US" sz="2800" dirty="0">
+                <a:solidFill>
+                  <a:schemeClr val="dk1"/>
+                </a:solidFill>
+                <a:latin typeface="Source Code Pro" panose="020B0509030403020204" pitchFamily="49" charset="0"/>
+                <a:ea typeface="Source Code Pro" panose="020B0509030403020204" pitchFamily="49" charset="0"/>
+                <a:cs typeface="Courier"/>
+                <a:sym typeface="Courier"/>
+              </a:rPr>
+              <a:t>    return </a:t>
+            </a:r>
+            <a:r>
+              <a:rPr lang="en-US" sz="2800" dirty="0" err="1">
+                <a:solidFill>
+                  <a:schemeClr val="dk1"/>
+                </a:solidFill>
+                <a:latin typeface="Source Code Pro" panose="020B0509030403020204" pitchFamily="49" charset="0"/>
+                <a:ea typeface="Source Code Pro" panose="020B0509030403020204" pitchFamily="49" charset="0"/>
+                <a:cs typeface="Courier"/>
+                <a:sym typeface="Courier"/>
+              </a:rPr>
+              <a:t>accum</a:t>
+            </a:r>
+            <a:endParaRPr sz="2800" dirty="0">
+              <a:solidFill>
+                <a:schemeClr val="dk1"/>
+              </a:solidFill>
+              <a:latin typeface="Source Code Pro" panose="020B0509030403020204" pitchFamily="49" charset="0"/>
+              <a:ea typeface="Source Code Pro" panose="020B0509030403020204" pitchFamily="49" charset="0"/>
+              <a:cs typeface="Courier"/>
+              <a:sym typeface="Courier"/>
+            </a:endParaRPr>
+          </a:p>
+        </p:txBody>
+      </p:sp>
+      <p:grpSp>
+        <p:nvGrpSpPr>
+          <p:cNvPr id="170" name="Google Shape;170;p19"/>
+          <p:cNvGrpSpPr/>
+          <p:nvPr/>
+        </p:nvGrpSpPr>
+        <p:grpSpPr>
+          <a:xfrm>
+            <a:off x="4953000" y="1149915"/>
+            <a:ext cx="4506362" cy="533400"/>
+            <a:chOff x="762000" y="1143000"/>
+            <a:chExt cx="4506362" cy="533400"/>
+          </a:xfrm>
+        </p:grpSpPr>
+        <p:sp>
+          <p:nvSpPr>
+            <p:cNvPr id="171" name="Google Shape;171;p19"/>
+            <p:cNvSpPr/>
+            <p:nvPr/>
+          </p:nvSpPr>
+          <p:spPr>
+            <a:xfrm>
+              <a:off x="762000" y="1143000"/>
+              <a:ext cx="4506362" cy="533400"/>
+            </a:xfrm>
+            <a:prstGeom prst="wedgeRectCallout">
+              <a:avLst>
+                <a:gd name="adj1" fmla="val -39275"/>
+                <a:gd name="adj2" fmla="val 237911"/>
+              </a:avLst>
+            </a:prstGeom>
+            <a:noFill/>
+            <a:ln w="12700" cap="flat" cmpd="sng">
+              <a:solidFill>
+                <a:schemeClr val="dk1"/>
+              </a:solidFill>
+              <a:prstDash val="solid"/>
+              <a:round/>
+              <a:headEnd type="none" w="sm" len="sm"/>
+              <a:tailEnd type="none" w="sm" len="sm"/>
+            </a:ln>
+          </p:spPr>
+          <p:txBody>
+            <a:bodyPr spcFirstLastPara="1" wrap="square" lIns="91425" tIns="45700" rIns="91425" bIns="45700" anchor="t" anchorCtr="0">
+              <a:noAutofit/>
+            </a:bodyPr>
+            <a:lstStyle/>
+            <a:p>
+              <a:pPr>
+                <a:buClr>
+                  <a:schemeClr val="dk1"/>
+                </a:buClr>
+                <a:buSzPts val="1800"/>
+              </a:pPr>
+              <a:endParaRPr sz="1800" dirty="0">
+                <a:solidFill>
+                  <a:schemeClr val="dk1"/>
+                </a:solidFill>
+                <a:latin typeface="FreightSans Pro Light" panose="02000606030000020004" pitchFamily="2" charset="0"/>
+              </a:endParaRPr>
+            </a:p>
+          </p:txBody>
+        </p:sp>
+        <p:sp>
+          <p:nvSpPr>
+            <p:cNvPr id="172" name="Google Shape;172;p19"/>
+            <p:cNvSpPr txBox="1"/>
+            <p:nvPr/>
+          </p:nvSpPr>
+          <p:spPr>
+            <a:xfrm>
+              <a:off x="762000" y="1219200"/>
+              <a:ext cx="4506362" cy="369332"/>
+            </a:xfrm>
+            <a:prstGeom prst="rect">
+              <a:avLst/>
+            </a:prstGeom>
+            <a:noFill/>
+            <a:ln>
+              <a:noFill/>
+            </a:ln>
+          </p:spPr>
+          <p:txBody>
+            <a:bodyPr spcFirstLastPara="1" wrap="square" lIns="91425" tIns="45700" rIns="91425" bIns="45700" anchor="t" anchorCtr="0">
+              <a:noAutofit/>
+            </a:bodyPr>
+            <a:lstStyle/>
+            <a:p>
+              <a:r>
+                <a:rPr lang="en-US" sz="1800" dirty="0">
+                  <a:solidFill>
+                    <a:schemeClr val="dk1"/>
+                  </a:solidFill>
+                  <a:latin typeface="FreightSans Pro Light" panose="02000606030000020004" pitchFamily="2" charset="0"/>
+                </a:rPr>
+                <a:t>1. Initialize the “base” case of no iterations</a:t>
+              </a:r>
+              <a:endParaRPr dirty="0">
+                <a:latin typeface="FreightSans Pro Light" panose="02000606030000020004" pitchFamily="2" charset="0"/>
+              </a:endParaRPr>
+            </a:p>
+          </p:txBody>
+        </p:sp>
+      </p:grpSp>
+      <p:grpSp>
+        <p:nvGrpSpPr>
+          <p:cNvPr id="173" name="Google Shape;173;p19"/>
+          <p:cNvGrpSpPr/>
+          <p:nvPr/>
+        </p:nvGrpSpPr>
+        <p:grpSpPr>
+          <a:xfrm>
+            <a:off x="7607573" y="1965213"/>
+            <a:ext cx="1851789" cy="533400"/>
+            <a:chOff x="762000" y="1143000"/>
+            <a:chExt cx="1851789" cy="533400"/>
+          </a:xfrm>
+        </p:grpSpPr>
+        <p:sp>
+          <p:nvSpPr>
+            <p:cNvPr id="174" name="Google Shape;174;p19"/>
+            <p:cNvSpPr/>
+            <p:nvPr/>
+          </p:nvSpPr>
+          <p:spPr>
+            <a:xfrm>
+              <a:off x="762000" y="1143000"/>
+              <a:ext cx="1851789" cy="533400"/>
+            </a:xfrm>
+            <a:prstGeom prst="wedgeRectCallout">
+              <a:avLst>
+                <a:gd name="adj1" fmla="val -87103"/>
+                <a:gd name="adj2" fmla="val 154962"/>
+              </a:avLst>
+            </a:prstGeom>
+            <a:noFill/>
+            <a:ln w="12700" cap="flat" cmpd="sng">
+              <a:solidFill>
+                <a:schemeClr val="dk1"/>
+              </a:solidFill>
+              <a:prstDash val="solid"/>
+              <a:round/>
+              <a:headEnd type="none" w="sm" len="sm"/>
+              <a:tailEnd type="none" w="sm" len="sm"/>
+            </a:ln>
+          </p:spPr>
+          <p:txBody>
+            <a:bodyPr spcFirstLastPara="1" wrap="square" lIns="91425" tIns="45700" rIns="91425" bIns="45700" anchor="t" anchorCtr="0">
+              <a:noAutofit/>
+            </a:bodyPr>
+            <a:lstStyle/>
+            <a:p>
+              <a:pPr>
+                <a:buClr>
+                  <a:schemeClr val="dk1"/>
+                </a:buClr>
+                <a:buSzPts val="1800"/>
+              </a:pPr>
+              <a:endParaRPr sz="1800" dirty="0">
+                <a:solidFill>
+                  <a:schemeClr val="dk1"/>
+                </a:solidFill>
+                <a:latin typeface="FreightSans Pro Light" panose="02000606030000020004" pitchFamily="2" charset="0"/>
+              </a:endParaRPr>
+            </a:p>
+          </p:txBody>
+        </p:sp>
+        <p:sp>
+          <p:nvSpPr>
+            <p:cNvPr id="175" name="Google Shape;175;p19"/>
+            <p:cNvSpPr txBox="1"/>
+            <p:nvPr/>
+          </p:nvSpPr>
+          <p:spPr>
+            <a:xfrm>
+              <a:off x="762000" y="1219200"/>
+              <a:ext cx="1851789" cy="369332"/>
+            </a:xfrm>
+            <a:prstGeom prst="rect">
+              <a:avLst/>
+            </a:prstGeom>
+            <a:noFill/>
+            <a:ln>
+              <a:noFill/>
+            </a:ln>
+          </p:spPr>
+          <p:txBody>
+            <a:bodyPr spcFirstLastPara="1" wrap="square" lIns="91425" tIns="45700" rIns="91425" bIns="45700" anchor="t" anchorCtr="0">
+              <a:noAutofit/>
+            </a:bodyPr>
+            <a:lstStyle/>
+            <a:p>
+              <a:r>
+                <a:rPr lang="en-US" sz="1800" dirty="0">
+                  <a:solidFill>
+                    <a:schemeClr val="dk1"/>
+                  </a:solidFill>
+                  <a:latin typeface="FreightSans Pro Light" panose="02000606030000020004" pitchFamily="2" charset="0"/>
+                </a:rPr>
+                <a:t>2. Starting value</a:t>
+              </a:r>
+              <a:endParaRPr dirty="0">
+                <a:latin typeface="FreightSans Pro Light" panose="02000606030000020004" pitchFamily="2" charset="0"/>
+              </a:endParaRPr>
+            </a:p>
+          </p:txBody>
+        </p:sp>
+      </p:grpSp>
+      <p:grpSp>
+        <p:nvGrpSpPr>
+          <p:cNvPr id="176" name="Google Shape;176;p19"/>
+          <p:cNvGrpSpPr/>
+          <p:nvPr/>
+        </p:nvGrpSpPr>
+        <p:grpSpPr>
+          <a:xfrm>
+            <a:off x="9208705" y="2624758"/>
+            <a:ext cx="1851789" cy="533400"/>
+            <a:chOff x="762000" y="1143000"/>
+            <a:chExt cx="1851789" cy="533400"/>
+          </a:xfrm>
+        </p:grpSpPr>
+        <p:sp>
+          <p:nvSpPr>
+            <p:cNvPr id="177" name="Google Shape;177;p19"/>
+            <p:cNvSpPr/>
+            <p:nvPr/>
+          </p:nvSpPr>
+          <p:spPr>
+            <a:xfrm>
+              <a:off x="762000" y="1143000"/>
+              <a:ext cx="1851789" cy="533400"/>
+            </a:xfrm>
+            <a:prstGeom prst="wedgeRectCallout">
+              <a:avLst>
+                <a:gd name="adj1" fmla="val -88696"/>
+                <a:gd name="adj2" fmla="val 55423"/>
+              </a:avLst>
+            </a:prstGeom>
+            <a:noFill/>
+            <a:ln w="12700" cap="flat" cmpd="sng">
+              <a:solidFill>
+                <a:schemeClr val="dk1"/>
+              </a:solidFill>
+              <a:prstDash val="solid"/>
+              <a:round/>
+              <a:headEnd type="none" w="sm" len="sm"/>
+              <a:tailEnd type="none" w="sm" len="sm"/>
+            </a:ln>
+          </p:spPr>
+          <p:txBody>
+            <a:bodyPr spcFirstLastPara="1" wrap="square" lIns="91425" tIns="45700" rIns="91425" bIns="45700" anchor="t" anchorCtr="0">
+              <a:noAutofit/>
+            </a:bodyPr>
+            <a:lstStyle/>
+            <a:p>
+              <a:pPr>
+                <a:buClr>
+                  <a:schemeClr val="dk1"/>
+                </a:buClr>
+                <a:buSzPts val="1800"/>
+              </a:pPr>
+              <a:endParaRPr sz="1800" dirty="0">
+                <a:solidFill>
+                  <a:schemeClr val="dk1"/>
+                </a:solidFill>
+                <a:latin typeface="FreightSans Pro Light" panose="02000606030000020004" pitchFamily="2" charset="0"/>
+              </a:endParaRPr>
+            </a:p>
+          </p:txBody>
+        </p:sp>
+        <p:sp>
+          <p:nvSpPr>
+            <p:cNvPr id="178" name="Google Shape;178;p19"/>
+            <p:cNvSpPr txBox="1"/>
+            <p:nvPr/>
+          </p:nvSpPr>
+          <p:spPr>
+            <a:xfrm>
+              <a:off x="762000" y="1219200"/>
+              <a:ext cx="1774845" cy="369332"/>
+            </a:xfrm>
+            <a:prstGeom prst="rect">
+              <a:avLst/>
+            </a:prstGeom>
+            <a:noFill/>
+            <a:ln>
+              <a:noFill/>
+            </a:ln>
+          </p:spPr>
+          <p:txBody>
+            <a:bodyPr spcFirstLastPara="1" wrap="square" lIns="91425" tIns="45700" rIns="91425" bIns="45700" anchor="t" anchorCtr="0">
+              <a:noAutofit/>
+            </a:bodyPr>
+            <a:lstStyle/>
+            <a:p>
+              <a:r>
+                <a:rPr lang="en-US" sz="1800" dirty="0">
+                  <a:solidFill>
+                    <a:schemeClr val="dk1"/>
+                  </a:solidFill>
+                  <a:latin typeface="FreightSans Pro Light" panose="02000606030000020004" pitchFamily="2" charset="0"/>
+                </a:rPr>
+                <a:t>3. Ending value</a:t>
+              </a:r>
+              <a:endParaRPr dirty="0">
+                <a:latin typeface="FreightSans Pro Light" panose="02000606030000020004" pitchFamily="2" charset="0"/>
+              </a:endParaRPr>
+            </a:p>
+          </p:txBody>
+        </p:sp>
+      </p:grpSp>
+      <p:grpSp>
+        <p:nvGrpSpPr>
+          <p:cNvPr id="179" name="Google Shape;179;p19"/>
+          <p:cNvGrpSpPr/>
+          <p:nvPr/>
+        </p:nvGrpSpPr>
+        <p:grpSpPr>
+          <a:xfrm>
+            <a:off x="6654655" y="4539684"/>
+            <a:ext cx="3148107" cy="533400"/>
+            <a:chOff x="-611262" y="1040368"/>
+            <a:chExt cx="3148107" cy="533400"/>
+          </a:xfrm>
+        </p:grpSpPr>
+        <p:sp>
+          <p:nvSpPr>
+            <p:cNvPr id="180" name="Google Shape;180;p19"/>
+            <p:cNvSpPr/>
+            <p:nvPr/>
+          </p:nvSpPr>
+          <p:spPr>
+            <a:xfrm>
+              <a:off x="-611262" y="1040368"/>
+              <a:ext cx="3148107" cy="533400"/>
+            </a:xfrm>
+            <a:prstGeom prst="wedgeRectCallout">
+              <a:avLst>
+                <a:gd name="adj1" fmla="val -75813"/>
+                <a:gd name="adj2" fmla="val -201720"/>
+              </a:avLst>
+            </a:prstGeom>
+            <a:noFill/>
+            <a:ln w="12700" cap="flat" cmpd="sng">
+              <a:solidFill>
+                <a:schemeClr val="dk1"/>
+              </a:solidFill>
+              <a:prstDash val="solid"/>
+              <a:round/>
+              <a:headEnd type="none" w="sm" len="sm"/>
+              <a:tailEnd type="none" w="sm" len="sm"/>
+            </a:ln>
+          </p:spPr>
+          <p:txBody>
+            <a:bodyPr spcFirstLastPara="1" wrap="square" lIns="91425" tIns="45700" rIns="91425" bIns="45700" anchor="t" anchorCtr="0">
+              <a:noAutofit/>
+            </a:bodyPr>
+            <a:lstStyle/>
+            <a:p>
+              <a:pPr>
+                <a:buClr>
+                  <a:schemeClr val="dk1"/>
+                </a:buClr>
+                <a:buSzPts val="1800"/>
+              </a:pPr>
+              <a:endParaRPr sz="1800" dirty="0">
+                <a:solidFill>
+                  <a:schemeClr val="dk1"/>
+                </a:solidFill>
+                <a:latin typeface="FreightSans Pro Light" panose="02000606030000020004" pitchFamily="2" charset="0"/>
+              </a:endParaRPr>
+            </a:p>
+          </p:txBody>
+        </p:sp>
+        <p:sp>
+          <p:nvSpPr>
+            <p:cNvPr id="181" name="Google Shape;181;p19"/>
+            <p:cNvSpPr txBox="1"/>
+            <p:nvPr/>
+          </p:nvSpPr>
+          <p:spPr>
+            <a:xfrm>
+              <a:off x="-510594" y="1128236"/>
+              <a:ext cx="2890535" cy="369332"/>
+            </a:xfrm>
+            <a:prstGeom prst="rect">
+              <a:avLst/>
+            </a:prstGeom>
+            <a:noFill/>
+            <a:ln>
+              <a:noFill/>
+            </a:ln>
+          </p:spPr>
+          <p:txBody>
+            <a:bodyPr spcFirstLastPara="1" wrap="square" lIns="91425" tIns="45700" rIns="91425" bIns="45700" anchor="t" anchorCtr="0">
+              <a:noAutofit/>
+            </a:bodyPr>
+            <a:lstStyle/>
+            <a:p>
+              <a:r>
+                <a:rPr lang="en-US" sz="1800" dirty="0">
+                  <a:solidFill>
+                    <a:schemeClr val="dk1"/>
+                  </a:solidFill>
+                  <a:latin typeface="FreightSans Pro Light" panose="02000606030000020004" pitchFamily="2" charset="0"/>
+                </a:rPr>
+                <a:t>4. New loop variable value</a:t>
+              </a:r>
+              <a:endParaRPr dirty="0">
+                <a:latin typeface="FreightSans Pro Light" panose="02000606030000020004" pitchFamily="2" charset="0"/>
+              </a:endParaRPr>
+            </a:p>
+          </p:txBody>
+        </p:sp>
+      </p:grpSp>
+    </p:spTree>
+  </p:cSld>
+  <p:clrMapOvr>
+    <a:masterClrMapping/>
+  </p:clrMapOvr>
+  <p:timing>
+    <p:tnLst>
+      <p:par>
+        <p:cTn id="1" dur="indefinite" restart="never" nodeType="tmRoot">
+          <p:childTnLst>
+            <p:seq concurrent="1" nextAc="seek">
+              <p:cTn id="2" dur="indefinite" nodeType="mainSeq">
+                <p:childTnLst>
+                  <p:par>
+                    <p:cTn id="3" fill="hold">
+                      <p:stCondLst>
+                        <p:cond delay="indefinite"/>
+                      </p:stCondLst>
+                      <p:childTnLst>
+                        <p:par>
+                          <p:cTn id="4" fill="hold">
+                            <p:stCondLst>
+                              <p:cond delay="0"/>
+                            </p:stCondLst>
+                            <p:childTnLst>
+                              <p:par>
+                                <p:cTn id="5" presetID="1" presetClass="entr" presetSubtype="0" fill="hold" nodeType="clickEffect">
+                                  <p:stCondLst>
+                                    <p:cond delay="0"/>
+                                  </p:stCondLst>
+                                  <p:childTnLst>
+                                    <p:set>
+                                      <p:cBhvr>
+                                        <p:cTn id="6" dur="1" fill="hold">
+                                          <p:stCondLst>
+                                            <p:cond delay="0"/>
+                                          </p:stCondLst>
+                                        </p:cTn>
+                                        <p:tgtEl>
+                                          <p:spTgt spid="169"/>
+                                        </p:tgtEl>
+                                        <p:attrNameLst>
+                                          <p:attrName>style.visibility</p:attrName>
+                                        </p:attrNameLst>
+                                      </p:cBhvr>
+                                      <p:to>
+                                        <p:strVal val="visible"/>
+                                      </p:to>
+                                    </p:set>
+                                  </p:childTnLst>
+                                </p:cTn>
+                              </p:par>
+                            </p:childTnLst>
+                          </p:cTn>
+                        </p:par>
+                      </p:childTnLst>
+                    </p:cTn>
+                  </p:par>
+                  <p:par>
+                    <p:cTn id="7" fill="hold">
+                      <p:stCondLst>
+                        <p:cond delay="indefinite"/>
+                      </p:stCondLst>
+                      <p:childTnLst>
+                        <p:par>
+                          <p:cTn id="8" fill="hold">
+                            <p:stCondLst>
+                              <p:cond delay="0"/>
+                            </p:stCondLst>
+                            <p:childTnLst>
+                              <p:par>
+                                <p:cTn id="9" presetID="1" presetClass="entr" presetSubtype="0" fill="hold" nodeType="clickEffect">
+                                  <p:stCondLst>
+                                    <p:cond delay="0"/>
+                                  </p:stCondLst>
+                                  <p:childTnLst>
+                                    <p:set>
+                                      <p:cBhvr>
+                                        <p:cTn id="10" dur="1" fill="hold">
+                                          <p:stCondLst>
+                                            <p:cond delay="0"/>
+                                          </p:stCondLst>
+                                        </p:cTn>
+                                        <p:tgtEl>
+                                          <p:spTgt spid="170"/>
+                                        </p:tgtEl>
+                                        <p:attrNameLst>
+                                          <p:attrName>style.visibility</p:attrName>
+                                        </p:attrNameLst>
+                                      </p:cBhvr>
+                                      <p:to>
+                                        <p:strVal val="visible"/>
+                                      </p:to>
+                                    </p:set>
+                                  </p:childTnLst>
+                                </p:cTn>
+                              </p:par>
+                            </p:childTnLst>
+                          </p:cTn>
+                        </p:par>
+                      </p:childTnLst>
+                    </p:cTn>
+                  </p:par>
+                  <p:par>
+                    <p:cTn id="11" fill="hold">
+                      <p:stCondLst>
+                        <p:cond delay="indefinite"/>
+                      </p:stCondLst>
+                      <p:childTnLst>
+                        <p:par>
+                          <p:cTn id="12" fill="hold">
+                            <p:stCondLst>
+                              <p:cond delay="0"/>
+                            </p:stCondLst>
+                            <p:childTnLst>
+                              <p:par>
+                                <p:cTn id="13" presetID="1" presetClass="entr" presetSubtype="0" fill="hold" nodeType="clickEffect">
+                                  <p:stCondLst>
+                                    <p:cond delay="0"/>
+                                  </p:stCondLst>
+                                  <p:childTnLst>
+                                    <p:set>
+                                      <p:cBhvr>
+                                        <p:cTn id="14" dur="1" fill="hold">
+                                          <p:stCondLst>
+                                            <p:cond delay="0"/>
+                                          </p:stCondLst>
+                                        </p:cTn>
+                                        <p:tgtEl>
+                                          <p:spTgt spid="173"/>
+                                        </p:tgtEl>
+                                        <p:attrNameLst>
+                                          <p:attrName>style.visibility</p:attrName>
+                                        </p:attrNameLst>
+                                      </p:cBhvr>
+                                      <p:to>
+                                        <p:strVal val="visible"/>
+                                      </p:to>
+                                    </p:set>
+                                  </p:childTnLst>
+                                </p:cTn>
+                              </p:par>
+                            </p:childTnLst>
+                          </p:cTn>
+                        </p:par>
+                      </p:childTnLst>
+                    </p:cTn>
+                  </p:par>
+                  <p:par>
+                    <p:cTn id="15" fill="hold">
+                      <p:stCondLst>
+                        <p:cond delay="indefinite"/>
+                      </p:stCondLst>
+                      <p:childTnLst>
+                        <p:par>
+                          <p:cTn id="16" fill="hold">
+                            <p:stCondLst>
+                              <p:cond delay="0"/>
+                            </p:stCondLst>
+                            <p:childTnLst>
+                              <p:par>
+                                <p:cTn id="17" presetID="1" presetClass="entr" presetSubtype="0" fill="hold" nodeType="clickEffect">
+                                  <p:stCondLst>
+                                    <p:cond delay="0"/>
+                                  </p:stCondLst>
+                                  <p:childTnLst>
+                                    <p:set>
+                                      <p:cBhvr>
+                                        <p:cTn id="18" dur="1" fill="hold">
+                                          <p:stCondLst>
+                                            <p:cond delay="0"/>
+                                          </p:stCondLst>
+                                        </p:cTn>
+                                        <p:tgtEl>
+                                          <p:spTgt spid="176"/>
+                                        </p:tgtEl>
+                                        <p:attrNameLst>
+                                          <p:attrName>style.visibility</p:attrName>
+                                        </p:attrNameLst>
+                                      </p:cBhvr>
+                                      <p:to>
+                                        <p:strVal val="visible"/>
+                                      </p:to>
+                                    </p:set>
+                                  </p:childTnLst>
+                                </p:cTn>
+                              </p:par>
+                            </p:childTnLst>
+                          </p:cTn>
+                        </p:par>
+                      </p:childTnLst>
+                    </p:cTn>
+                  </p:par>
+                  <p:par>
+                    <p:cTn id="19" fill="hold">
+                      <p:stCondLst>
+                        <p:cond delay="indefinite"/>
+                      </p:stCondLst>
+                      <p:childTnLst>
+                        <p:par>
+                          <p:cTn id="20" fill="hold">
+                            <p:stCondLst>
+                              <p:cond delay="0"/>
+                            </p:stCondLst>
+                            <p:childTnLst>
+                              <p:par>
+                                <p:cTn id="21" presetID="1" presetClass="entr" presetSubtype="0" fill="hold" nodeType="clickEffect">
+                                  <p:stCondLst>
+                                    <p:cond delay="0"/>
+                                  </p:stCondLst>
+                                  <p:childTnLst>
+                                    <p:set>
+                                      <p:cBhvr>
+                                        <p:cTn id="22" dur="1" fill="hold">
+                                          <p:stCondLst>
+                                            <p:cond delay="0"/>
+                                          </p:stCondLst>
+                                        </p:cTn>
+                                        <p:tgtEl>
+                                          <p:spTgt spid="179"/>
+                                        </p:tgtEl>
+                                        <p:attrNameLst>
+                                          <p:attrName>style.visibility</p:attrName>
+                                        </p:attrNameLst>
+                                      </p:cBhvr>
+                                      <p:to>
+                                        <p:strVal val="visible"/>
+                                      </p:to>
+                                    </p:set>
+                                  </p:childTnLst>
+                                </p:cTn>
+                              </p:par>
+                            </p:childTnLst>
+                          </p:cTn>
+                        </p:par>
+                      </p:childTnLst>
+                    </p:cTn>
+                  </p:par>
+                </p:childTnLst>
+              </p:cTn>
+              <p:prevCondLst>
+                <p:cond evt="onPrev" delay="0">
+                  <p:tgtEl>
+                    <p:sldTgt/>
+                  </p:tgtEl>
+                </p:cond>
+              </p:prevCondLst>
+              <p:nextCondLst>
+                <p:cond evt="onNext" delay="0">
+                  <p:tgtEl>
+                    <p:sldTgt/>
+                  </p:tgtEl>
+                </p:cond>
+              </p:nextCondLst>
+            </p:seq>
+          </p:childTnLst>
+        </p:cTn>
+      </p:par>
+    </p:tnLst>
+  </p:timing>
 </p:sld>
 </file>
 
